--- a/powerpoint files/Session3.pptx
+++ b/powerpoint files/Session3.pptx
@@ -136,7 +136,18 @@
   </p:defaultTextStyle>
   <p:extLst>
     <p:ext uri="{EFAFB233-063F-42B5-8137-9DF3F51BA10A}">
-      <p15:sldGuideLst xmlns:p15="http://schemas.microsoft.com/office/powerpoint/2012/main" xmlns=""/>
+      <p15:sldGuideLst xmlns:p15="http://schemas.microsoft.com/office/powerpoint/2012/main">
+        <p15:guide id="1" orient="horz" pos="2160">
+          <p15:clr>
+            <a:srgbClr val="A4A3A4"/>
+          </p15:clr>
+        </p15:guide>
+        <p15:guide id="2" pos="2880">
+          <p15:clr>
+            <a:srgbClr val="A4A3A4"/>
+          </p15:clr>
+        </p15:guide>
+      </p15:sldGuideLst>
     </p:ext>
   </p:extLst>
 </p:presentation>
@@ -4671,7 +4682,7 @@
           <a:p>
             <a:fld id="{927AE14A-E53B-F74F-B5AA-37C2AC2703D1}" type="datetimeFigureOut">
               <a:rPr lang="en-US" smtClean="0"/>
-              <a:t>14/07/21</a:t>
+              <a:t>11/22/2021</a:t>
             </a:fld>
             <a:endParaRPr lang="en-US"/>
           </a:p>
@@ -4841,7 +4852,7 @@
           <a:p>
             <a:fld id="{927AE14A-E53B-F74F-B5AA-37C2AC2703D1}" type="datetimeFigureOut">
               <a:rPr lang="en-US" smtClean="0"/>
-              <a:t>14/07/21</a:t>
+              <a:t>11/22/2021</a:t>
             </a:fld>
             <a:endParaRPr lang="en-US"/>
           </a:p>
@@ -5021,7 +5032,7 @@
           <a:p>
             <a:fld id="{927AE14A-E53B-F74F-B5AA-37C2AC2703D1}" type="datetimeFigureOut">
               <a:rPr lang="en-US" smtClean="0"/>
-              <a:t>14/07/21</a:t>
+              <a:t>11/22/2021</a:t>
             </a:fld>
             <a:endParaRPr lang="en-US"/>
           </a:p>
@@ -5382,7 +5393,7 @@
           <a:p>
             <a:fld id="{927AE14A-E53B-F74F-B5AA-37C2AC2703D1}" type="datetimeFigureOut">
               <a:rPr lang="en-US" smtClean="0"/>
-              <a:t>14/07/21</a:t>
+              <a:t>11/22/2021</a:t>
             </a:fld>
             <a:endParaRPr lang="en-US"/>
           </a:p>
@@ -5628,7 +5639,7 @@
           <a:p>
             <a:fld id="{927AE14A-E53B-F74F-B5AA-37C2AC2703D1}" type="datetimeFigureOut">
               <a:rPr lang="en-US" smtClean="0"/>
-              <a:t>14/07/21</a:t>
+              <a:t>11/22/2021</a:t>
             </a:fld>
             <a:endParaRPr lang="en-US"/>
           </a:p>
@@ -5916,7 +5927,7 @@
           <a:p>
             <a:fld id="{927AE14A-E53B-F74F-B5AA-37C2AC2703D1}" type="datetimeFigureOut">
               <a:rPr lang="en-US" smtClean="0"/>
-              <a:t>14/07/21</a:t>
+              <a:t>11/22/2021</a:t>
             </a:fld>
             <a:endParaRPr lang="en-US"/>
           </a:p>
@@ -6338,7 +6349,7 @@
           <a:p>
             <a:fld id="{927AE14A-E53B-F74F-B5AA-37C2AC2703D1}" type="datetimeFigureOut">
               <a:rPr lang="en-US" smtClean="0"/>
-              <a:t>14/07/21</a:t>
+              <a:t>11/22/2021</a:t>
             </a:fld>
             <a:endParaRPr lang="en-US"/>
           </a:p>
@@ -6456,7 +6467,7 @@
           <a:p>
             <a:fld id="{927AE14A-E53B-F74F-B5AA-37C2AC2703D1}" type="datetimeFigureOut">
               <a:rPr lang="en-US" smtClean="0"/>
-              <a:t>14/07/21</a:t>
+              <a:t>11/22/2021</a:t>
             </a:fld>
             <a:endParaRPr lang="en-US"/>
           </a:p>
@@ -6551,7 +6562,7 @@
           <a:p>
             <a:fld id="{927AE14A-E53B-F74F-B5AA-37C2AC2703D1}" type="datetimeFigureOut">
               <a:rPr lang="en-US" smtClean="0"/>
-              <a:t>14/07/21</a:t>
+              <a:t>11/22/2021</a:t>
             </a:fld>
             <a:endParaRPr lang="en-US"/>
           </a:p>
@@ -6828,7 +6839,7 @@
           <a:p>
             <a:fld id="{927AE14A-E53B-F74F-B5AA-37C2AC2703D1}" type="datetimeFigureOut">
               <a:rPr lang="en-US" smtClean="0"/>
-              <a:t>14/07/21</a:t>
+              <a:t>11/22/2021</a:t>
             </a:fld>
             <a:endParaRPr lang="en-US"/>
           </a:p>
@@ -7081,7 +7092,7 @@
           <a:p>
             <a:fld id="{927AE14A-E53B-F74F-B5AA-37C2AC2703D1}" type="datetimeFigureOut">
               <a:rPr lang="en-US" smtClean="0"/>
-              <a:t>14/07/21</a:t>
+              <a:t>11/22/2021</a:t>
             </a:fld>
             <a:endParaRPr lang="en-US"/>
           </a:p>
@@ -7294,7 +7305,7 @@
           <a:p>
             <a:fld id="{927AE14A-E53B-F74F-B5AA-37C2AC2703D1}" type="datetimeFigureOut">
               <a:rPr lang="en-US" smtClean="0"/>
-              <a:t>14/07/21</a:t>
+              <a:t>11/22/2021</a:t>
             </a:fld>
             <a:endParaRPr lang="en-US"/>
           </a:p>
@@ -7755,38 +7766,20 @@
           </a:p>
           <a:p>
             <a:r>
-              <a:rPr lang="en-US" dirty="0" smtClean="0">
+              <a:rPr lang="en-US" dirty="0" err="1">
                 <a:cs typeface="Calibri"/>
               </a:rPr>
-              <a:t>14</a:t>
-            </a:r>
-            <a:r>
-              <a:rPr lang="en-US" dirty="0" smtClean="0">
+              <a:t>Michaelmas</a:t>
+            </a:r>
+            <a:r>
+              <a:rPr lang="en-US">
                 <a:cs typeface="Calibri"/>
               </a:rPr>
-              <a:t>/07/</a:t>
-            </a:r>
-            <a:r>
-              <a:rPr lang="en-US" dirty="0">
-                <a:cs typeface="Calibri"/>
-              </a:rPr>
-              <a:t>2021</a:t>
-            </a:r>
-            <a:endParaRPr lang="en-US" dirty="0"/>
-          </a:p>
-          <a:p>
-            <a:r>
-              <a:rPr lang="en-US" dirty="0" smtClean="0">
-                <a:cs typeface="Calibri"/>
-              </a:rPr>
-              <a:t>Summer </a:t>
-            </a:r>
-            <a:r>
-              <a:rPr lang="en-US" dirty="0">
-                <a:cs typeface="Calibri"/>
-              </a:rPr>
-              <a:t>2021</a:t>
-            </a:r>
+              <a:t> 2021</a:t>
+            </a:r>
+            <a:endParaRPr lang="en-US" dirty="0">
+              <a:cs typeface="Calibri"/>
+            </a:endParaRPr>
           </a:p>
         </p:txBody>
       </p:sp>
@@ -7825,7 +7818,7 @@
           <p:cNvPr id="2" name="Title 1">
             <a:extLst>
               <a:ext uri="{FF2B5EF4-FFF2-40B4-BE49-F238E27FC236}">
-                <a16:creationId xmlns:a16="http://schemas.microsoft.com/office/drawing/2014/main" xmlns="" id="{EC84C91D-5C9A-4516-BC67-968A5870A641}"/>
+                <a16:creationId xmlns:a16="http://schemas.microsoft.com/office/drawing/2014/main" id="{EC84C91D-5C9A-4516-BC67-968A5870A641}"/>
               </a:ext>
             </a:extLst>
           </p:cNvPr>
@@ -7853,7 +7846,7 @@
           <p:cNvPr id="3" name="Group 2">
             <a:extLst>
               <a:ext uri="{FF2B5EF4-FFF2-40B4-BE49-F238E27FC236}">
-                <a16:creationId xmlns:a16="http://schemas.microsoft.com/office/drawing/2014/main" xmlns="" id="{DDF335C9-CC3C-406C-B99D-FCB5BDC05657}"/>
+                <a16:creationId xmlns:a16="http://schemas.microsoft.com/office/drawing/2014/main" id="{DDF335C9-CC3C-406C-B99D-FCB5BDC05657}"/>
               </a:ext>
             </a:extLst>
           </p:cNvPr>
@@ -7873,7 +7866,7 @@
             <p:cNvPr id="82" name="TextBox 81">
               <a:extLst>
                 <a:ext uri="{FF2B5EF4-FFF2-40B4-BE49-F238E27FC236}">
-                  <a16:creationId xmlns:a16="http://schemas.microsoft.com/office/drawing/2014/main" xmlns="" id="{F0B9703A-8E00-45E3-945A-D753A939F380}"/>
+                  <a16:creationId xmlns:a16="http://schemas.microsoft.com/office/drawing/2014/main" id="{F0B9703A-8E00-45E3-945A-D753A939F380}"/>
                 </a:ext>
               </a:extLst>
             </p:cNvPr>
@@ -7908,7 +7901,7 @@
             <p:cNvPr id="83" name="TextBox 82">
               <a:extLst>
                 <a:ext uri="{FF2B5EF4-FFF2-40B4-BE49-F238E27FC236}">
-                  <a16:creationId xmlns:a16="http://schemas.microsoft.com/office/drawing/2014/main" xmlns="" id="{23370F66-BB9D-4DC2-A68F-59755CEA3E8E}"/>
+                  <a16:creationId xmlns:a16="http://schemas.microsoft.com/office/drawing/2014/main" id="{23370F66-BB9D-4DC2-A68F-59755CEA3E8E}"/>
                 </a:ext>
               </a:extLst>
             </p:cNvPr>
@@ -7944,7 +7937,7 @@
             <p:cNvPr id="84" name="TextBox 83">
               <a:extLst>
                 <a:ext uri="{FF2B5EF4-FFF2-40B4-BE49-F238E27FC236}">
-                  <a16:creationId xmlns:a16="http://schemas.microsoft.com/office/drawing/2014/main" xmlns="" id="{B12BD07F-EC93-4EA4-8C5A-070FE3CA7CBD}"/>
+                  <a16:creationId xmlns:a16="http://schemas.microsoft.com/office/drawing/2014/main" id="{B12BD07F-EC93-4EA4-8C5A-070FE3CA7CBD}"/>
                 </a:ext>
               </a:extLst>
             </p:cNvPr>
@@ -7980,7 +7973,7 @@
             <p:cNvPr id="85" name="TextBox 84">
               <a:extLst>
                 <a:ext uri="{FF2B5EF4-FFF2-40B4-BE49-F238E27FC236}">
-                  <a16:creationId xmlns:a16="http://schemas.microsoft.com/office/drawing/2014/main" xmlns="" id="{D8D90B40-B037-43A3-8213-E46AEB7F62E0}"/>
+                  <a16:creationId xmlns:a16="http://schemas.microsoft.com/office/drawing/2014/main" id="{D8D90B40-B037-43A3-8213-E46AEB7F62E0}"/>
                 </a:ext>
               </a:extLst>
             </p:cNvPr>
@@ -8016,7 +8009,7 @@
             <p:cNvPr id="8" name="Arrow: Right 7">
               <a:extLst>
                 <a:ext uri="{FF2B5EF4-FFF2-40B4-BE49-F238E27FC236}">
-                  <a16:creationId xmlns:a16="http://schemas.microsoft.com/office/drawing/2014/main" xmlns="" id="{D6780405-1D22-4227-A13B-BACB6FF8D8BF}"/>
+                  <a16:creationId xmlns:a16="http://schemas.microsoft.com/office/drawing/2014/main" id="{D6780405-1D22-4227-A13B-BACB6FF8D8BF}"/>
                 </a:ext>
               </a:extLst>
             </p:cNvPr>
@@ -8062,7 +8055,7 @@
             <p:cNvPr id="86" name="Arrow: Right 85">
               <a:extLst>
                 <a:ext uri="{FF2B5EF4-FFF2-40B4-BE49-F238E27FC236}">
-                  <a16:creationId xmlns:a16="http://schemas.microsoft.com/office/drawing/2014/main" xmlns="" id="{CF01FEE1-9204-4446-A0BF-CE5CEFFF248C}"/>
+                  <a16:creationId xmlns:a16="http://schemas.microsoft.com/office/drawing/2014/main" id="{CF01FEE1-9204-4446-A0BF-CE5CEFFF248C}"/>
                 </a:ext>
               </a:extLst>
             </p:cNvPr>
@@ -8108,7 +8101,7 @@
             <p:cNvPr id="87" name="Arrow: Right 86">
               <a:extLst>
                 <a:ext uri="{FF2B5EF4-FFF2-40B4-BE49-F238E27FC236}">
-                  <a16:creationId xmlns:a16="http://schemas.microsoft.com/office/drawing/2014/main" xmlns="" id="{0924D3DF-07A2-4857-8B71-F2731B7CC6EC}"/>
+                  <a16:creationId xmlns:a16="http://schemas.microsoft.com/office/drawing/2014/main" id="{0924D3DF-07A2-4857-8B71-F2731B7CC6EC}"/>
                 </a:ext>
               </a:extLst>
             </p:cNvPr>
@@ -8154,7 +8147,7 @@
             <p:cNvPr id="140" name="Group 139">
               <a:extLst>
                 <a:ext uri="{FF2B5EF4-FFF2-40B4-BE49-F238E27FC236}">
-                  <a16:creationId xmlns:a16="http://schemas.microsoft.com/office/drawing/2014/main" xmlns="" id="{F3BECB90-D9D1-4B13-8B8D-36037E6AE123}"/>
+                  <a16:creationId xmlns:a16="http://schemas.microsoft.com/office/drawing/2014/main" id="{F3BECB90-D9D1-4B13-8B8D-36037E6AE123}"/>
                 </a:ext>
               </a:extLst>
             </p:cNvPr>
@@ -8174,7 +8167,7 @@
               <p:cNvPr id="42" name="TextBox 41">
                 <a:extLst>
                   <a:ext uri="{FF2B5EF4-FFF2-40B4-BE49-F238E27FC236}">
-                    <a16:creationId xmlns:a16="http://schemas.microsoft.com/office/drawing/2014/main" xmlns="" id="{87F9DFDC-E029-4E7E-8CAC-B5C71757DDAF}"/>
+                    <a16:creationId xmlns:a16="http://schemas.microsoft.com/office/drawing/2014/main" id="{87F9DFDC-E029-4E7E-8CAC-B5C71757DDAF}"/>
                   </a:ext>
                 </a:extLst>
               </p:cNvPr>
@@ -8239,7 +8232,7 @@
               <p:cNvPr id="44" name="Rectangle 43">
                 <a:extLst>
                   <a:ext uri="{FF2B5EF4-FFF2-40B4-BE49-F238E27FC236}">
-                    <a16:creationId xmlns:a16="http://schemas.microsoft.com/office/drawing/2014/main" xmlns="" id="{7077F985-F81F-4D2F-8A23-23D918119B4E}"/>
+                    <a16:creationId xmlns:a16="http://schemas.microsoft.com/office/drawing/2014/main" id="{7077F985-F81F-4D2F-8A23-23D918119B4E}"/>
                   </a:ext>
                 </a:extLst>
               </p:cNvPr>
@@ -8314,7 +8307,7 @@
               <p:cNvPr id="46" name="Rectangle 45">
                 <a:extLst>
                   <a:ext uri="{FF2B5EF4-FFF2-40B4-BE49-F238E27FC236}">
-                    <a16:creationId xmlns:a16="http://schemas.microsoft.com/office/drawing/2014/main" xmlns="" id="{2A23D012-3837-45A0-9B46-940F499633F4}"/>
+                    <a16:creationId xmlns:a16="http://schemas.microsoft.com/office/drawing/2014/main" id="{2A23D012-3837-45A0-9B46-940F499633F4}"/>
                   </a:ext>
                 </a:extLst>
               </p:cNvPr>
@@ -8389,7 +8382,7 @@
               <p:cNvPr id="47" name="Rectangle 46">
                 <a:extLst>
                   <a:ext uri="{FF2B5EF4-FFF2-40B4-BE49-F238E27FC236}">
-                    <a16:creationId xmlns:a16="http://schemas.microsoft.com/office/drawing/2014/main" xmlns="" id="{7ECA0BFC-05A5-4421-8EE9-0E7B56D373AE}"/>
+                    <a16:creationId xmlns:a16="http://schemas.microsoft.com/office/drawing/2014/main" id="{7ECA0BFC-05A5-4421-8EE9-0E7B56D373AE}"/>
                   </a:ext>
                 </a:extLst>
               </p:cNvPr>
@@ -8470,7 +8463,7 @@
               <p:cNvPr id="49" name="Rectangle 48">
                 <a:extLst>
                   <a:ext uri="{FF2B5EF4-FFF2-40B4-BE49-F238E27FC236}">
-                    <a16:creationId xmlns:a16="http://schemas.microsoft.com/office/drawing/2014/main" xmlns="" id="{D543A115-12B8-487D-BA57-1CAFF36D8A18}"/>
+                    <a16:creationId xmlns:a16="http://schemas.microsoft.com/office/drawing/2014/main" id="{D543A115-12B8-487D-BA57-1CAFF36D8A18}"/>
                   </a:ext>
                 </a:extLst>
               </p:cNvPr>
@@ -8545,7 +8538,7 @@
               <p:cNvPr id="50" name="Rectangle 49">
                 <a:extLst>
                   <a:ext uri="{FF2B5EF4-FFF2-40B4-BE49-F238E27FC236}">
-                    <a16:creationId xmlns:a16="http://schemas.microsoft.com/office/drawing/2014/main" xmlns="" id="{C9354AF8-D317-4757-94CA-070D79CBFCE7}"/>
+                    <a16:creationId xmlns:a16="http://schemas.microsoft.com/office/drawing/2014/main" id="{C9354AF8-D317-4757-94CA-070D79CBFCE7}"/>
                   </a:ext>
                 </a:extLst>
               </p:cNvPr>
@@ -8626,7 +8619,7 @@
               <p:cNvPr id="52" name="Rectangle 51">
                 <a:extLst>
                   <a:ext uri="{FF2B5EF4-FFF2-40B4-BE49-F238E27FC236}">
-                    <a16:creationId xmlns:a16="http://schemas.microsoft.com/office/drawing/2014/main" xmlns="" id="{4D59B460-452B-4A24-8DF1-C5AC227C5CDF}"/>
+                    <a16:creationId xmlns:a16="http://schemas.microsoft.com/office/drawing/2014/main" id="{4D59B460-452B-4A24-8DF1-C5AC227C5CDF}"/>
                   </a:ext>
                 </a:extLst>
               </p:cNvPr>
@@ -8701,7 +8694,7 @@
               <p:cNvPr id="53" name="TextBox 52">
                 <a:extLst>
                   <a:ext uri="{FF2B5EF4-FFF2-40B4-BE49-F238E27FC236}">
-                    <a16:creationId xmlns:a16="http://schemas.microsoft.com/office/drawing/2014/main" xmlns="" id="{BB1D74BF-729F-48E6-A4F1-ED6DC9518C2E}"/>
+                    <a16:creationId xmlns:a16="http://schemas.microsoft.com/office/drawing/2014/main" id="{BB1D74BF-729F-48E6-A4F1-ED6DC9518C2E}"/>
                   </a:ext>
                 </a:extLst>
               </p:cNvPr>
@@ -8766,7 +8759,7 @@
               <p:cNvPr id="54" name="TextBox 53">
                 <a:extLst>
                   <a:ext uri="{FF2B5EF4-FFF2-40B4-BE49-F238E27FC236}">
-                    <a16:creationId xmlns:a16="http://schemas.microsoft.com/office/drawing/2014/main" xmlns="" id="{BCD5AAD8-76B3-4078-8570-2ABABB65458A}"/>
+                    <a16:creationId xmlns:a16="http://schemas.microsoft.com/office/drawing/2014/main" id="{BCD5AAD8-76B3-4078-8570-2ABABB65458A}"/>
                   </a:ext>
                 </a:extLst>
               </p:cNvPr>
@@ -8831,7 +8824,7 @@
               <p:cNvPr id="55" name="TextBox 54">
                 <a:extLst>
                   <a:ext uri="{FF2B5EF4-FFF2-40B4-BE49-F238E27FC236}">
-                    <a16:creationId xmlns:a16="http://schemas.microsoft.com/office/drawing/2014/main" xmlns="" id="{60C00EA2-5B52-4C23-A292-9396949A8B07}"/>
+                    <a16:creationId xmlns:a16="http://schemas.microsoft.com/office/drawing/2014/main" id="{60C00EA2-5B52-4C23-A292-9396949A8B07}"/>
                   </a:ext>
                 </a:extLst>
               </p:cNvPr>
@@ -8896,7 +8889,7 @@
               <p:cNvPr id="56" name="TextBox 55">
                 <a:extLst>
                   <a:ext uri="{FF2B5EF4-FFF2-40B4-BE49-F238E27FC236}">
-                    <a16:creationId xmlns:a16="http://schemas.microsoft.com/office/drawing/2014/main" xmlns="" id="{51723278-2964-4B8F-9A55-BACCF7C65658}"/>
+                    <a16:creationId xmlns:a16="http://schemas.microsoft.com/office/drawing/2014/main" id="{51723278-2964-4B8F-9A55-BACCF7C65658}"/>
                   </a:ext>
                 </a:extLst>
               </p:cNvPr>
@@ -8961,7 +8954,7 @@
               <p:cNvPr id="57" name="TextBox 56">
                 <a:extLst>
                   <a:ext uri="{FF2B5EF4-FFF2-40B4-BE49-F238E27FC236}">
-                    <a16:creationId xmlns:a16="http://schemas.microsoft.com/office/drawing/2014/main" xmlns="" id="{007BADA1-C3CC-4E7C-B2AF-694F45F1DBBB}"/>
+                    <a16:creationId xmlns:a16="http://schemas.microsoft.com/office/drawing/2014/main" id="{007BADA1-C3CC-4E7C-B2AF-694F45F1DBBB}"/>
                   </a:ext>
                 </a:extLst>
               </p:cNvPr>
@@ -9032,7 +9025,7 @@
               <p:cNvPr id="59" name="TextBox 58">
                 <a:extLst>
                   <a:ext uri="{FF2B5EF4-FFF2-40B4-BE49-F238E27FC236}">
-                    <a16:creationId xmlns:a16="http://schemas.microsoft.com/office/drawing/2014/main" xmlns="" id="{C7C8E908-47E9-4236-ABFD-25E621AADE46}"/>
+                    <a16:creationId xmlns:a16="http://schemas.microsoft.com/office/drawing/2014/main" id="{C7C8E908-47E9-4236-ABFD-25E621AADE46}"/>
                   </a:ext>
                 </a:extLst>
               </p:cNvPr>
@@ -9103,7 +9096,7 @@
               <p:cNvPr id="88" name="TextBox 87">
                 <a:extLst>
                   <a:ext uri="{FF2B5EF4-FFF2-40B4-BE49-F238E27FC236}">
-                    <a16:creationId xmlns:a16="http://schemas.microsoft.com/office/drawing/2014/main" xmlns="" id="{8ADFB615-B121-4498-A41B-EB4739B5913A}"/>
+                    <a16:creationId xmlns:a16="http://schemas.microsoft.com/office/drawing/2014/main" id="{8ADFB615-B121-4498-A41B-EB4739B5913A}"/>
                   </a:ext>
                 </a:extLst>
               </p:cNvPr>
@@ -9138,7 +9131,7 @@
               <p:cNvPr id="89" name="TextBox 88">
                 <a:extLst>
                   <a:ext uri="{FF2B5EF4-FFF2-40B4-BE49-F238E27FC236}">
-                    <a16:creationId xmlns:a16="http://schemas.microsoft.com/office/drawing/2014/main" xmlns="" id="{97E41618-8921-43B5-8595-785901770D52}"/>
+                    <a16:creationId xmlns:a16="http://schemas.microsoft.com/office/drawing/2014/main" id="{97E41618-8921-43B5-8595-785901770D52}"/>
                   </a:ext>
                 </a:extLst>
               </p:cNvPr>
@@ -9173,7 +9166,7 @@
               <p:cNvPr id="90" name="TextBox 89">
                 <a:extLst>
                   <a:ext uri="{FF2B5EF4-FFF2-40B4-BE49-F238E27FC236}">
-                    <a16:creationId xmlns:a16="http://schemas.microsoft.com/office/drawing/2014/main" xmlns="" id="{D359457F-7BED-44E4-BD80-A11A351A6602}"/>
+                    <a16:creationId xmlns:a16="http://schemas.microsoft.com/office/drawing/2014/main" id="{D359457F-7BED-44E4-BD80-A11A351A6602}"/>
                   </a:ext>
                 </a:extLst>
               </p:cNvPr>
@@ -9209,7 +9202,7 @@
             <p:cNvPr id="23" name="Group 22">
               <a:extLst>
                 <a:ext uri="{FF2B5EF4-FFF2-40B4-BE49-F238E27FC236}">
-                  <a16:creationId xmlns:a16="http://schemas.microsoft.com/office/drawing/2014/main" xmlns="" id="{1239F17F-1DD1-4FA3-8F28-5C3412292064}"/>
+                  <a16:creationId xmlns:a16="http://schemas.microsoft.com/office/drawing/2014/main" id="{1239F17F-1DD1-4FA3-8F28-5C3412292064}"/>
                 </a:ext>
               </a:extLst>
             </p:cNvPr>
@@ -9229,7 +9222,7 @@
               <p:cNvPr id="24" name="TextBox 23">
                 <a:extLst>
                   <a:ext uri="{FF2B5EF4-FFF2-40B4-BE49-F238E27FC236}">
-                    <a16:creationId xmlns:a16="http://schemas.microsoft.com/office/drawing/2014/main" xmlns="" id="{5EADA898-5C7F-4FE1-A6E1-A7671D58A9CE}"/>
+                    <a16:creationId xmlns:a16="http://schemas.microsoft.com/office/drawing/2014/main" id="{5EADA898-5C7F-4FE1-A6E1-A7671D58A9CE}"/>
                   </a:ext>
                 </a:extLst>
               </p:cNvPr>
@@ -9294,7 +9287,7 @@
               <p:cNvPr id="25" name="TextBox 24">
                 <a:extLst>
                   <a:ext uri="{FF2B5EF4-FFF2-40B4-BE49-F238E27FC236}">
-                    <a16:creationId xmlns:a16="http://schemas.microsoft.com/office/drawing/2014/main" xmlns="" id="{1A41B668-E868-433E-9278-0ECA20CC4728}"/>
+                    <a16:creationId xmlns:a16="http://schemas.microsoft.com/office/drawing/2014/main" id="{1A41B668-E868-433E-9278-0ECA20CC4728}"/>
                   </a:ext>
                 </a:extLst>
               </p:cNvPr>
@@ -9359,7 +9352,7 @@
               <p:cNvPr id="26" name="Rectangle 25">
                 <a:extLst>
                   <a:ext uri="{FF2B5EF4-FFF2-40B4-BE49-F238E27FC236}">
-                    <a16:creationId xmlns:a16="http://schemas.microsoft.com/office/drawing/2014/main" xmlns="" id="{24CBEDD2-F3E0-465A-AF97-C813A18473D3}"/>
+                    <a16:creationId xmlns:a16="http://schemas.microsoft.com/office/drawing/2014/main" id="{24CBEDD2-F3E0-465A-AF97-C813A18473D3}"/>
                   </a:ext>
                 </a:extLst>
               </p:cNvPr>
@@ -9434,7 +9427,7 @@
               <p:cNvPr id="27" name="Rectangle 26">
                 <a:extLst>
                   <a:ext uri="{FF2B5EF4-FFF2-40B4-BE49-F238E27FC236}">
-                    <a16:creationId xmlns:a16="http://schemas.microsoft.com/office/drawing/2014/main" xmlns="" id="{C93C849C-E588-4B5C-BB09-65746EA1E601}"/>
+                    <a16:creationId xmlns:a16="http://schemas.microsoft.com/office/drawing/2014/main" id="{C93C849C-E588-4B5C-BB09-65746EA1E601}"/>
                   </a:ext>
                 </a:extLst>
               </p:cNvPr>
@@ -9512,7 +9505,7 @@
               <p:cNvPr id="28" name="Rectangle 27">
                 <a:extLst>
                   <a:ext uri="{FF2B5EF4-FFF2-40B4-BE49-F238E27FC236}">
-                    <a16:creationId xmlns:a16="http://schemas.microsoft.com/office/drawing/2014/main" xmlns="" id="{C3D5483B-5161-4547-9994-B74D52FD7695}"/>
+                    <a16:creationId xmlns:a16="http://schemas.microsoft.com/office/drawing/2014/main" id="{C3D5483B-5161-4547-9994-B74D52FD7695}"/>
                   </a:ext>
                 </a:extLst>
               </p:cNvPr>
@@ -9587,7 +9580,7 @@
               <p:cNvPr id="29" name="Rectangle 28">
                 <a:extLst>
                   <a:ext uri="{FF2B5EF4-FFF2-40B4-BE49-F238E27FC236}">
-                    <a16:creationId xmlns:a16="http://schemas.microsoft.com/office/drawing/2014/main" xmlns="" id="{BA4BFF20-9502-47E8-B1D8-3025D1513CF2}"/>
+                    <a16:creationId xmlns:a16="http://schemas.microsoft.com/office/drawing/2014/main" id="{BA4BFF20-9502-47E8-B1D8-3025D1513CF2}"/>
                   </a:ext>
                 </a:extLst>
               </p:cNvPr>
@@ -9668,7 +9661,7 @@
               <p:cNvPr id="30" name="Rectangle 29">
                 <a:extLst>
                   <a:ext uri="{FF2B5EF4-FFF2-40B4-BE49-F238E27FC236}">
-                    <a16:creationId xmlns:a16="http://schemas.microsoft.com/office/drawing/2014/main" xmlns="" id="{72CBFC0A-5F5D-4E5A-8893-D47492103B9B}"/>
+                    <a16:creationId xmlns:a16="http://schemas.microsoft.com/office/drawing/2014/main" id="{72CBFC0A-5F5D-4E5A-8893-D47492103B9B}"/>
                   </a:ext>
                 </a:extLst>
               </p:cNvPr>
@@ -9746,7 +9739,7 @@
               <p:cNvPr id="31" name="Rectangle 30">
                 <a:extLst>
                   <a:ext uri="{FF2B5EF4-FFF2-40B4-BE49-F238E27FC236}">
-                    <a16:creationId xmlns:a16="http://schemas.microsoft.com/office/drawing/2014/main" xmlns="" id="{2A7AF21D-E573-461E-ADED-231AA678C9C1}"/>
+                    <a16:creationId xmlns:a16="http://schemas.microsoft.com/office/drawing/2014/main" id="{2A7AF21D-E573-461E-ADED-231AA678C9C1}"/>
                   </a:ext>
                 </a:extLst>
               </p:cNvPr>
@@ -9821,7 +9814,7 @@
               <p:cNvPr id="32" name="Rectangle 31">
                 <a:extLst>
                   <a:ext uri="{FF2B5EF4-FFF2-40B4-BE49-F238E27FC236}">
-                    <a16:creationId xmlns:a16="http://schemas.microsoft.com/office/drawing/2014/main" xmlns="" id="{1C9D0D85-B47F-471B-8109-9820FA4A54A2}"/>
+                    <a16:creationId xmlns:a16="http://schemas.microsoft.com/office/drawing/2014/main" id="{1C9D0D85-B47F-471B-8109-9820FA4A54A2}"/>
                   </a:ext>
                 </a:extLst>
               </p:cNvPr>
@@ -9902,7 +9895,7 @@
               <p:cNvPr id="33" name="Rectangle 32">
                 <a:extLst>
                   <a:ext uri="{FF2B5EF4-FFF2-40B4-BE49-F238E27FC236}">
-                    <a16:creationId xmlns:a16="http://schemas.microsoft.com/office/drawing/2014/main" xmlns="" id="{830F4E2A-E335-4E88-86CD-93135AA712DE}"/>
+                    <a16:creationId xmlns:a16="http://schemas.microsoft.com/office/drawing/2014/main" id="{830F4E2A-E335-4E88-86CD-93135AA712DE}"/>
                   </a:ext>
                 </a:extLst>
               </p:cNvPr>
@@ -9980,7 +9973,7 @@
               <p:cNvPr id="34" name="Rectangle 33">
                 <a:extLst>
                   <a:ext uri="{FF2B5EF4-FFF2-40B4-BE49-F238E27FC236}">
-                    <a16:creationId xmlns:a16="http://schemas.microsoft.com/office/drawing/2014/main" xmlns="" id="{9B6E7242-BE0E-4188-90EB-D451EA921708}"/>
+                    <a16:creationId xmlns:a16="http://schemas.microsoft.com/office/drawing/2014/main" id="{9B6E7242-BE0E-4188-90EB-D451EA921708}"/>
                   </a:ext>
                 </a:extLst>
               </p:cNvPr>
@@ -10055,7 +10048,7 @@
               <p:cNvPr id="35" name="TextBox 34">
                 <a:extLst>
                   <a:ext uri="{FF2B5EF4-FFF2-40B4-BE49-F238E27FC236}">
-                    <a16:creationId xmlns:a16="http://schemas.microsoft.com/office/drawing/2014/main" xmlns="" id="{525FE60C-A2F6-4F79-9929-4261831BC396}"/>
+                    <a16:creationId xmlns:a16="http://schemas.microsoft.com/office/drawing/2014/main" id="{525FE60C-A2F6-4F79-9929-4261831BC396}"/>
                   </a:ext>
                 </a:extLst>
               </p:cNvPr>
@@ -10120,7 +10113,7 @@
               <p:cNvPr id="36" name="TextBox 35">
                 <a:extLst>
                   <a:ext uri="{FF2B5EF4-FFF2-40B4-BE49-F238E27FC236}">
-                    <a16:creationId xmlns:a16="http://schemas.microsoft.com/office/drawing/2014/main" xmlns="" id="{52459477-9CFA-43F4-8FBF-5082052E7B7E}"/>
+                    <a16:creationId xmlns:a16="http://schemas.microsoft.com/office/drawing/2014/main" id="{52459477-9CFA-43F4-8FBF-5082052E7B7E}"/>
                   </a:ext>
                 </a:extLst>
               </p:cNvPr>
@@ -10185,7 +10178,7 @@
               <p:cNvPr id="37" name="TextBox 36">
                 <a:extLst>
                   <a:ext uri="{FF2B5EF4-FFF2-40B4-BE49-F238E27FC236}">
-                    <a16:creationId xmlns:a16="http://schemas.microsoft.com/office/drawing/2014/main" xmlns="" id="{0FF33270-A6D0-49F2-AF39-C84A8B1D20AB}"/>
+                    <a16:creationId xmlns:a16="http://schemas.microsoft.com/office/drawing/2014/main" id="{0FF33270-A6D0-49F2-AF39-C84A8B1D20AB}"/>
                   </a:ext>
                 </a:extLst>
               </p:cNvPr>
@@ -10250,7 +10243,7 @@
               <p:cNvPr id="38" name="TextBox 37">
                 <a:extLst>
                   <a:ext uri="{FF2B5EF4-FFF2-40B4-BE49-F238E27FC236}">
-                    <a16:creationId xmlns:a16="http://schemas.microsoft.com/office/drawing/2014/main" xmlns="" id="{5F9C9F35-4049-4CA9-8809-A5EFC54820DD}"/>
+                    <a16:creationId xmlns:a16="http://schemas.microsoft.com/office/drawing/2014/main" id="{5F9C9F35-4049-4CA9-8809-A5EFC54820DD}"/>
                   </a:ext>
                 </a:extLst>
               </p:cNvPr>
@@ -10315,7 +10308,7 @@
               <p:cNvPr id="39" name="TextBox 38">
                 <a:extLst>
                   <a:ext uri="{FF2B5EF4-FFF2-40B4-BE49-F238E27FC236}">
-                    <a16:creationId xmlns:a16="http://schemas.microsoft.com/office/drawing/2014/main" xmlns="" id="{1F1AEBD9-C516-4863-B797-84570C5D01F5}"/>
+                    <a16:creationId xmlns:a16="http://schemas.microsoft.com/office/drawing/2014/main" id="{1F1AEBD9-C516-4863-B797-84570C5D01F5}"/>
                   </a:ext>
                 </a:extLst>
               </p:cNvPr>
@@ -10386,7 +10379,7 @@
               <p:cNvPr id="40" name="TextBox 39">
                 <a:extLst>
                   <a:ext uri="{FF2B5EF4-FFF2-40B4-BE49-F238E27FC236}">
-                    <a16:creationId xmlns:a16="http://schemas.microsoft.com/office/drawing/2014/main" xmlns="" id="{33B67FE8-0627-458A-BE29-C854A2733703}"/>
+                    <a16:creationId xmlns:a16="http://schemas.microsoft.com/office/drawing/2014/main" id="{33B67FE8-0627-458A-BE29-C854A2733703}"/>
                   </a:ext>
                 </a:extLst>
               </p:cNvPr>
@@ -10457,7 +10450,7 @@
               <p:cNvPr id="41" name="TextBox 40">
                 <a:extLst>
                   <a:ext uri="{FF2B5EF4-FFF2-40B4-BE49-F238E27FC236}">
-                    <a16:creationId xmlns:a16="http://schemas.microsoft.com/office/drawing/2014/main" xmlns="" id="{6133858F-13D8-45A9-9809-FE487B68BAC4}"/>
+                    <a16:creationId xmlns:a16="http://schemas.microsoft.com/office/drawing/2014/main" id="{6133858F-13D8-45A9-9809-FE487B68BAC4}"/>
                   </a:ext>
                 </a:extLst>
               </p:cNvPr>
@@ -10528,7 +10521,7 @@
               <p:cNvPr id="7" name="Straight Arrow Connector 6">
                 <a:extLst>
                   <a:ext uri="{FF2B5EF4-FFF2-40B4-BE49-F238E27FC236}">
-                    <a16:creationId xmlns:a16="http://schemas.microsoft.com/office/drawing/2014/main" xmlns="" id="{67B0671E-4A96-4143-B785-C01C902BD4BE}"/>
+                    <a16:creationId xmlns:a16="http://schemas.microsoft.com/office/drawing/2014/main" id="{67B0671E-4A96-4143-B785-C01C902BD4BE}"/>
                   </a:ext>
                 </a:extLst>
               </p:cNvPr>
@@ -10567,7 +10560,7 @@
               <p:cNvPr id="99" name="TextBox 98">
                 <a:extLst>
                   <a:ext uri="{FF2B5EF4-FFF2-40B4-BE49-F238E27FC236}">
-                    <a16:creationId xmlns:a16="http://schemas.microsoft.com/office/drawing/2014/main" xmlns="" id="{71FB9C06-B3FE-400C-92E0-05F4194114F5}"/>
+                    <a16:creationId xmlns:a16="http://schemas.microsoft.com/office/drawing/2014/main" id="{71FB9C06-B3FE-400C-92E0-05F4194114F5}"/>
                   </a:ext>
                 </a:extLst>
               </p:cNvPr>
@@ -10602,7 +10595,7 @@
               <p:cNvPr id="100" name="TextBox 99">
                 <a:extLst>
                   <a:ext uri="{FF2B5EF4-FFF2-40B4-BE49-F238E27FC236}">
-                    <a16:creationId xmlns:a16="http://schemas.microsoft.com/office/drawing/2014/main" xmlns="" id="{45740D8A-D35C-49ED-B515-0E89C174E7FC}"/>
+                    <a16:creationId xmlns:a16="http://schemas.microsoft.com/office/drawing/2014/main" id="{45740D8A-D35C-49ED-B515-0E89C174E7FC}"/>
                   </a:ext>
                 </a:extLst>
               </p:cNvPr>
@@ -10637,7 +10630,7 @@
               <p:cNvPr id="101" name="TextBox 100">
                 <a:extLst>
                   <a:ext uri="{FF2B5EF4-FFF2-40B4-BE49-F238E27FC236}">
-                    <a16:creationId xmlns:a16="http://schemas.microsoft.com/office/drawing/2014/main" xmlns="" id="{D0D2FB82-9403-4C41-99D8-EEE7D8D6F4D8}"/>
+                    <a16:creationId xmlns:a16="http://schemas.microsoft.com/office/drawing/2014/main" id="{D0D2FB82-9403-4C41-99D8-EEE7D8D6F4D8}"/>
                   </a:ext>
                 </a:extLst>
               </p:cNvPr>
@@ -10673,7 +10666,7 @@
             <p:cNvPr id="9" name="Group 8">
               <a:extLst>
                 <a:ext uri="{FF2B5EF4-FFF2-40B4-BE49-F238E27FC236}">
-                  <a16:creationId xmlns:a16="http://schemas.microsoft.com/office/drawing/2014/main" xmlns="" id="{A773320F-1BC3-4228-85BE-0A1BE780DE84}"/>
+                  <a16:creationId xmlns:a16="http://schemas.microsoft.com/office/drawing/2014/main" id="{A773320F-1BC3-4228-85BE-0A1BE780DE84}"/>
                 </a:ext>
               </a:extLst>
             </p:cNvPr>
@@ -10693,7 +10686,7 @@
               <p:cNvPr id="4" name="TextBox 3">
                 <a:extLst>
                   <a:ext uri="{FF2B5EF4-FFF2-40B4-BE49-F238E27FC236}">
-                    <a16:creationId xmlns:a16="http://schemas.microsoft.com/office/drawing/2014/main" xmlns="" id="{FD8E0A34-6246-4879-AB84-693B52782D4D}"/>
+                    <a16:creationId xmlns:a16="http://schemas.microsoft.com/office/drawing/2014/main" id="{FD8E0A34-6246-4879-AB84-693B52782D4D}"/>
                   </a:ext>
                 </a:extLst>
               </p:cNvPr>
@@ -10758,7 +10751,7 @@
               <p:cNvPr id="5" name="TextBox 4">
                 <a:extLst>
                   <a:ext uri="{FF2B5EF4-FFF2-40B4-BE49-F238E27FC236}">
-                    <a16:creationId xmlns:a16="http://schemas.microsoft.com/office/drawing/2014/main" xmlns="" id="{74508D8C-11FB-42F5-AAA0-BB3EDAD788C0}"/>
+                    <a16:creationId xmlns:a16="http://schemas.microsoft.com/office/drawing/2014/main" id="{74508D8C-11FB-42F5-AAA0-BB3EDAD788C0}"/>
                   </a:ext>
                 </a:extLst>
               </p:cNvPr>
@@ -10823,7 +10816,7 @@
               <p:cNvPr id="10" name="Rectangle 9">
                 <a:extLst>
                   <a:ext uri="{FF2B5EF4-FFF2-40B4-BE49-F238E27FC236}">
-                    <a16:creationId xmlns:a16="http://schemas.microsoft.com/office/drawing/2014/main" xmlns="" id="{E334BD66-ACA3-419A-B841-510979070C1F}"/>
+                    <a16:creationId xmlns:a16="http://schemas.microsoft.com/office/drawing/2014/main" id="{E334BD66-ACA3-419A-B841-510979070C1F}"/>
                   </a:ext>
                 </a:extLst>
               </p:cNvPr>
@@ -10904,7 +10897,7 @@
               <p:cNvPr id="11" name="Rectangle 10">
                 <a:extLst>
                   <a:ext uri="{FF2B5EF4-FFF2-40B4-BE49-F238E27FC236}">
-                    <a16:creationId xmlns:a16="http://schemas.microsoft.com/office/drawing/2014/main" xmlns="" id="{3C22E0C2-D510-4AF0-B4AB-4181B9CDF160}"/>
+                    <a16:creationId xmlns:a16="http://schemas.microsoft.com/office/drawing/2014/main" id="{3C22E0C2-D510-4AF0-B4AB-4181B9CDF160}"/>
                   </a:ext>
                 </a:extLst>
               </p:cNvPr>
@@ -10982,7 +10975,7 @@
               <p:cNvPr id="12" name="Rectangle 11">
                 <a:extLst>
                   <a:ext uri="{FF2B5EF4-FFF2-40B4-BE49-F238E27FC236}">
-                    <a16:creationId xmlns:a16="http://schemas.microsoft.com/office/drawing/2014/main" xmlns="" id="{3BF5E2A4-6A8A-4A6A-B1FC-6B32FA206E96}"/>
+                    <a16:creationId xmlns:a16="http://schemas.microsoft.com/office/drawing/2014/main" id="{3BF5E2A4-6A8A-4A6A-B1FC-6B32FA206E96}"/>
                   </a:ext>
                 </a:extLst>
               </p:cNvPr>
@@ -11057,7 +11050,7 @@
               <p:cNvPr id="13" name="Rectangle 12">
                 <a:extLst>
                   <a:ext uri="{FF2B5EF4-FFF2-40B4-BE49-F238E27FC236}">
-                    <a16:creationId xmlns:a16="http://schemas.microsoft.com/office/drawing/2014/main" xmlns="" id="{2C24CC2B-A7B8-4AD4-BB26-A342E745EEC4}"/>
+                    <a16:creationId xmlns:a16="http://schemas.microsoft.com/office/drawing/2014/main" id="{2C24CC2B-A7B8-4AD4-BB26-A342E745EEC4}"/>
                   </a:ext>
                 </a:extLst>
               </p:cNvPr>
@@ -11138,7 +11131,7 @@
               <p:cNvPr id="14" name="Rectangle 13">
                 <a:extLst>
                   <a:ext uri="{FF2B5EF4-FFF2-40B4-BE49-F238E27FC236}">
-                    <a16:creationId xmlns:a16="http://schemas.microsoft.com/office/drawing/2014/main" xmlns="" id="{52EB1309-FC8A-4B4D-BCA4-A047C8D2B948}"/>
+                    <a16:creationId xmlns:a16="http://schemas.microsoft.com/office/drawing/2014/main" id="{52EB1309-FC8A-4B4D-BCA4-A047C8D2B948}"/>
                   </a:ext>
                 </a:extLst>
               </p:cNvPr>
@@ -11216,7 +11209,7 @@
               <p:cNvPr id="15" name="Rectangle 14">
                 <a:extLst>
                   <a:ext uri="{FF2B5EF4-FFF2-40B4-BE49-F238E27FC236}">
-                    <a16:creationId xmlns:a16="http://schemas.microsoft.com/office/drawing/2014/main" xmlns="" id="{3DC9766A-2F4C-4A7E-A1A7-A5488887EB39}"/>
+                    <a16:creationId xmlns:a16="http://schemas.microsoft.com/office/drawing/2014/main" id="{3DC9766A-2F4C-4A7E-A1A7-A5488887EB39}"/>
                   </a:ext>
                 </a:extLst>
               </p:cNvPr>
@@ -11291,7 +11284,7 @@
               <p:cNvPr id="16" name="TextBox 15">
                 <a:extLst>
                   <a:ext uri="{FF2B5EF4-FFF2-40B4-BE49-F238E27FC236}">
-                    <a16:creationId xmlns:a16="http://schemas.microsoft.com/office/drawing/2014/main" xmlns="" id="{E8961374-8AE5-40BD-A141-08A16985F9BE}"/>
+                    <a16:creationId xmlns:a16="http://schemas.microsoft.com/office/drawing/2014/main" id="{E8961374-8AE5-40BD-A141-08A16985F9BE}"/>
                   </a:ext>
                 </a:extLst>
               </p:cNvPr>
@@ -11356,7 +11349,7 @@
               <p:cNvPr id="17" name="TextBox 16">
                 <a:extLst>
                   <a:ext uri="{FF2B5EF4-FFF2-40B4-BE49-F238E27FC236}">
-                    <a16:creationId xmlns:a16="http://schemas.microsoft.com/office/drawing/2014/main" xmlns="" id="{D5905258-4342-4AA6-90FA-81D53A3BC022}"/>
+                    <a16:creationId xmlns:a16="http://schemas.microsoft.com/office/drawing/2014/main" id="{D5905258-4342-4AA6-90FA-81D53A3BC022}"/>
                   </a:ext>
                 </a:extLst>
               </p:cNvPr>
@@ -11421,7 +11414,7 @@
               <p:cNvPr id="18" name="TextBox 17">
                 <a:extLst>
                   <a:ext uri="{FF2B5EF4-FFF2-40B4-BE49-F238E27FC236}">
-                    <a16:creationId xmlns:a16="http://schemas.microsoft.com/office/drawing/2014/main" xmlns="" id="{8C33554D-6770-4CB0-8EE5-B464C785E995}"/>
+                    <a16:creationId xmlns:a16="http://schemas.microsoft.com/office/drawing/2014/main" id="{8C33554D-6770-4CB0-8EE5-B464C785E995}"/>
                   </a:ext>
                 </a:extLst>
               </p:cNvPr>
@@ -11486,7 +11479,7 @@
               <p:cNvPr id="19" name="TextBox 18">
                 <a:extLst>
                   <a:ext uri="{FF2B5EF4-FFF2-40B4-BE49-F238E27FC236}">
-                    <a16:creationId xmlns:a16="http://schemas.microsoft.com/office/drawing/2014/main" xmlns="" id="{F678A81E-4AEF-4EF2-B17B-67F98CC573B5}"/>
+                    <a16:creationId xmlns:a16="http://schemas.microsoft.com/office/drawing/2014/main" id="{F678A81E-4AEF-4EF2-B17B-67F98CC573B5}"/>
                   </a:ext>
                 </a:extLst>
               </p:cNvPr>
@@ -11551,7 +11544,7 @@
               <p:cNvPr id="20" name="TextBox 19">
                 <a:extLst>
                   <a:ext uri="{FF2B5EF4-FFF2-40B4-BE49-F238E27FC236}">
-                    <a16:creationId xmlns:a16="http://schemas.microsoft.com/office/drawing/2014/main" xmlns="" id="{1CCDBB48-7D49-4969-A1D5-50ABEA047061}"/>
+                    <a16:creationId xmlns:a16="http://schemas.microsoft.com/office/drawing/2014/main" id="{1CCDBB48-7D49-4969-A1D5-50ABEA047061}"/>
                   </a:ext>
                 </a:extLst>
               </p:cNvPr>
@@ -11622,7 +11615,7 @@
               <p:cNvPr id="21" name="TextBox 20">
                 <a:extLst>
                   <a:ext uri="{FF2B5EF4-FFF2-40B4-BE49-F238E27FC236}">
-                    <a16:creationId xmlns:a16="http://schemas.microsoft.com/office/drawing/2014/main" xmlns="" id="{FF63B31B-8BEC-458B-898D-43DD665FD152}"/>
+                    <a16:creationId xmlns:a16="http://schemas.microsoft.com/office/drawing/2014/main" id="{FF63B31B-8BEC-458B-898D-43DD665FD152}"/>
                   </a:ext>
                 </a:extLst>
               </p:cNvPr>
@@ -11693,7 +11686,7 @@
               <p:cNvPr id="22" name="TextBox 21">
                 <a:extLst>
                   <a:ext uri="{FF2B5EF4-FFF2-40B4-BE49-F238E27FC236}">
-                    <a16:creationId xmlns:a16="http://schemas.microsoft.com/office/drawing/2014/main" xmlns="" id="{4610531F-99D5-463B-92DF-8DBD80B9F153}"/>
+                    <a16:creationId xmlns:a16="http://schemas.microsoft.com/office/drawing/2014/main" id="{4610531F-99D5-463B-92DF-8DBD80B9F153}"/>
                   </a:ext>
                 </a:extLst>
               </p:cNvPr>
@@ -11764,7 +11757,7 @@
               <p:cNvPr id="78" name="Rectangle 77">
                 <a:extLst>
                   <a:ext uri="{FF2B5EF4-FFF2-40B4-BE49-F238E27FC236}">
-                    <a16:creationId xmlns:a16="http://schemas.microsoft.com/office/drawing/2014/main" xmlns="" id="{B7D8E518-CA6B-45D6-92EF-69476FD5EA51}"/>
+                    <a16:creationId xmlns:a16="http://schemas.microsoft.com/office/drawing/2014/main" id="{B7D8E518-CA6B-45D6-92EF-69476FD5EA51}"/>
                   </a:ext>
                 </a:extLst>
               </p:cNvPr>
@@ -11839,7 +11832,7 @@
               <p:cNvPr id="79" name="Rectangle 78">
                 <a:extLst>
                   <a:ext uri="{FF2B5EF4-FFF2-40B4-BE49-F238E27FC236}">
-                    <a16:creationId xmlns:a16="http://schemas.microsoft.com/office/drawing/2014/main" xmlns="" id="{E98431C7-8CFD-45F1-9BFA-1579D376D212}"/>
+                    <a16:creationId xmlns:a16="http://schemas.microsoft.com/office/drawing/2014/main" id="{E98431C7-8CFD-45F1-9BFA-1579D376D212}"/>
                   </a:ext>
                 </a:extLst>
               </p:cNvPr>
@@ -11917,7 +11910,7 @@
               <p:cNvPr id="80" name="Rectangle 79">
                 <a:extLst>
                   <a:ext uri="{FF2B5EF4-FFF2-40B4-BE49-F238E27FC236}">
-                    <a16:creationId xmlns:a16="http://schemas.microsoft.com/office/drawing/2014/main" xmlns="" id="{4C0F7337-773B-480C-A620-E433C475D5DC}"/>
+                    <a16:creationId xmlns:a16="http://schemas.microsoft.com/office/drawing/2014/main" id="{4C0F7337-773B-480C-A620-E433C475D5DC}"/>
                   </a:ext>
                 </a:extLst>
               </p:cNvPr>
@@ -11992,7 +11985,7 @@
               <p:cNvPr id="102" name="TextBox 101">
                 <a:extLst>
                   <a:ext uri="{FF2B5EF4-FFF2-40B4-BE49-F238E27FC236}">
-                    <a16:creationId xmlns:a16="http://schemas.microsoft.com/office/drawing/2014/main" xmlns="" id="{52FA7902-957D-4084-9AFD-7CE2E1ABFB7C}"/>
+                    <a16:creationId xmlns:a16="http://schemas.microsoft.com/office/drawing/2014/main" id="{52FA7902-957D-4084-9AFD-7CE2E1ABFB7C}"/>
                   </a:ext>
                 </a:extLst>
               </p:cNvPr>
@@ -12027,7 +12020,7 @@
               <p:cNvPr id="103" name="TextBox 102">
                 <a:extLst>
                   <a:ext uri="{FF2B5EF4-FFF2-40B4-BE49-F238E27FC236}">
-                    <a16:creationId xmlns:a16="http://schemas.microsoft.com/office/drawing/2014/main" xmlns="" id="{DBA467CD-1402-4CE7-8CE1-44DCA7F16495}"/>
+                    <a16:creationId xmlns:a16="http://schemas.microsoft.com/office/drawing/2014/main" id="{DBA467CD-1402-4CE7-8CE1-44DCA7F16495}"/>
                   </a:ext>
                 </a:extLst>
               </p:cNvPr>
@@ -12062,7 +12055,7 @@
               <p:cNvPr id="104" name="TextBox 103">
                 <a:extLst>
                   <a:ext uri="{FF2B5EF4-FFF2-40B4-BE49-F238E27FC236}">
-                    <a16:creationId xmlns:a16="http://schemas.microsoft.com/office/drawing/2014/main" xmlns="" id="{CFFD073E-D295-4E24-A0CE-7F2606D271BB}"/>
+                    <a16:creationId xmlns:a16="http://schemas.microsoft.com/office/drawing/2014/main" id="{CFFD073E-D295-4E24-A0CE-7F2606D271BB}"/>
                   </a:ext>
                 </a:extLst>
               </p:cNvPr>
@@ -12098,7 +12091,7 @@
             <p:cNvPr id="141" name="Group 140">
               <a:extLst>
                 <a:ext uri="{FF2B5EF4-FFF2-40B4-BE49-F238E27FC236}">
-                  <a16:creationId xmlns:a16="http://schemas.microsoft.com/office/drawing/2014/main" xmlns="" id="{34281448-CDFE-49B0-83CF-86463296A3F3}"/>
+                  <a16:creationId xmlns:a16="http://schemas.microsoft.com/office/drawing/2014/main" id="{34281448-CDFE-49B0-83CF-86463296A3F3}"/>
                 </a:ext>
               </a:extLst>
             </p:cNvPr>
@@ -12118,7 +12111,7 @@
               <p:cNvPr id="105" name="TextBox 104">
                 <a:extLst>
                   <a:ext uri="{FF2B5EF4-FFF2-40B4-BE49-F238E27FC236}">
-                    <a16:creationId xmlns:a16="http://schemas.microsoft.com/office/drawing/2014/main" xmlns="" id="{4C7E1289-2675-4754-9F03-85429D81B902}"/>
+                    <a16:creationId xmlns:a16="http://schemas.microsoft.com/office/drawing/2014/main" id="{4C7E1289-2675-4754-9F03-85429D81B902}"/>
                   </a:ext>
                 </a:extLst>
               </p:cNvPr>
@@ -12183,7 +12176,7 @@
               <p:cNvPr id="108" name="Rectangle 107">
                 <a:extLst>
                   <a:ext uri="{FF2B5EF4-FFF2-40B4-BE49-F238E27FC236}">
-                    <a16:creationId xmlns:a16="http://schemas.microsoft.com/office/drawing/2014/main" xmlns="" id="{47EFB43F-E1BF-45F0-B75A-D0137EFFD736}"/>
+                    <a16:creationId xmlns:a16="http://schemas.microsoft.com/office/drawing/2014/main" id="{47EFB43F-E1BF-45F0-B75A-D0137EFFD736}"/>
                   </a:ext>
                 </a:extLst>
               </p:cNvPr>
@@ -12264,7 +12257,7 @@
               <p:cNvPr id="109" name="Rectangle 108">
                 <a:extLst>
                   <a:ext uri="{FF2B5EF4-FFF2-40B4-BE49-F238E27FC236}">
-                    <a16:creationId xmlns:a16="http://schemas.microsoft.com/office/drawing/2014/main" xmlns="" id="{D9D8F4F9-E832-421B-9DBC-0117B7906E98}"/>
+                    <a16:creationId xmlns:a16="http://schemas.microsoft.com/office/drawing/2014/main" id="{D9D8F4F9-E832-421B-9DBC-0117B7906E98}"/>
                   </a:ext>
                 </a:extLst>
               </p:cNvPr>
@@ -12339,7 +12332,7 @@
               <p:cNvPr id="110" name="Rectangle 109">
                 <a:extLst>
                   <a:ext uri="{FF2B5EF4-FFF2-40B4-BE49-F238E27FC236}">
-                    <a16:creationId xmlns:a16="http://schemas.microsoft.com/office/drawing/2014/main" xmlns="" id="{7C57D07F-0811-4CCF-8071-80CF775D3FAF}"/>
+                    <a16:creationId xmlns:a16="http://schemas.microsoft.com/office/drawing/2014/main" id="{7C57D07F-0811-4CCF-8071-80CF775D3FAF}"/>
                   </a:ext>
                 </a:extLst>
               </p:cNvPr>
@@ -12420,7 +12413,7 @@
               <p:cNvPr id="111" name="Rectangle 110">
                 <a:extLst>
                   <a:ext uri="{FF2B5EF4-FFF2-40B4-BE49-F238E27FC236}">
-                    <a16:creationId xmlns:a16="http://schemas.microsoft.com/office/drawing/2014/main" xmlns="" id="{15C80DB4-CF1D-4480-AB41-2213EAFDA857}"/>
+                    <a16:creationId xmlns:a16="http://schemas.microsoft.com/office/drawing/2014/main" id="{15C80DB4-CF1D-4480-AB41-2213EAFDA857}"/>
                   </a:ext>
                 </a:extLst>
               </p:cNvPr>
@@ -12495,7 +12488,7 @@
               <p:cNvPr id="112" name="TextBox 111">
                 <a:extLst>
                   <a:ext uri="{FF2B5EF4-FFF2-40B4-BE49-F238E27FC236}">
-                    <a16:creationId xmlns:a16="http://schemas.microsoft.com/office/drawing/2014/main" xmlns="" id="{7453D898-61D2-46E6-A770-42544C4995AE}"/>
+                    <a16:creationId xmlns:a16="http://schemas.microsoft.com/office/drawing/2014/main" id="{7453D898-61D2-46E6-A770-42544C4995AE}"/>
                   </a:ext>
                 </a:extLst>
               </p:cNvPr>
@@ -12560,7 +12553,7 @@
               <p:cNvPr id="113" name="TextBox 112">
                 <a:extLst>
                   <a:ext uri="{FF2B5EF4-FFF2-40B4-BE49-F238E27FC236}">
-                    <a16:creationId xmlns:a16="http://schemas.microsoft.com/office/drawing/2014/main" xmlns="" id="{9FDF0C7E-DF35-4805-A855-49DEF7503ECE}"/>
+                    <a16:creationId xmlns:a16="http://schemas.microsoft.com/office/drawing/2014/main" id="{9FDF0C7E-DF35-4805-A855-49DEF7503ECE}"/>
                   </a:ext>
                 </a:extLst>
               </p:cNvPr>
@@ -12625,7 +12618,7 @@
               <p:cNvPr id="115" name="TextBox 114">
                 <a:extLst>
                   <a:ext uri="{FF2B5EF4-FFF2-40B4-BE49-F238E27FC236}">
-                    <a16:creationId xmlns:a16="http://schemas.microsoft.com/office/drawing/2014/main" xmlns="" id="{DC8918BD-965D-454D-A080-C2443BD6A0CA}"/>
+                    <a16:creationId xmlns:a16="http://schemas.microsoft.com/office/drawing/2014/main" id="{DC8918BD-965D-454D-A080-C2443BD6A0CA}"/>
                   </a:ext>
                 </a:extLst>
               </p:cNvPr>
@@ -12690,7 +12683,7 @@
               <p:cNvPr id="116" name="TextBox 115">
                 <a:extLst>
                   <a:ext uri="{FF2B5EF4-FFF2-40B4-BE49-F238E27FC236}">
-                    <a16:creationId xmlns:a16="http://schemas.microsoft.com/office/drawing/2014/main" xmlns="" id="{E37A73EF-6F09-487B-88EA-947E69A838A1}"/>
+                    <a16:creationId xmlns:a16="http://schemas.microsoft.com/office/drawing/2014/main" id="{E37A73EF-6F09-487B-88EA-947E69A838A1}"/>
                   </a:ext>
                 </a:extLst>
               </p:cNvPr>
@@ -12761,7 +12754,7 @@
               <p:cNvPr id="117" name="TextBox 116">
                 <a:extLst>
                   <a:ext uri="{FF2B5EF4-FFF2-40B4-BE49-F238E27FC236}">
-                    <a16:creationId xmlns:a16="http://schemas.microsoft.com/office/drawing/2014/main" xmlns="" id="{8BE85557-3E2E-4956-9275-AC9E477F32D6}"/>
+                    <a16:creationId xmlns:a16="http://schemas.microsoft.com/office/drawing/2014/main" id="{8BE85557-3E2E-4956-9275-AC9E477F32D6}"/>
                   </a:ext>
                 </a:extLst>
               </p:cNvPr>
@@ -12832,7 +12825,7 @@
               <p:cNvPr id="119" name="TextBox 118">
                 <a:extLst>
                   <a:ext uri="{FF2B5EF4-FFF2-40B4-BE49-F238E27FC236}">
-                    <a16:creationId xmlns:a16="http://schemas.microsoft.com/office/drawing/2014/main" xmlns="" id="{8AF057DD-687D-4F2B-96D5-740890E18113}"/>
+                    <a16:creationId xmlns:a16="http://schemas.microsoft.com/office/drawing/2014/main" id="{8AF057DD-687D-4F2B-96D5-740890E18113}"/>
                   </a:ext>
                 </a:extLst>
               </p:cNvPr>
@@ -12867,7 +12860,7 @@
               <p:cNvPr id="120" name="TextBox 119">
                 <a:extLst>
                   <a:ext uri="{FF2B5EF4-FFF2-40B4-BE49-F238E27FC236}">
-                    <a16:creationId xmlns:a16="http://schemas.microsoft.com/office/drawing/2014/main" xmlns="" id="{B15E8FB3-E5B8-4644-8B28-4F829C2C529F}"/>
+                    <a16:creationId xmlns:a16="http://schemas.microsoft.com/office/drawing/2014/main" id="{B15E8FB3-E5B8-4644-8B28-4F829C2C529F}"/>
                   </a:ext>
                 </a:extLst>
               </p:cNvPr>
@@ -12903,7 +12896,7 @@
             <p:cNvPr id="121" name="Arrow: Right 120">
               <a:extLst>
                 <a:ext uri="{FF2B5EF4-FFF2-40B4-BE49-F238E27FC236}">
-                  <a16:creationId xmlns:a16="http://schemas.microsoft.com/office/drawing/2014/main" xmlns="" id="{9B6F6DB7-BED8-402A-983E-163E5664D881}"/>
+                  <a16:creationId xmlns:a16="http://schemas.microsoft.com/office/drawing/2014/main" id="{9B6F6DB7-BED8-402A-983E-163E5664D881}"/>
                 </a:ext>
               </a:extLst>
             </p:cNvPr>
@@ -12949,7 +12942,7 @@
             <p:cNvPr id="139" name="TextBox 138">
               <a:extLst>
                 <a:ext uri="{FF2B5EF4-FFF2-40B4-BE49-F238E27FC236}">
-                  <a16:creationId xmlns:a16="http://schemas.microsoft.com/office/drawing/2014/main" xmlns="" id="{0FB71312-3F35-4829-8909-6C17E6476840}"/>
+                  <a16:creationId xmlns:a16="http://schemas.microsoft.com/office/drawing/2014/main" id="{0FB71312-3F35-4829-8909-6C17E6476840}"/>
                 </a:ext>
               </a:extLst>
             </p:cNvPr>
@@ -12985,7 +12978,7 @@
             <p:cNvPr id="143" name="Group 142">
               <a:extLst>
                 <a:ext uri="{FF2B5EF4-FFF2-40B4-BE49-F238E27FC236}">
-                  <a16:creationId xmlns:a16="http://schemas.microsoft.com/office/drawing/2014/main" xmlns="" id="{5C41A0DA-4418-4A24-9ADB-66C7AF6FBF16}"/>
+                  <a16:creationId xmlns:a16="http://schemas.microsoft.com/office/drawing/2014/main" id="{5C41A0DA-4418-4A24-9ADB-66C7AF6FBF16}"/>
                 </a:ext>
               </a:extLst>
             </p:cNvPr>
@@ -13005,7 +12998,7 @@
               <p:cNvPr id="122" name="TextBox 121">
                 <a:extLst>
                   <a:ext uri="{FF2B5EF4-FFF2-40B4-BE49-F238E27FC236}">
-                    <a16:creationId xmlns:a16="http://schemas.microsoft.com/office/drawing/2014/main" xmlns="" id="{4451D30B-864C-4DC9-BFD1-CF33E4B4884E}"/>
+                    <a16:creationId xmlns:a16="http://schemas.microsoft.com/office/drawing/2014/main" id="{4451D30B-864C-4DC9-BFD1-CF33E4B4884E}"/>
                   </a:ext>
                 </a:extLst>
               </p:cNvPr>
@@ -13070,7 +13063,7 @@
               <p:cNvPr id="123" name="Rectangle 122">
                 <a:extLst>
                   <a:ext uri="{FF2B5EF4-FFF2-40B4-BE49-F238E27FC236}">
-                    <a16:creationId xmlns:a16="http://schemas.microsoft.com/office/drawing/2014/main" xmlns="" id="{1027C684-F542-4E3E-A536-EC6C5D75ABE7}"/>
+                    <a16:creationId xmlns:a16="http://schemas.microsoft.com/office/drawing/2014/main" id="{1027C684-F542-4E3E-A536-EC6C5D75ABE7}"/>
                   </a:ext>
                 </a:extLst>
               </p:cNvPr>
@@ -13151,7 +13144,7 @@
               <p:cNvPr id="124" name="Rectangle 123">
                 <a:extLst>
                   <a:ext uri="{FF2B5EF4-FFF2-40B4-BE49-F238E27FC236}">
-                    <a16:creationId xmlns:a16="http://schemas.microsoft.com/office/drawing/2014/main" xmlns="" id="{13929D88-2F31-4E12-9934-726186E183E3}"/>
+                    <a16:creationId xmlns:a16="http://schemas.microsoft.com/office/drawing/2014/main" id="{13929D88-2F31-4E12-9934-726186E183E3}"/>
                   </a:ext>
                 </a:extLst>
               </p:cNvPr>
@@ -13226,7 +13219,7 @@
               <p:cNvPr id="125" name="Rectangle 124">
                 <a:extLst>
                   <a:ext uri="{FF2B5EF4-FFF2-40B4-BE49-F238E27FC236}">
-                    <a16:creationId xmlns:a16="http://schemas.microsoft.com/office/drawing/2014/main" xmlns="" id="{50E422D8-E35D-4C68-8A6D-2E0D34F3AFA2}"/>
+                    <a16:creationId xmlns:a16="http://schemas.microsoft.com/office/drawing/2014/main" id="{50E422D8-E35D-4C68-8A6D-2E0D34F3AFA2}"/>
                   </a:ext>
                 </a:extLst>
               </p:cNvPr>
@@ -13307,7 +13300,7 @@
               <p:cNvPr id="126" name="Rectangle 125">
                 <a:extLst>
                   <a:ext uri="{FF2B5EF4-FFF2-40B4-BE49-F238E27FC236}">
-                    <a16:creationId xmlns:a16="http://schemas.microsoft.com/office/drawing/2014/main" xmlns="" id="{97B74E37-11AF-4E29-A6E9-9E8DC21C100F}"/>
+                    <a16:creationId xmlns:a16="http://schemas.microsoft.com/office/drawing/2014/main" id="{97B74E37-11AF-4E29-A6E9-9E8DC21C100F}"/>
                   </a:ext>
                 </a:extLst>
               </p:cNvPr>
@@ -13382,7 +13375,7 @@
               <p:cNvPr id="127" name="TextBox 126">
                 <a:extLst>
                   <a:ext uri="{FF2B5EF4-FFF2-40B4-BE49-F238E27FC236}">
-                    <a16:creationId xmlns:a16="http://schemas.microsoft.com/office/drawing/2014/main" xmlns="" id="{F70A685F-E566-45EC-AC68-50E94987B526}"/>
+                    <a16:creationId xmlns:a16="http://schemas.microsoft.com/office/drawing/2014/main" id="{F70A685F-E566-45EC-AC68-50E94987B526}"/>
                   </a:ext>
                 </a:extLst>
               </p:cNvPr>
@@ -13447,7 +13440,7 @@
               <p:cNvPr id="128" name="TextBox 127">
                 <a:extLst>
                   <a:ext uri="{FF2B5EF4-FFF2-40B4-BE49-F238E27FC236}">
-                    <a16:creationId xmlns:a16="http://schemas.microsoft.com/office/drawing/2014/main" xmlns="" id="{69FA92E2-DFDD-4027-8670-BAB42A622E90}"/>
+                    <a16:creationId xmlns:a16="http://schemas.microsoft.com/office/drawing/2014/main" id="{69FA92E2-DFDD-4027-8670-BAB42A622E90}"/>
                   </a:ext>
                 </a:extLst>
               </p:cNvPr>
@@ -13512,7 +13505,7 @@
               <p:cNvPr id="129" name="TextBox 128">
                 <a:extLst>
                   <a:ext uri="{FF2B5EF4-FFF2-40B4-BE49-F238E27FC236}">
-                    <a16:creationId xmlns:a16="http://schemas.microsoft.com/office/drawing/2014/main" xmlns="" id="{8B06A4FB-C942-4CF0-9BD6-6E82FC6E4E3C}"/>
+                    <a16:creationId xmlns:a16="http://schemas.microsoft.com/office/drawing/2014/main" id="{8B06A4FB-C942-4CF0-9BD6-6E82FC6E4E3C}"/>
                   </a:ext>
                 </a:extLst>
               </p:cNvPr>
@@ -13577,7 +13570,7 @@
               <p:cNvPr id="130" name="TextBox 129">
                 <a:extLst>
                   <a:ext uri="{FF2B5EF4-FFF2-40B4-BE49-F238E27FC236}">
-                    <a16:creationId xmlns:a16="http://schemas.microsoft.com/office/drawing/2014/main" xmlns="" id="{8E3F17D6-1F91-4251-BDFB-7CD5171099BA}"/>
+                    <a16:creationId xmlns:a16="http://schemas.microsoft.com/office/drawing/2014/main" id="{8E3F17D6-1F91-4251-BDFB-7CD5171099BA}"/>
                   </a:ext>
                 </a:extLst>
               </p:cNvPr>
@@ -13648,7 +13641,7 @@
               <p:cNvPr id="131" name="TextBox 130">
                 <a:extLst>
                   <a:ext uri="{FF2B5EF4-FFF2-40B4-BE49-F238E27FC236}">
-                    <a16:creationId xmlns:a16="http://schemas.microsoft.com/office/drawing/2014/main" xmlns="" id="{55677326-C549-4886-96BA-3CAE1F4EA3A4}"/>
+                    <a16:creationId xmlns:a16="http://schemas.microsoft.com/office/drawing/2014/main" id="{55677326-C549-4886-96BA-3CAE1F4EA3A4}"/>
                   </a:ext>
                 </a:extLst>
               </p:cNvPr>
@@ -13719,7 +13712,7 @@
               <p:cNvPr id="132" name="TextBox 131">
                 <a:extLst>
                   <a:ext uri="{FF2B5EF4-FFF2-40B4-BE49-F238E27FC236}">
-                    <a16:creationId xmlns:a16="http://schemas.microsoft.com/office/drawing/2014/main" xmlns="" id="{86E114C5-EF7C-4310-89BC-3A589AD85CB7}"/>
+                    <a16:creationId xmlns:a16="http://schemas.microsoft.com/office/drawing/2014/main" id="{86E114C5-EF7C-4310-89BC-3A589AD85CB7}"/>
                   </a:ext>
                 </a:extLst>
               </p:cNvPr>
@@ -13754,7 +13747,7 @@
               <p:cNvPr id="133" name="TextBox 132">
                 <a:extLst>
                   <a:ext uri="{FF2B5EF4-FFF2-40B4-BE49-F238E27FC236}">
-                    <a16:creationId xmlns:a16="http://schemas.microsoft.com/office/drawing/2014/main" xmlns="" id="{625EED4C-8B5C-423F-9B4F-9AD6CB94BC73}"/>
+                    <a16:creationId xmlns:a16="http://schemas.microsoft.com/office/drawing/2014/main" id="{625EED4C-8B5C-423F-9B4F-9AD6CB94BC73}"/>
                   </a:ext>
                 </a:extLst>
               </p:cNvPr>
@@ -13789,7 +13782,7 @@
               <p:cNvPr id="134" name="Rectangle 133">
                 <a:extLst>
                   <a:ext uri="{FF2B5EF4-FFF2-40B4-BE49-F238E27FC236}">
-                    <a16:creationId xmlns:a16="http://schemas.microsoft.com/office/drawing/2014/main" xmlns="" id="{FA39247A-F606-4F5B-9F36-97502E0A546D}"/>
+                    <a16:creationId xmlns:a16="http://schemas.microsoft.com/office/drawing/2014/main" id="{FA39247A-F606-4F5B-9F36-97502E0A546D}"/>
                   </a:ext>
                 </a:extLst>
               </p:cNvPr>
@@ -13864,7 +13857,7 @@
               <p:cNvPr id="135" name="Rectangle 134">
                 <a:extLst>
                   <a:ext uri="{FF2B5EF4-FFF2-40B4-BE49-F238E27FC236}">
-                    <a16:creationId xmlns:a16="http://schemas.microsoft.com/office/drawing/2014/main" xmlns="" id="{A79F84C0-6D83-4DCC-970C-2F7FBDEDF73A}"/>
+                    <a16:creationId xmlns:a16="http://schemas.microsoft.com/office/drawing/2014/main" id="{A79F84C0-6D83-4DCC-970C-2F7FBDEDF73A}"/>
                   </a:ext>
                 </a:extLst>
               </p:cNvPr>
@@ -13939,7 +13932,7 @@
               <p:cNvPr id="136" name="TextBox 135">
                 <a:extLst>
                   <a:ext uri="{FF2B5EF4-FFF2-40B4-BE49-F238E27FC236}">
-                    <a16:creationId xmlns:a16="http://schemas.microsoft.com/office/drawing/2014/main" xmlns="" id="{47415B6C-D8BF-4F97-A561-AE6FFC4F9C99}"/>
+                    <a16:creationId xmlns:a16="http://schemas.microsoft.com/office/drawing/2014/main" id="{47415B6C-D8BF-4F97-A561-AE6FFC4F9C99}"/>
                   </a:ext>
                 </a:extLst>
               </p:cNvPr>
@@ -14010,7 +14003,7 @@
               <p:cNvPr id="137" name="TextBox 136">
                 <a:extLst>
                   <a:ext uri="{FF2B5EF4-FFF2-40B4-BE49-F238E27FC236}">
-                    <a16:creationId xmlns:a16="http://schemas.microsoft.com/office/drawing/2014/main" xmlns="" id="{41D0D7FF-3C94-4B0B-8C5A-AE0B3E7A7F8D}"/>
+                    <a16:creationId xmlns:a16="http://schemas.microsoft.com/office/drawing/2014/main" id="{41D0D7FF-3C94-4B0B-8C5A-AE0B3E7A7F8D}"/>
                   </a:ext>
                 </a:extLst>
               </p:cNvPr>
@@ -14045,7 +14038,7 @@
               <p:cNvPr id="138" name="TextBox 137">
                 <a:extLst>
                   <a:ext uri="{FF2B5EF4-FFF2-40B4-BE49-F238E27FC236}">
-                    <a16:creationId xmlns:a16="http://schemas.microsoft.com/office/drawing/2014/main" xmlns="" id="{CAFB4F76-A581-4245-9C31-9D3EE1C47638}"/>
+                    <a16:creationId xmlns:a16="http://schemas.microsoft.com/office/drawing/2014/main" id="{CAFB4F76-A581-4245-9C31-9D3EE1C47638}"/>
                   </a:ext>
                 </a:extLst>
               </p:cNvPr>
@@ -14080,7 +14073,7 @@
               <p:cNvPr id="142" name="TextBox 141">
                 <a:extLst>
                   <a:ext uri="{FF2B5EF4-FFF2-40B4-BE49-F238E27FC236}">
-                    <a16:creationId xmlns:a16="http://schemas.microsoft.com/office/drawing/2014/main" xmlns="" id="{0CCE7F99-D5C4-45A9-8437-CF2F0CA2F36D}"/>
+                    <a16:creationId xmlns:a16="http://schemas.microsoft.com/office/drawing/2014/main" id="{0CCE7F99-D5C4-45A9-8437-CF2F0CA2F36D}"/>
                   </a:ext>
                 </a:extLst>
               </p:cNvPr>
@@ -14147,7 +14140,7 @@
           <p:cNvPr id="107" name="TextBox 106">
             <a:extLst>
               <a:ext uri="{FF2B5EF4-FFF2-40B4-BE49-F238E27FC236}">
-                <a16:creationId xmlns:a16="http://schemas.microsoft.com/office/drawing/2014/main" xmlns="" id="{2012D18A-57E7-40BA-9D98-B612B5C05E4A}"/>
+                <a16:creationId xmlns:a16="http://schemas.microsoft.com/office/drawing/2014/main" id="{2012D18A-57E7-40BA-9D98-B612B5C05E4A}"/>
               </a:ext>
             </a:extLst>
           </p:cNvPr>
@@ -14290,7 +14283,7 @@
           <p:cNvPr id="2" name="Title 1">
             <a:extLst>
               <a:ext uri="{FF2B5EF4-FFF2-40B4-BE49-F238E27FC236}">
-                <a16:creationId xmlns:a16="http://schemas.microsoft.com/office/drawing/2014/main" xmlns="" id="{EC84C91D-5C9A-4516-BC67-968A5870A641}"/>
+                <a16:creationId xmlns:a16="http://schemas.microsoft.com/office/drawing/2014/main" id="{EC84C91D-5C9A-4516-BC67-968A5870A641}"/>
               </a:ext>
             </a:extLst>
           </p:cNvPr>
@@ -14318,7 +14311,7 @@
           <p:cNvPr id="81" name="TextBox 80">
             <a:extLst>
               <a:ext uri="{FF2B5EF4-FFF2-40B4-BE49-F238E27FC236}">
-                <a16:creationId xmlns:a16="http://schemas.microsoft.com/office/drawing/2014/main" xmlns="" id="{611C538F-5103-48AE-835F-53789A0B5FE3}"/>
+                <a16:creationId xmlns:a16="http://schemas.microsoft.com/office/drawing/2014/main" id="{611C538F-5103-48AE-835F-53789A0B5FE3}"/>
               </a:ext>
             </a:extLst>
           </p:cNvPr>
@@ -14504,7 +14497,7 @@
           <p:cNvPr id="3" name="Picture 2">
             <a:extLst>
               <a:ext uri="{FF2B5EF4-FFF2-40B4-BE49-F238E27FC236}">
-                <a16:creationId xmlns:a16="http://schemas.microsoft.com/office/drawing/2014/main" xmlns="" id="{EFC98366-9724-461F-9C70-37D84CDA0096}"/>
+                <a16:creationId xmlns:a16="http://schemas.microsoft.com/office/drawing/2014/main" id="{EFC98366-9724-461F-9C70-37D84CDA0096}"/>
               </a:ext>
             </a:extLst>
           </p:cNvPr>
@@ -14534,7 +14527,7 @@
           <p:cNvPr id="185" name="TextBox 184">
             <a:extLst>
               <a:ext uri="{FF2B5EF4-FFF2-40B4-BE49-F238E27FC236}">
-                <a16:creationId xmlns:a16="http://schemas.microsoft.com/office/drawing/2014/main" xmlns="" id="{B63E613B-05E3-47D4-A343-2D1482D901EF}"/>
+                <a16:creationId xmlns:a16="http://schemas.microsoft.com/office/drawing/2014/main" id="{B63E613B-05E3-47D4-A343-2D1482D901EF}"/>
               </a:ext>
             </a:extLst>
           </p:cNvPr>
@@ -14626,7 +14619,7 @@
   <p:timing>
     <p:tnLst>
       <p:par>
-        <p:cTn xmlns:p14="http://schemas.microsoft.com/office/powerpoint/2010/main" id="1" dur="indefinite" restart="never" nodeType="tmRoot">
+        <p:cTn id="1" dur="indefinite" restart="never" nodeType="tmRoot">
           <p:childTnLst>
             <p:seq concurrent="1" nextAc="seek">
               <p:cTn id="2" dur="indefinite" nodeType="mainSeq">
@@ -14726,7 +14719,7 @@
           <p:cNvPr id="2" name="Title 1">
             <a:extLst>
               <a:ext uri="{FF2B5EF4-FFF2-40B4-BE49-F238E27FC236}">
-                <a16:creationId xmlns:a16="http://schemas.microsoft.com/office/drawing/2014/main" xmlns="" id="{EC84C91D-5C9A-4516-BC67-968A5870A641}"/>
+                <a16:creationId xmlns:a16="http://schemas.microsoft.com/office/drawing/2014/main" id="{EC84C91D-5C9A-4516-BC67-968A5870A641}"/>
               </a:ext>
             </a:extLst>
           </p:cNvPr>
@@ -14764,7 +14757,7 @@
           <p:cNvPr id="3" name="Picture 2">
             <a:extLst>
               <a:ext uri="{FF2B5EF4-FFF2-40B4-BE49-F238E27FC236}">
-                <a16:creationId xmlns:a16="http://schemas.microsoft.com/office/drawing/2014/main" xmlns="" id="{EFC98366-9724-461F-9C70-37D84CDA0096}"/>
+                <a16:creationId xmlns:a16="http://schemas.microsoft.com/office/drawing/2014/main" id="{EFC98366-9724-461F-9C70-37D84CDA0096}"/>
               </a:ext>
             </a:extLst>
           </p:cNvPr>
@@ -14794,7 +14787,7 @@
           <p:cNvPr id="6" name="TextBox 5">
             <a:extLst>
               <a:ext uri="{FF2B5EF4-FFF2-40B4-BE49-F238E27FC236}">
-                <a16:creationId xmlns:a16="http://schemas.microsoft.com/office/drawing/2014/main" xmlns="" id="{A283CFDF-F486-4C17-AD24-523C8D97B9AF}"/>
+                <a16:creationId xmlns:a16="http://schemas.microsoft.com/office/drawing/2014/main" id="{A283CFDF-F486-4C17-AD24-523C8D97B9AF}"/>
               </a:ext>
             </a:extLst>
           </p:cNvPr>
@@ -14931,7 +14924,7 @@
           <p:cNvPr id="7" name="TextBox 6">
             <a:extLst>
               <a:ext uri="{FF2B5EF4-FFF2-40B4-BE49-F238E27FC236}">
-                <a16:creationId xmlns:a16="http://schemas.microsoft.com/office/drawing/2014/main" xmlns="" id="{4716E50E-C16E-4366-B2AD-8B741AC7A5F7}"/>
+                <a16:creationId xmlns:a16="http://schemas.microsoft.com/office/drawing/2014/main" id="{4716E50E-C16E-4366-B2AD-8B741AC7A5F7}"/>
               </a:ext>
             </a:extLst>
           </p:cNvPr>
@@ -15087,7 +15080,7 @@
           <p:cNvPr id="2" name="Title 1">
             <a:extLst>
               <a:ext uri="{FF2B5EF4-FFF2-40B4-BE49-F238E27FC236}">
-                <a16:creationId xmlns:a16="http://schemas.microsoft.com/office/drawing/2014/main" xmlns="" id="{EC84C91D-5C9A-4516-BC67-968A5870A641}"/>
+                <a16:creationId xmlns:a16="http://schemas.microsoft.com/office/drawing/2014/main" id="{EC84C91D-5C9A-4516-BC67-968A5870A641}"/>
               </a:ext>
             </a:extLst>
           </p:cNvPr>
@@ -15120,7 +15113,7 @@
           <p:cNvPr id="81" name="TextBox 80">
             <a:extLst>
               <a:ext uri="{FF2B5EF4-FFF2-40B4-BE49-F238E27FC236}">
-                <a16:creationId xmlns:a16="http://schemas.microsoft.com/office/drawing/2014/main" xmlns="" id="{611C538F-5103-48AE-835F-53789A0B5FE3}"/>
+                <a16:creationId xmlns:a16="http://schemas.microsoft.com/office/drawing/2014/main" id="{611C538F-5103-48AE-835F-53789A0B5FE3}"/>
               </a:ext>
             </a:extLst>
           </p:cNvPr>
@@ -15289,7 +15282,7 @@
           <p:cNvPr id="3" name="Picture 2">
             <a:extLst>
               <a:ext uri="{FF2B5EF4-FFF2-40B4-BE49-F238E27FC236}">
-                <a16:creationId xmlns:a16="http://schemas.microsoft.com/office/drawing/2014/main" xmlns="" id="{EFC98366-9724-461F-9C70-37D84CDA0096}"/>
+                <a16:creationId xmlns:a16="http://schemas.microsoft.com/office/drawing/2014/main" id="{EFC98366-9724-461F-9C70-37D84CDA0096}"/>
               </a:ext>
             </a:extLst>
           </p:cNvPr>
@@ -15319,7 +15312,7 @@
           <p:cNvPr id="5" name="TextBox 4">
             <a:extLst>
               <a:ext uri="{FF2B5EF4-FFF2-40B4-BE49-F238E27FC236}">
-                <a16:creationId xmlns:a16="http://schemas.microsoft.com/office/drawing/2014/main" xmlns="" id="{3C52AF77-62AF-4734-A027-DB973F70E529}"/>
+                <a16:creationId xmlns:a16="http://schemas.microsoft.com/office/drawing/2014/main" id="{3C52AF77-62AF-4734-A027-DB973F70E529}"/>
               </a:ext>
             </a:extLst>
           </p:cNvPr>
@@ -15375,7 +15368,7 @@
   <p:timing>
     <p:tnLst>
       <p:par>
-        <p:cTn xmlns:p14="http://schemas.microsoft.com/office/powerpoint/2010/main" id="1" dur="indefinite" restart="never" nodeType="tmRoot">
+        <p:cTn id="1" dur="indefinite" restart="never" nodeType="tmRoot">
           <p:childTnLst>
             <p:seq concurrent="1" nextAc="seek">
               <p:cTn id="2" dur="indefinite" nodeType="mainSeq">
@@ -15475,7 +15468,7 @@
           <p:cNvPr id="2" name="Title 1">
             <a:extLst>
               <a:ext uri="{FF2B5EF4-FFF2-40B4-BE49-F238E27FC236}">
-                <a16:creationId xmlns:a16="http://schemas.microsoft.com/office/drawing/2014/main" xmlns="" id="{EC84C91D-5C9A-4516-BC67-968A5870A641}"/>
+                <a16:creationId xmlns:a16="http://schemas.microsoft.com/office/drawing/2014/main" id="{EC84C91D-5C9A-4516-BC67-968A5870A641}"/>
               </a:ext>
             </a:extLst>
           </p:cNvPr>
@@ -15515,7 +15508,7 @@
           <p:cNvPr id="6" name="Text Placeholder 2">
             <a:extLst>
               <a:ext uri="{FF2B5EF4-FFF2-40B4-BE49-F238E27FC236}">
-                <a16:creationId xmlns:a16="http://schemas.microsoft.com/office/drawing/2014/main" xmlns="" id="{B2492802-8B0C-4827-9851-9AFF7EA821E8}"/>
+                <a16:creationId xmlns:a16="http://schemas.microsoft.com/office/drawing/2014/main" id="{B2492802-8B0C-4827-9851-9AFF7EA821E8}"/>
               </a:ext>
             </a:extLst>
           </p:cNvPr>
@@ -15760,7 +15753,7 @@
           <p:cNvPr id="2" name="Title 1">
             <a:extLst>
               <a:ext uri="{FF2B5EF4-FFF2-40B4-BE49-F238E27FC236}">
-                <a16:creationId xmlns:a16="http://schemas.microsoft.com/office/drawing/2014/main" xmlns="" id="{EC84C91D-5C9A-4516-BC67-968A5870A641}"/>
+                <a16:creationId xmlns:a16="http://schemas.microsoft.com/office/drawing/2014/main" id="{EC84C91D-5C9A-4516-BC67-968A5870A641}"/>
               </a:ext>
             </a:extLst>
           </p:cNvPr>
@@ -15788,7 +15781,7 @@
           <p:cNvPr id="81" name="TextBox 80">
             <a:extLst>
               <a:ext uri="{FF2B5EF4-FFF2-40B4-BE49-F238E27FC236}">
-                <a16:creationId xmlns:a16="http://schemas.microsoft.com/office/drawing/2014/main" xmlns="" id="{611C538F-5103-48AE-835F-53789A0B5FE3}"/>
+                <a16:creationId xmlns:a16="http://schemas.microsoft.com/office/drawing/2014/main" id="{611C538F-5103-48AE-835F-53789A0B5FE3}"/>
               </a:ext>
             </a:extLst>
           </p:cNvPr>
@@ -15871,7 +15864,7 @@
           <p:cNvPr id="5" name="TextBox 4">
             <a:extLst>
               <a:ext uri="{FF2B5EF4-FFF2-40B4-BE49-F238E27FC236}">
-                <a16:creationId xmlns:a16="http://schemas.microsoft.com/office/drawing/2014/main" xmlns="" id="{C8DE91E3-392B-4472-AB71-43F25AF08411}"/>
+                <a16:creationId xmlns:a16="http://schemas.microsoft.com/office/drawing/2014/main" id="{C8DE91E3-392B-4472-AB71-43F25AF08411}"/>
               </a:ext>
             </a:extLst>
           </p:cNvPr>
@@ -15936,7 +15929,7 @@
           <p:cNvPr id="6" name="TextBox 5">
             <a:extLst>
               <a:ext uri="{FF2B5EF4-FFF2-40B4-BE49-F238E27FC236}">
-                <a16:creationId xmlns:a16="http://schemas.microsoft.com/office/drawing/2014/main" xmlns="" id="{61795E2F-11C3-4AB7-9AB0-F16751E6AD4F}"/>
+                <a16:creationId xmlns:a16="http://schemas.microsoft.com/office/drawing/2014/main" id="{61795E2F-11C3-4AB7-9AB0-F16751E6AD4F}"/>
               </a:ext>
             </a:extLst>
           </p:cNvPr>
@@ -15983,7 +15976,7 @@
           <p:cNvPr id="8" name="TextBox 7">
             <a:extLst>
               <a:ext uri="{FF2B5EF4-FFF2-40B4-BE49-F238E27FC236}">
-                <a16:creationId xmlns:a16="http://schemas.microsoft.com/office/drawing/2014/main" xmlns="" id="{1C80776F-28BD-48A3-8050-F5CB43B89EFF}"/>
+                <a16:creationId xmlns:a16="http://schemas.microsoft.com/office/drawing/2014/main" id="{1C80776F-28BD-48A3-8050-F5CB43B89EFF}"/>
               </a:ext>
             </a:extLst>
           </p:cNvPr>
@@ -16021,7 +16014,7 @@
           <p:cNvPr id="3" name="TextBox 2">
             <a:extLst>
               <a:ext uri="{FF2B5EF4-FFF2-40B4-BE49-F238E27FC236}">
-                <a16:creationId xmlns:a16="http://schemas.microsoft.com/office/drawing/2014/main" xmlns="" id="{0371BE81-E0EA-400B-BA60-389B6A6AC0CA}"/>
+                <a16:creationId xmlns:a16="http://schemas.microsoft.com/office/drawing/2014/main" id="{0371BE81-E0EA-400B-BA60-389B6A6AC0CA}"/>
               </a:ext>
             </a:extLst>
           </p:cNvPr>
@@ -16057,7 +16050,7 @@
           <p:cNvPr id="9" name="TextBox 8">
             <a:extLst>
               <a:ext uri="{FF2B5EF4-FFF2-40B4-BE49-F238E27FC236}">
-                <a16:creationId xmlns:a16="http://schemas.microsoft.com/office/drawing/2014/main" xmlns="" id="{2849A1B6-EC4F-4EA9-9A43-EA1097FF26A7}"/>
+                <a16:creationId xmlns:a16="http://schemas.microsoft.com/office/drawing/2014/main" id="{2849A1B6-EC4F-4EA9-9A43-EA1097FF26A7}"/>
               </a:ext>
             </a:extLst>
           </p:cNvPr>
@@ -16093,7 +16086,7 @@
           <p:cNvPr id="10" name="TextBox 9">
             <a:extLst>
               <a:ext uri="{FF2B5EF4-FFF2-40B4-BE49-F238E27FC236}">
-                <a16:creationId xmlns:a16="http://schemas.microsoft.com/office/drawing/2014/main" xmlns="" id="{035A5251-014F-4331-801A-8B192F1D8D3D}"/>
+                <a16:creationId xmlns:a16="http://schemas.microsoft.com/office/drawing/2014/main" id="{035A5251-014F-4331-801A-8B192F1D8D3D}"/>
               </a:ext>
             </a:extLst>
           </p:cNvPr>
@@ -16159,7 +16152,7 @@
           <p:cNvPr id="2" name="Title 1">
             <a:extLst>
               <a:ext uri="{FF2B5EF4-FFF2-40B4-BE49-F238E27FC236}">
-                <a16:creationId xmlns:a16="http://schemas.microsoft.com/office/drawing/2014/main" xmlns="" id="{EC84C91D-5C9A-4516-BC67-968A5870A641}"/>
+                <a16:creationId xmlns:a16="http://schemas.microsoft.com/office/drawing/2014/main" id="{EC84C91D-5C9A-4516-BC67-968A5870A641}"/>
               </a:ext>
             </a:extLst>
           </p:cNvPr>
@@ -16187,7 +16180,7 @@
           <p:cNvPr id="81" name="TextBox 80">
             <a:extLst>
               <a:ext uri="{FF2B5EF4-FFF2-40B4-BE49-F238E27FC236}">
-                <a16:creationId xmlns:a16="http://schemas.microsoft.com/office/drawing/2014/main" xmlns="" id="{611C538F-5103-48AE-835F-53789A0B5FE3}"/>
+                <a16:creationId xmlns:a16="http://schemas.microsoft.com/office/drawing/2014/main" id="{611C538F-5103-48AE-835F-53789A0B5FE3}"/>
               </a:ext>
             </a:extLst>
           </p:cNvPr>
@@ -16271,7 +16264,7 @@
           <p:cNvPr id="5" name="TextBox 4">
             <a:extLst>
               <a:ext uri="{FF2B5EF4-FFF2-40B4-BE49-F238E27FC236}">
-                <a16:creationId xmlns:a16="http://schemas.microsoft.com/office/drawing/2014/main" xmlns="" id="{C8DE91E3-392B-4472-AB71-43F25AF08411}"/>
+                <a16:creationId xmlns:a16="http://schemas.microsoft.com/office/drawing/2014/main" id="{C8DE91E3-392B-4472-AB71-43F25AF08411}"/>
               </a:ext>
             </a:extLst>
           </p:cNvPr>
@@ -16339,7 +16332,7 @@
           <p:cNvPr id="6" name="TextBox 5">
             <a:extLst>
               <a:ext uri="{FF2B5EF4-FFF2-40B4-BE49-F238E27FC236}">
-                <a16:creationId xmlns:a16="http://schemas.microsoft.com/office/drawing/2014/main" xmlns="" id="{5AB91506-DACC-4406-B98E-95F1F6FC127A}"/>
+                <a16:creationId xmlns:a16="http://schemas.microsoft.com/office/drawing/2014/main" id="{5AB91506-DACC-4406-B98E-95F1F6FC127A}"/>
               </a:ext>
             </a:extLst>
           </p:cNvPr>
@@ -16377,7 +16370,7 @@
           <p:cNvPr id="7" name="TextBox 6">
             <a:extLst>
               <a:ext uri="{FF2B5EF4-FFF2-40B4-BE49-F238E27FC236}">
-                <a16:creationId xmlns:a16="http://schemas.microsoft.com/office/drawing/2014/main" xmlns="" id="{5872F206-9C15-4FFE-BC0B-CB07DD051972}"/>
+                <a16:creationId xmlns:a16="http://schemas.microsoft.com/office/drawing/2014/main" id="{5872F206-9C15-4FFE-BC0B-CB07DD051972}"/>
               </a:ext>
             </a:extLst>
           </p:cNvPr>
@@ -16424,7 +16417,7 @@
           <p:cNvPr id="8" name="TextBox 7">
             <a:extLst>
               <a:ext uri="{FF2B5EF4-FFF2-40B4-BE49-F238E27FC236}">
-                <a16:creationId xmlns:a16="http://schemas.microsoft.com/office/drawing/2014/main" xmlns="" id="{AA5DC3EB-49AF-405F-BA3B-5C332F614943}"/>
+                <a16:creationId xmlns:a16="http://schemas.microsoft.com/office/drawing/2014/main" id="{AA5DC3EB-49AF-405F-BA3B-5C332F614943}"/>
               </a:ext>
             </a:extLst>
           </p:cNvPr>
@@ -16460,7 +16453,7 @@
           <p:cNvPr id="9" name="TextBox 8">
             <a:extLst>
               <a:ext uri="{FF2B5EF4-FFF2-40B4-BE49-F238E27FC236}">
-                <a16:creationId xmlns:a16="http://schemas.microsoft.com/office/drawing/2014/main" xmlns="" id="{1325CF8C-21B4-4F21-B6AF-DBD20F3BF16B}"/>
+                <a16:creationId xmlns:a16="http://schemas.microsoft.com/office/drawing/2014/main" id="{1325CF8C-21B4-4F21-B6AF-DBD20F3BF16B}"/>
               </a:ext>
             </a:extLst>
           </p:cNvPr>
@@ -16526,7 +16519,7 @@
           <p:cNvPr id="2" name="Title 1">
             <a:extLst>
               <a:ext uri="{FF2B5EF4-FFF2-40B4-BE49-F238E27FC236}">
-                <a16:creationId xmlns:a16="http://schemas.microsoft.com/office/drawing/2014/main" xmlns="" id="{EC84C91D-5C9A-4516-BC67-968A5870A641}"/>
+                <a16:creationId xmlns:a16="http://schemas.microsoft.com/office/drawing/2014/main" id="{EC84C91D-5C9A-4516-BC67-968A5870A641}"/>
               </a:ext>
             </a:extLst>
           </p:cNvPr>
@@ -16554,7 +16547,7 @@
           <p:cNvPr id="81" name="TextBox 80">
             <a:extLst>
               <a:ext uri="{FF2B5EF4-FFF2-40B4-BE49-F238E27FC236}">
-                <a16:creationId xmlns:a16="http://schemas.microsoft.com/office/drawing/2014/main" xmlns="" id="{611C538F-5103-48AE-835F-53789A0B5FE3}"/>
+                <a16:creationId xmlns:a16="http://schemas.microsoft.com/office/drawing/2014/main" id="{611C538F-5103-48AE-835F-53789A0B5FE3}"/>
               </a:ext>
             </a:extLst>
           </p:cNvPr>
@@ -16601,7 +16594,7 @@
           <p:cNvPr id="5" name="TextBox 4">
             <a:extLst>
               <a:ext uri="{FF2B5EF4-FFF2-40B4-BE49-F238E27FC236}">
-                <a16:creationId xmlns:a16="http://schemas.microsoft.com/office/drawing/2014/main" xmlns="" id="{C8DE91E3-392B-4472-AB71-43F25AF08411}"/>
+                <a16:creationId xmlns:a16="http://schemas.microsoft.com/office/drawing/2014/main" id="{C8DE91E3-392B-4472-AB71-43F25AF08411}"/>
               </a:ext>
             </a:extLst>
           </p:cNvPr>
@@ -16648,7 +16641,7 @@
           <p:cNvPr id="6" name="TextBox 5">
             <a:extLst>
               <a:ext uri="{FF2B5EF4-FFF2-40B4-BE49-F238E27FC236}">
-                <a16:creationId xmlns:a16="http://schemas.microsoft.com/office/drawing/2014/main" xmlns="" id="{A0C468C7-70DC-4024-8821-4A448ADB3AE3}"/>
+                <a16:creationId xmlns:a16="http://schemas.microsoft.com/office/drawing/2014/main" id="{A0C468C7-70DC-4024-8821-4A448ADB3AE3}"/>
               </a:ext>
             </a:extLst>
           </p:cNvPr>
@@ -16725,7 +16718,7 @@
           <p:cNvPr id="2" name="Title 1">
             <a:extLst>
               <a:ext uri="{FF2B5EF4-FFF2-40B4-BE49-F238E27FC236}">
-                <a16:creationId xmlns:a16="http://schemas.microsoft.com/office/drawing/2014/main" xmlns="" id="{EC84C91D-5C9A-4516-BC67-968A5870A641}"/>
+                <a16:creationId xmlns:a16="http://schemas.microsoft.com/office/drawing/2014/main" id="{EC84C91D-5C9A-4516-BC67-968A5870A641}"/>
               </a:ext>
             </a:extLst>
           </p:cNvPr>
@@ -16753,7 +16746,7 @@
           <p:cNvPr id="81" name="TextBox 80">
             <a:extLst>
               <a:ext uri="{FF2B5EF4-FFF2-40B4-BE49-F238E27FC236}">
-                <a16:creationId xmlns:a16="http://schemas.microsoft.com/office/drawing/2014/main" xmlns="" id="{611C538F-5103-48AE-835F-53789A0B5FE3}"/>
+                <a16:creationId xmlns:a16="http://schemas.microsoft.com/office/drawing/2014/main" id="{611C538F-5103-48AE-835F-53789A0B5FE3}"/>
               </a:ext>
             </a:extLst>
           </p:cNvPr>
@@ -16814,7 +16807,7 @@
           <p:cNvPr id="5" name="TextBox 4">
             <a:extLst>
               <a:ext uri="{FF2B5EF4-FFF2-40B4-BE49-F238E27FC236}">
-                <a16:creationId xmlns:a16="http://schemas.microsoft.com/office/drawing/2014/main" xmlns="" id="{C8DE91E3-392B-4472-AB71-43F25AF08411}"/>
+                <a16:creationId xmlns:a16="http://schemas.microsoft.com/office/drawing/2014/main" id="{C8DE91E3-392B-4472-AB71-43F25AF08411}"/>
               </a:ext>
             </a:extLst>
           </p:cNvPr>
@@ -16898,7 +16891,7 @@
           <p:cNvPr id="6" name="TextBox 5">
             <a:extLst>
               <a:ext uri="{FF2B5EF4-FFF2-40B4-BE49-F238E27FC236}">
-                <a16:creationId xmlns:a16="http://schemas.microsoft.com/office/drawing/2014/main" xmlns="" id="{A0C468C7-70DC-4024-8821-4A448ADB3AE3}"/>
+                <a16:creationId xmlns:a16="http://schemas.microsoft.com/office/drawing/2014/main" id="{A0C468C7-70DC-4024-8821-4A448ADB3AE3}"/>
               </a:ext>
             </a:extLst>
           </p:cNvPr>
@@ -17003,7 +16996,7 @@
           <p:cNvPr id="2" name="Title 1">
             <a:extLst>
               <a:ext uri="{FF2B5EF4-FFF2-40B4-BE49-F238E27FC236}">
-                <a16:creationId xmlns:a16="http://schemas.microsoft.com/office/drawing/2014/main" xmlns="" id="{EC84C91D-5C9A-4516-BC67-968A5870A641}"/>
+                <a16:creationId xmlns:a16="http://schemas.microsoft.com/office/drawing/2014/main" id="{EC84C91D-5C9A-4516-BC67-968A5870A641}"/>
               </a:ext>
             </a:extLst>
           </p:cNvPr>
@@ -17040,7 +17033,7 @@
           <p:cNvPr id="4" name="Text Placeholder 2">
             <a:extLst>
               <a:ext uri="{FF2B5EF4-FFF2-40B4-BE49-F238E27FC236}">
-                <a16:creationId xmlns:a16="http://schemas.microsoft.com/office/drawing/2014/main" xmlns="" id="{C1B3BBC1-3F9E-4414-A9C3-4A4D9F56AD5C}"/>
+                <a16:creationId xmlns:a16="http://schemas.microsoft.com/office/drawing/2014/main" id="{C1B3BBC1-3F9E-4414-A9C3-4A4D9F56AD5C}"/>
               </a:ext>
             </a:extLst>
           </p:cNvPr>
@@ -17218,7 +17211,7 @@
           <p:cNvPr id="5" name="TextBox 4">
             <a:extLst>
               <a:ext uri="{FF2B5EF4-FFF2-40B4-BE49-F238E27FC236}">
-                <a16:creationId xmlns:a16="http://schemas.microsoft.com/office/drawing/2014/main" xmlns="" id="{A6C2EC1A-76DE-4448-BB1A-7D5A5F27826C}"/>
+                <a16:creationId xmlns:a16="http://schemas.microsoft.com/office/drawing/2014/main" id="{A6C2EC1A-76DE-4448-BB1A-7D5A5F27826C}"/>
               </a:ext>
             </a:extLst>
           </p:cNvPr>
@@ -17270,7 +17263,7 @@
           <p:cNvPr id="6" name="TextBox 5">
             <a:extLst>
               <a:ext uri="{FF2B5EF4-FFF2-40B4-BE49-F238E27FC236}">
-                <a16:creationId xmlns:a16="http://schemas.microsoft.com/office/drawing/2014/main" xmlns="" id="{DAEF1051-AA0D-4C4D-B905-AFCCE8958DE0}"/>
+                <a16:creationId xmlns:a16="http://schemas.microsoft.com/office/drawing/2014/main" id="{DAEF1051-AA0D-4C4D-B905-AFCCE8958DE0}"/>
               </a:ext>
             </a:extLst>
           </p:cNvPr>
@@ -17315,7 +17308,7 @@
           <p:cNvPr id="7" name="Text Placeholder 2">
             <a:extLst>
               <a:ext uri="{FF2B5EF4-FFF2-40B4-BE49-F238E27FC236}">
-                <a16:creationId xmlns:a16="http://schemas.microsoft.com/office/drawing/2014/main" xmlns="" id="{AB0152E7-1869-4F3F-975D-F86F75F6A387}"/>
+                <a16:creationId xmlns:a16="http://schemas.microsoft.com/office/drawing/2014/main" id="{AB0152E7-1869-4F3F-975D-F86F75F6A387}"/>
               </a:ext>
             </a:extLst>
           </p:cNvPr>
@@ -17500,7 +17493,7 @@
           <p:cNvPr id="8" name="TextBox 7">
             <a:extLst>
               <a:ext uri="{FF2B5EF4-FFF2-40B4-BE49-F238E27FC236}">
-                <a16:creationId xmlns:a16="http://schemas.microsoft.com/office/drawing/2014/main" xmlns="" id="{E8F63EAD-77F4-4D8E-A9F1-4AACBA672C6F}"/>
+                <a16:creationId xmlns:a16="http://schemas.microsoft.com/office/drawing/2014/main" id="{E8F63EAD-77F4-4D8E-A9F1-4AACBA672C6F}"/>
               </a:ext>
             </a:extLst>
           </p:cNvPr>
@@ -17556,7 +17549,7 @@
           <p:cNvPr id="9" name="Text Placeholder 2">
             <a:extLst>
               <a:ext uri="{FF2B5EF4-FFF2-40B4-BE49-F238E27FC236}">
-                <a16:creationId xmlns:a16="http://schemas.microsoft.com/office/drawing/2014/main" xmlns="" id="{174CFFA8-0AA0-468E-A7D9-44D58B64A4DE}"/>
+                <a16:creationId xmlns:a16="http://schemas.microsoft.com/office/drawing/2014/main" id="{174CFFA8-0AA0-468E-A7D9-44D58B64A4DE}"/>
               </a:ext>
             </a:extLst>
           </p:cNvPr>
@@ -17729,7 +17722,7 @@
           <p:cNvPr id="10" name="TextBox 9">
             <a:extLst>
               <a:ext uri="{FF2B5EF4-FFF2-40B4-BE49-F238E27FC236}">
-                <a16:creationId xmlns:a16="http://schemas.microsoft.com/office/drawing/2014/main" xmlns="" id="{11DF1244-A5F7-43D2-B788-D5867739D953}"/>
+                <a16:creationId xmlns:a16="http://schemas.microsoft.com/office/drawing/2014/main" id="{11DF1244-A5F7-43D2-B788-D5867739D953}"/>
               </a:ext>
             </a:extLst>
           </p:cNvPr>
@@ -18391,10 +18384,10 @@
           <p:cNvPr id="29" name="Rectangle 28">
             <a:extLst>
               <a:ext uri="{FF2B5EF4-FFF2-40B4-BE49-F238E27FC236}">
-                <a16:creationId xmlns:a16="http://schemas.microsoft.com/office/drawing/2014/main" xmlns="" id="{91F32EBA-ED97-466E-8CFA-8382584155D0}"/>
+                <a16:creationId xmlns:a16="http://schemas.microsoft.com/office/drawing/2014/main" id="{91F32EBA-ED97-466E-8CFA-8382584155D0}"/>
               </a:ext>
               <a:ext uri="{C183D7F6-B498-43B3-948B-1728B52AA6E4}">
-                <adec:decorative xmlns:adec="http://schemas.microsoft.com/office/drawing/2017/decorative" xmlns="" val="1"/>
+                <adec:decorative xmlns:adec="http://schemas.microsoft.com/office/drawing/2017/decorative" val="1"/>
               </a:ext>
             </a:extLst>
           </p:cNvPr>
@@ -18404,7 +18397,7 @@
           <p:nvPr>
             <p:extLst>
               <p:ext uri="{386F3935-93C4-4BCD-93E2-E3B085C9AB24}">
-                <p16:designElem xmlns:p16="http://schemas.microsoft.com/office/powerpoint/2015/main" xmlns="" val="1"/>
+                <p16:designElem xmlns:p16="http://schemas.microsoft.com/office/powerpoint/2015/main" val="1"/>
               </p:ext>
             </p:extLst>
           </p:nvPr>
@@ -18480,7 +18473,7 @@
           <p:cNvPr id="2" name="TextBox 1">
             <a:extLst>
               <a:ext uri="{FF2B5EF4-FFF2-40B4-BE49-F238E27FC236}">
-                <a16:creationId xmlns:a16="http://schemas.microsoft.com/office/drawing/2014/main" xmlns="" id="{F555FB54-7145-41A4-B7AC-80E889E6930E}"/>
+                <a16:creationId xmlns:a16="http://schemas.microsoft.com/office/drawing/2014/main" id="{F555FB54-7145-41A4-B7AC-80E889E6930E}"/>
               </a:ext>
             </a:extLst>
           </p:cNvPr>
@@ -18559,10 +18552,10 @@
           <p:cNvPr id="31" name="Freeform: Shape 30">
             <a:extLst>
               <a:ext uri="{FF2B5EF4-FFF2-40B4-BE49-F238E27FC236}">
-                <a16:creationId xmlns:a16="http://schemas.microsoft.com/office/drawing/2014/main" xmlns="" id="{62A38935-BB53-4DF7-A56E-48DD25B685D7}"/>
+                <a16:creationId xmlns:a16="http://schemas.microsoft.com/office/drawing/2014/main" id="{62A38935-BB53-4DF7-A56E-48DD25B685D7}"/>
               </a:ext>
               <a:ext uri="{C183D7F6-B498-43B3-948B-1728B52AA6E4}">
-                <adec:decorative xmlns:adec="http://schemas.microsoft.com/office/drawing/2017/decorative" xmlns="" val="1"/>
+                <adec:decorative xmlns:adec="http://schemas.microsoft.com/office/drawing/2017/decorative" val="1"/>
               </a:ext>
             </a:extLst>
           </p:cNvPr>
@@ -18572,7 +18565,7 @@
           <p:nvPr>
             <p:extLst>
               <p:ext uri="{386F3935-93C4-4BCD-93E2-E3B085C9AB24}">
-                <p16:designElem xmlns:p16="http://schemas.microsoft.com/office/powerpoint/2015/main" xmlns="" val="1"/>
+                <p16:designElem xmlns:p16="http://schemas.microsoft.com/office/powerpoint/2015/main" val="1"/>
               </p:ext>
             </p:extLst>
           </p:nvPr>
@@ -19362,7 +19355,7 @@
           <p:cNvPr id="23" name="Graphic 5" descr="Cmd Terminal outline">
             <a:extLst>
               <a:ext uri="{FF2B5EF4-FFF2-40B4-BE49-F238E27FC236}">
-                <a16:creationId xmlns:a16="http://schemas.microsoft.com/office/drawing/2014/main" xmlns="" id="{B5C9A296-4AD9-4D40-87ED-1242EE6EE8FE}"/>
+                <a16:creationId xmlns:a16="http://schemas.microsoft.com/office/drawing/2014/main" id="{B5C9A296-4AD9-4D40-87ED-1242EE6EE8FE}"/>
               </a:ext>
             </a:extLst>
           </p:cNvPr>
@@ -19375,7 +19368,7 @@
           <a:blip r:embed="rId2">
             <a:extLst>
               <a:ext uri="{96DAC541-7B7A-43D3-8B79-37D633B846F1}">
-                <asvg:svgBlip xmlns:asvg="http://schemas.microsoft.com/office/drawing/2016/SVG/main" xmlns="" r:embed="rId3"/>
+                <asvg:svgBlip xmlns:asvg="http://schemas.microsoft.com/office/drawing/2016/SVG/main" r:embed="rId3"/>
               </a:ext>
             </a:extLst>
           </a:blip>
@@ -19397,7 +19390,7 @@
           <p:cNvPr id="6" name="TextBox 5">
             <a:extLst>
               <a:ext uri="{FF2B5EF4-FFF2-40B4-BE49-F238E27FC236}">
-                <a16:creationId xmlns:a16="http://schemas.microsoft.com/office/drawing/2014/main" xmlns="" id="{29A1180F-7D7E-453B-86CE-C092E2107653}"/>
+                <a16:creationId xmlns:a16="http://schemas.microsoft.com/office/drawing/2014/main" id="{29A1180F-7D7E-453B-86CE-C092E2107653}"/>
               </a:ext>
             </a:extLst>
           </p:cNvPr>
@@ -19482,7 +19475,7 @@
           <p:cNvPr id="2" name="Title 1">
             <a:extLst>
               <a:ext uri="{FF2B5EF4-FFF2-40B4-BE49-F238E27FC236}">
-                <a16:creationId xmlns:a16="http://schemas.microsoft.com/office/drawing/2014/main" xmlns="" id="{EC84C91D-5C9A-4516-BC67-968A5870A641}"/>
+                <a16:creationId xmlns:a16="http://schemas.microsoft.com/office/drawing/2014/main" id="{EC84C91D-5C9A-4516-BC67-968A5870A641}"/>
               </a:ext>
             </a:extLst>
           </p:cNvPr>
@@ -19510,7 +19503,7 @@
           <p:cNvPr id="81" name="TextBox 80">
             <a:extLst>
               <a:ext uri="{FF2B5EF4-FFF2-40B4-BE49-F238E27FC236}">
-                <a16:creationId xmlns:a16="http://schemas.microsoft.com/office/drawing/2014/main" xmlns="" id="{611C538F-5103-48AE-835F-53789A0B5FE3}"/>
+                <a16:creationId xmlns:a16="http://schemas.microsoft.com/office/drawing/2014/main" id="{611C538F-5103-48AE-835F-53789A0B5FE3}"/>
               </a:ext>
             </a:extLst>
           </p:cNvPr>
@@ -19805,7 +19798,7 @@
           <p:cNvPr id="3" name="TextBox 2">
             <a:extLst>
               <a:ext uri="{FF2B5EF4-FFF2-40B4-BE49-F238E27FC236}">
-                <a16:creationId xmlns:a16="http://schemas.microsoft.com/office/drawing/2014/main" xmlns="" id="{6B435305-FB76-4B7A-8E2E-CA0B6B78F77E}"/>
+                <a16:creationId xmlns:a16="http://schemas.microsoft.com/office/drawing/2014/main" id="{6B435305-FB76-4B7A-8E2E-CA0B6B78F77E}"/>
               </a:ext>
             </a:extLst>
           </p:cNvPr>
@@ -19910,7 +19903,7 @@
           <p:cNvPr id="4" name="TextBox 3">
             <a:extLst>
               <a:ext uri="{FF2B5EF4-FFF2-40B4-BE49-F238E27FC236}">
-                <a16:creationId xmlns:a16="http://schemas.microsoft.com/office/drawing/2014/main" xmlns="" id="{01DEC2C5-6FAB-43A5-9500-BFB5A1EF9503}"/>
+                <a16:creationId xmlns:a16="http://schemas.microsoft.com/office/drawing/2014/main" id="{01DEC2C5-6FAB-43A5-9500-BFB5A1EF9503}"/>
               </a:ext>
             </a:extLst>
           </p:cNvPr>
@@ -19978,7 +19971,7 @@
           <p:cNvPr id="2" name="Title 1">
             <a:extLst>
               <a:ext uri="{FF2B5EF4-FFF2-40B4-BE49-F238E27FC236}">
-                <a16:creationId xmlns:a16="http://schemas.microsoft.com/office/drawing/2014/main" xmlns="" id="{DC8F1587-8079-4B83-A39C-422FDF4186BC}"/>
+                <a16:creationId xmlns:a16="http://schemas.microsoft.com/office/drawing/2014/main" id="{DC8F1587-8079-4B83-A39C-422FDF4186BC}"/>
               </a:ext>
             </a:extLst>
           </p:cNvPr>
@@ -20015,7 +20008,7 @@
           <p:cNvPr id="3" name="Content Placeholder 2">
             <a:extLst>
               <a:ext uri="{FF2B5EF4-FFF2-40B4-BE49-F238E27FC236}">
-                <a16:creationId xmlns:a16="http://schemas.microsoft.com/office/drawing/2014/main" xmlns="" id="{3C373940-973B-4273-AE22-85ABF94557FD}"/>
+                <a16:creationId xmlns:a16="http://schemas.microsoft.com/office/drawing/2014/main" id="{3C373940-973B-4273-AE22-85ABF94557FD}"/>
               </a:ext>
             </a:extLst>
           </p:cNvPr>
@@ -20154,12 +20147,6 @@
                 <a:cs typeface="+mn-lt"/>
               </a:rPr>
               <a:t>any(), all()</a:t>
-            </a:r>
-            <a:r>
-              <a:rPr lang="en-US" sz="2400">
-                <a:latin typeface="Courier New"/>
-              </a:rPr>
-              <a:t/>
             </a:r>
             <a:br>
               <a:rPr lang="en-US" sz="2400">
@@ -20214,7 +20201,7 @@
           <p:cNvPr id="2" name="Title 1">
             <a:extLst>
               <a:ext uri="{FF2B5EF4-FFF2-40B4-BE49-F238E27FC236}">
-                <a16:creationId xmlns:a16="http://schemas.microsoft.com/office/drawing/2014/main" xmlns="" id="{4BCF2164-2D77-4FDC-B8FA-9330C3177395}"/>
+                <a16:creationId xmlns:a16="http://schemas.microsoft.com/office/drawing/2014/main" id="{4BCF2164-2D77-4FDC-B8FA-9330C3177395}"/>
               </a:ext>
             </a:extLst>
           </p:cNvPr>
@@ -20250,7 +20237,7 @@
           <p:cNvPr id="4" name="TextBox 3">
             <a:extLst>
               <a:ext uri="{FF2B5EF4-FFF2-40B4-BE49-F238E27FC236}">
-                <a16:creationId xmlns:a16="http://schemas.microsoft.com/office/drawing/2014/main" xmlns="" id="{E5249CDA-28C3-43F1-9B97-319450ED32EC}"/>
+                <a16:creationId xmlns:a16="http://schemas.microsoft.com/office/drawing/2014/main" id="{E5249CDA-28C3-43F1-9B97-319450ED32EC}"/>
               </a:ext>
             </a:extLst>
           </p:cNvPr>
@@ -20314,7 +20301,7 @@
           <p:cNvPr id="3" name="TextBox 2">
             <a:extLst>
               <a:ext uri="{FF2B5EF4-FFF2-40B4-BE49-F238E27FC236}">
-                <a16:creationId xmlns:a16="http://schemas.microsoft.com/office/drawing/2014/main" xmlns="" id="{A42BA756-BD19-4F05-9EF0-E938550153D8}"/>
+                <a16:creationId xmlns:a16="http://schemas.microsoft.com/office/drawing/2014/main" id="{A42BA756-BD19-4F05-9EF0-E938550153D8}"/>
               </a:ext>
             </a:extLst>
           </p:cNvPr>
@@ -20356,7 +20343,7 @@
           <p:cNvPr id="6" name="TextBox 5">
             <a:extLst>
               <a:ext uri="{FF2B5EF4-FFF2-40B4-BE49-F238E27FC236}">
-                <a16:creationId xmlns:a16="http://schemas.microsoft.com/office/drawing/2014/main" xmlns="" id="{954B9661-A94C-47BA-B69C-33988AB3AF4D}"/>
+                <a16:creationId xmlns:a16="http://schemas.microsoft.com/office/drawing/2014/main" id="{954B9661-A94C-47BA-B69C-33988AB3AF4D}"/>
               </a:ext>
             </a:extLst>
           </p:cNvPr>
@@ -20421,7 +20408,7 @@
           <p:cNvPr id="8" name="TextBox 7">
             <a:extLst>
               <a:ext uri="{FF2B5EF4-FFF2-40B4-BE49-F238E27FC236}">
-                <a16:creationId xmlns:a16="http://schemas.microsoft.com/office/drawing/2014/main" xmlns="" id="{D347FD40-DC34-421B-B6B2-6236B8FAC796}"/>
+                <a16:creationId xmlns:a16="http://schemas.microsoft.com/office/drawing/2014/main" id="{D347FD40-DC34-421B-B6B2-6236B8FAC796}"/>
               </a:ext>
             </a:extLst>
           </p:cNvPr>
@@ -20559,7 +20546,7 @@
           <p:cNvPr id="10" name="TextBox 9">
             <a:extLst>
               <a:ext uri="{FF2B5EF4-FFF2-40B4-BE49-F238E27FC236}">
-                <a16:creationId xmlns:a16="http://schemas.microsoft.com/office/drawing/2014/main" xmlns="" id="{175E097A-4F27-48AF-8C73-C71BAA1ED3D8}"/>
+                <a16:creationId xmlns:a16="http://schemas.microsoft.com/office/drawing/2014/main" id="{175E097A-4F27-48AF-8C73-C71BAA1ED3D8}"/>
               </a:ext>
             </a:extLst>
           </p:cNvPr>
@@ -20697,7 +20684,7 @@
           <p:cNvPr id="11" name="TextBox 10">
             <a:extLst>
               <a:ext uri="{FF2B5EF4-FFF2-40B4-BE49-F238E27FC236}">
-                <a16:creationId xmlns:a16="http://schemas.microsoft.com/office/drawing/2014/main" xmlns="" id="{E1D3A741-A3FE-4051-883A-3F0121297648}"/>
+                <a16:creationId xmlns:a16="http://schemas.microsoft.com/office/drawing/2014/main" id="{E1D3A741-A3FE-4051-883A-3F0121297648}"/>
               </a:ext>
             </a:extLst>
           </p:cNvPr>
@@ -20865,7 +20852,7 @@
           <p:cNvPr id="2" name="Title 1">
             <a:extLst>
               <a:ext uri="{FF2B5EF4-FFF2-40B4-BE49-F238E27FC236}">
-                <a16:creationId xmlns:a16="http://schemas.microsoft.com/office/drawing/2014/main" xmlns="" id="{4BCF2164-2D77-4FDC-B8FA-9330C3177395}"/>
+                <a16:creationId xmlns:a16="http://schemas.microsoft.com/office/drawing/2014/main" id="{4BCF2164-2D77-4FDC-B8FA-9330C3177395}"/>
               </a:ext>
             </a:extLst>
           </p:cNvPr>
@@ -20903,7 +20890,7 @@
           <p:cNvPr id="7" name="TextBox 6">
             <a:extLst>
               <a:ext uri="{FF2B5EF4-FFF2-40B4-BE49-F238E27FC236}">
-                <a16:creationId xmlns:a16="http://schemas.microsoft.com/office/drawing/2014/main" xmlns="" id="{11A7E160-22C3-4038-8100-AC64AAF84B95}"/>
+                <a16:creationId xmlns:a16="http://schemas.microsoft.com/office/drawing/2014/main" id="{11A7E160-22C3-4038-8100-AC64AAF84B95}"/>
               </a:ext>
             </a:extLst>
           </p:cNvPr>
@@ -21022,7 +21009,7 @@
           <p:cNvPr id="5" name="TextBox 4">
             <a:extLst>
               <a:ext uri="{FF2B5EF4-FFF2-40B4-BE49-F238E27FC236}">
-                <a16:creationId xmlns:a16="http://schemas.microsoft.com/office/drawing/2014/main" xmlns="" id="{F5F1FB91-1807-4BB2-8EF5-0ADB6CA9B9CE}"/>
+                <a16:creationId xmlns:a16="http://schemas.microsoft.com/office/drawing/2014/main" id="{F5F1FB91-1807-4BB2-8EF5-0ADB6CA9B9CE}"/>
               </a:ext>
             </a:extLst>
           </p:cNvPr>
@@ -21156,7 +21143,7 @@
           <p:cNvPr id="11" name="TextBox 10">
             <a:extLst>
               <a:ext uri="{FF2B5EF4-FFF2-40B4-BE49-F238E27FC236}">
-                <a16:creationId xmlns:a16="http://schemas.microsoft.com/office/drawing/2014/main" xmlns="" id="{D9E72773-3DDE-46B8-B1F9-18CFD956E883}"/>
+                <a16:creationId xmlns:a16="http://schemas.microsoft.com/office/drawing/2014/main" id="{D9E72773-3DDE-46B8-B1F9-18CFD956E883}"/>
               </a:ext>
             </a:extLst>
           </p:cNvPr>
@@ -21194,7 +21181,7 @@
           <p:cNvPr id="13" name="TextBox 12">
             <a:extLst>
               <a:ext uri="{FF2B5EF4-FFF2-40B4-BE49-F238E27FC236}">
-                <a16:creationId xmlns:a16="http://schemas.microsoft.com/office/drawing/2014/main" xmlns="" id="{27425623-D2DA-46B1-86D0-F69A555DAAFA}"/>
+                <a16:creationId xmlns:a16="http://schemas.microsoft.com/office/drawing/2014/main" id="{27425623-D2DA-46B1-86D0-F69A555DAAFA}"/>
               </a:ext>
             </a:extLst>
           </p:cNvPr>
@@ -21407,7 +21394,7 @@
           <p:cNvPr id="2" name="Title 1">
             <a:extLst>
               <a:ext uri="{FF2B5EF4-FFF2-40B4-BE49-F238E27FC236}">
-                <a16:creationId xmlns:a16="http://schemas.microsoft.com/office/drawing/2014/main" xmlns="" id="{DF96986C-DD4F-438F-96B6-38662CCC338B}"/>
+                <a16:creationId xmlns:a16="http://schemas.microsoft.com/office/drawing/2014/main" id="{DF96986C-DD4F-438F-96B6-38662CCC338B}"/>
               </a:ext>
             </a:extLst>
           </p:cNvPr>
@@ -21443,7 +21430,7 @@
           <p:cNvPr id="4" name="Picture 4" descr="A picture containing text, crossword, photo, different&#10;&#10;Description automatically generated">
             <a:extLst>
               <a:ext uri="{FF2B5EF4-FFF2-40B4-BE49-F238E27FC236}">
-                <a16:creationId xmlns:a16="http://schemas.microsoft.com/office/drawing/2014/main" xmlns="" id="{B659DCA8-8E13-4FEF-A217-271FFF901316}"/>
+                <a16:creationId xmlns:a16="http://schemas.microsoft.com/office/drawing/2014/main" id="{B659DCA8-8E13-4FEF-A217-271FFF901316}"/>
               </a:ext>
             </a:extLst>
           </p:cNvPr>
@@ -21502,7 +21489,7 @@
           <p:cNvPr id="2" name="Title 1">
             <a:extLst>
               <a:ext uri="{FF2B5EF4-FFF2-40B4-BE49-F238E27FC236}">
-                <a16:creationId xmlns:a16="http://schemas.microsoft.com/office/drawing/2014/main" xmlns="" id="{9EF1CFBB-88BE-4F4C-9011-4495A104CE60}"/>
+                <a16:creationId xmlns:a16="http://schemas.microsoft.com/office/drawing/2014/main" id="{9EF1CFBB-88BE-4F4C-9011-4495A104CE60}"/>
               </a:ext>
             </a:extLst>
           </p:cNvPr>
@@ -21546,7 +21533,7 @@
           <p:cNvPr id="6" name="TextBox 5">
             <a:extLst>
               <a:ext uri="{FF2B5EF4-FFF2-40B4-BE49-F238E27FC236}">
-                <a16:creationId xmlns:a16="http://schemas.microsoft.com/office/drawing/2014/main" xmlns="" id="{303AA629-6298-4A6A-81F9-55B58644EB1A}"/>
+                <a16:creationId xmlns:a16="http://schemas.microsoft.com/office/drawing/2014/main" id="{303AA629-6298-4A6A-81F9-55B58644EB1A}"/>
               </a:ext>
             </a:extLst>
           </p:cNvPr>
@@ -21677,7 +21664,7 @@
           <p:cNvPr id="7" name="TextBox 6">
             <a:extLst>
               <a:ext uri="{FF2B5EF4-FFF2-40B4-BE49-F238E27FC236}">
-                <a16:creationId xmlns:a16="http://schemas.microsoft.com/office/drawing/2014/main" xmlns="" id="{4500822A-B0F6-47F9-9804-CAD858FEF8ED}"/>
+                <a16:creationId xmlns:a16="http://schemas.microsoft.com/office/drawing/2014/main" id="{4500822A-B0F6-47F9-9804-CAD858FEF8ED}"/>
               </a:ext>
             </a:extLst>
           </p:cNvPr>
@@ -21717,7 +21704,7 @@
           <p:cNvPr id="8" name="TextBox 7">
             <a:extLst>
               <a:ext uri="{FF2B5EF4-FFF2-40B4-BE49-F238E27FC236}">
-                <a16:creationId xmlns:a16="http://schemas.microsoft.com/office/drawing/2014/main" xmlns="" id="{0BBF3EC4-B12D-43E1-BEF9-AE32990EE558}"/>
+                <a16:creationId xmlns:a16="http://schemas.microsoft.com/office/drawing/2014/main" id="{0BBF3EC4-B12D-43E1-BEF9-AE32990EE558}"/>
               </a:ext>
             </a:extLst>
           </p:cNvPr>
@@ -21757,7 +21744,7 @@
           <p:cNvPr id="9" name="TextBox 8">
             <a:extLst>
               <a:ext uri="{FF2B5EF4-FFF2-40B4-BE49-F238E27FC236}">
-                <a16:creationId xmlns:a16="http://schemas.microsoft.com/office/drawing/2014/main" xmlns="" id="{E4D00CD0-AC1B-4089-9903-2792A4249455}"/>
+                <a16:creationId xmlns:a16="http://schemas.microsoft.com/office/drawing/2014/main" id="{E4D00CD0-AC1B-4089-9903-2792A4249455}"/>
               </a:ext>
             </a:extLst>
           </p:cNvPr>
@@ -21853,7 +21840,7 @@
           <p:cNvPr id="10" name="TextBox 9">
             <a:extLst>
               <a:ext uri="{FF2B5EF4-FFF2-40B4-BE49-F238E27FC236}">
-                <a16:creationId xmlns:a16="http://schemas.microsoft.com/office/drawing/2014/main" xmlns="" id="{858AA518-FE18-4A6D-96FC-095F02311FA0}"/>
+                <a16:creationId xmlns:a16="http://schemas.microsoft.com/office/drawing/2014/main" id="{858AA518-FE18-4A6D-96FC-095F02311FA0}"/>
               </a:ext>
             </a:extLst>
           </p:cNvPr>
@@ -21985,7 +21972,7 @@
           <p:cNvPr id="2" name="Title 1">
             <a:extLst>
               <a:ext uri="{FF2B5EF4-FFF2-40B4-BE49-F238E27FC236}">
-                <a16:creationId xmlns:a16="http://schemas.microsoft.com/office/drawing/2014/main" xmlns="" id="{9EF1CFBB-88BE-4F4C-9011-4495A104CE60}"/>
+                <a16:creationId xmlns:a16="http://schemas.microsoft.com/office/drawing/2014/main" id="{9EF1CFBB-88BE-4F4C-9011-4495A104CE60}"/>
               </a:ext>
             </a:extLst>
           </p:cNvPr>
@@ -22023,7 +22010,7 @@
           <p:cNvPr id="4" name="Picture 4" descr="Table&#10;&#10;Description automatically generated">
             <a:extLst>
               <a:ext uri="{FF2B5EF4-FFF2-40B4-BE49-F238E27FC236}">
-                <a16:creationId xmlns:a16="http://schemas.microsoft.com/office/drawing/2014/main" xmlns="" id="{125A8F75-072D-472A-8612-36459C6E5912}"/>
+                <a16:creationId xmlns:a16="http://schemas.microsoft.com/office/drawing/2014/main" id="{125A8F75-072D-472A-8612-36459C6E5912}"/>
               </a:ext>
             </a:extLst>
           </p:cNvPr>
@@ -22082,7 +22069,7 @@
           <p:cNvPr id="2" name="Title 1">
             <a:extLst>
               <a:ext uri="{FF2B5EF4-FFF2-40B4-BE49-F238E27FC236}">
-                <a16:creationId xmlns:a16="http://schemas.microsoft.com/office/drawing/2014/main" xmlns="" id="{B0C0163E-90B1-4691-9F06-838B95CBED1B}"/>
+                <a16:creationId xmlns:a16="http://schemas.microsoft.com/office/drawing/2014/main" id="{B0C0163E-90B1-4691-9F06-838B95CBED1B}"/>
               </a:ext>
             </a:extLst>
           </p:cNvPr>
@@ -22113,7 +22100,7 @@
           <p:cNvPr id="4" name="Picture 4" descr="Text, timeline&#10;&#10;Description automatically generated">
             <a:extLst>
               <a:ext uri="{FF2B5EF4-FFF2-40B4-BE49-F238E27FC236}">
-                <a16:creationId xmlns:a16="http://schemas.microsoft.com/office/drawing/2014/main" xmlns="" id="{A08E4A0F-87B3-4866-A27C-E31F74A6D808}"/>
+                <a16:creationId xmlns:a16="http://schemas.microsoft.com/office/drawing/2014/main" id="{A08E4A0F-87B3-4866-A27C-E31F74A6D808}"/>
               </a:ext>
             </a:extLst>
           </p:cNvPr>
@@ -22143,7 +22130,7 @@
           <p:cNvPr id="5" name="TextBox 4">
             <a:extLst>
               <a:ext uri="{FF2B5EF4-FFF2-40B4-BE49-F238E27FC236}">
-                <a16:creationId xmlns:a16="http://schemas.microsoft.com/office/drawing/2014/main" xmlns="" id="{4EA44F0C-AF29-4DC9-A9C9-61763DE108A0}"/>
+                <a16:creationId xmlns:a16="http://schemas.microsoft.com/office/drawing/2014/main" id="{4EA44F0C-AF29-4DC9-A9C9-61763DE108A0}"/>
               </a:ext>
             </a:extLst>
           </p:cNvPr>
@@ -22223,7 +22210,7 @@
           <p:cNvPr id="2" name="Title 1">
             <a:extLst>
               <a:ext uri="{FF2B5EF4-FFF2-40B4-BE49-F238E27FC236}">
-                <a16:creationId xmlns:a16="http://schemas.microsoft.com/office/drawing/2014/main" xmlns="" id="{3D81BFE0-2EA4-4592-9D63-B72F9A0E9E32}"/>
+                <a16:creationId xmlns:a16="http://schemas.microsoft.com/office/drawing/2014/main" id="{3D81BFE0-2EA4-4592-9D63-B72F9A0E9E32}"/>
               </a:ext>
             </a:extLst>
           </p:cNvPr>
@@ -22253,7 +22240,7 @@
           <p:cNvPr id="4" name="Picture 4" descr="Chart, box and whisker chart&#10;&#10;Description automatically generated">
             <a:extLst>
               <a:ext uri="{FF2B5EF4-FFF2-40B4-BE49-F238E27FC236}">
-                <a16:creationId xmlns:a16="http://schemas.microsoft.com/office/drawing/2014/main" xmlns="" id="{F7BBAB03-16D0-4F4A-B156-9CDA4E74FA2B}"/>
+                <a16:creationId xmlns:a16="http://schemas.microsoft.com/office/drawing/2014/main" id="{F7BBAB03-16D0-4F4A-B156-9CDA4E74FA2B}"/>
               </a:ext>
             </a:extLst>
           </p:cNvPr>
@@ -22283,7 +22270,7 @@
           <p:cNvPr id="5" name="TextBox 4">
             <a:extLst>
               <a:ext uri="{FF2B5EF4-FFF2-40B4-BE49-F238E27FC236}">
-                <a16:creationId xmlns:a16="http://schemas.microsoft.com/office/drawing/2014/main" xmlns="" id="{C8AA1CF1-DA90-4596-A5A6-0A45B9779BD3}"/>
+                <a16:creationId xmlns:a16="http://schemas.microsoft.com/office/drawing/2014/main" id="{C8AA1CF1-DA90-4596-A5A6-0A45B9779BD3}"/>
               </a:ext>
             </a:extLst>
           </p:cNvPr>
@@ -22493,7 +22480,7 @@
           <p:cNvPr id="6" name="Rectangle 5">
             <a:extLst>
               <a:ext uri="{FF2B5EF4-FFF2-40B4-BE49-F238E27FC236}">
-                <a16:creationId xmlns:a16="http://schemas.microsoft.com/office/drawing/2014/main" xmlns="" id="{ED9F772A-9A19-4A9C-9983-6C6D0EE4CA2C}"/>
+                <a16:creationId xmlns:a16="http://schemas.microsoft.com/office/drawing/2014/main" id="{ED9F772A-9A19-4A9C-9983-6C6D0EE4CA2C}"/>
               </a:ext>
             </a:extLst>
           </p:cNvPr>
@@ -22538,7 +22525,7 @@
           <p:cNvPr id="7" name="Rectangle 6">
             <a:extLst>
               <a:ext uri="{FF2B5EF4-FFF2-40B4-BE49-F238E27FC236}">
-                <a16:creationId xmlns:a16="http://schemas.microsoft.com/office/drawing/2014/main" xmlns="" id="{503AF0DB-EC5B-45B4-9F7E-6B7E0E7A821C}"/>
+                <a16:creationId xmlns:a16="http://schemas.microsoft.com/office/drawing/2014/main" id="{503AF0DB-EC5B-45B4-9F7E-6B7E0E7A821C}"/>
               </a:ext>
             </a:extLst>
           </p:cNvPr>
@@ -22583,7 +22570,7 @@
           <p:cNvPr id="8" name="Rectangle 7">
             <a:extLst>
               <a:ext uri="{FF2B5EF4-FFF2-40B4-BE49-F238E27FC236}">
-                <a16:creationId xmlns:a16="http://schemas.microsoft.com/office/drawing/2014/main" xmlns="" id="{3DFAD053-33E1-4054-B3E0-1C029629CA1D}"/>
+                <a16:creationId xmlns:a16="http://schemas.microsoft.com/office/drawing/2014/main" id="{3DFAD053-33E1-4054-B3E0-1C029629CA1D}"/>
               </a:ext>
             </a:extLst>
           </p:cNvPr>
@@ -22628,7 +22615,7 @@
           <p:cNvPr id="9" name="Rectangle 8">
             <a:extLst>
               <a:ext uri="{FF2B5EF4-FFF2-40B4-BE49-F238E27FC236}">
-                <a16:creationId xmlns:a16="http://schemas.microsoft.com/office/drawing/2014/main" xmlns="" id="{C1A8EAC0-7516-44C9-AF6C-D994E932B1BA}"/>
+                <a16:creationId xmlns:a16="http://schemas.microsoft.com/office/drawing/2014/main" id="{C1A8EAC0-7516-44C9-AF6C-D994E932B1BA}"/>
               </a:ext>
             </a:extLst>
           </p:cNvPr>
@@ -22673,7 +22660,7 @@
           <p:cNvPr id="3" name="TextBox 2">
             <a:extLst>
               <a:ext uri="{FF2B5EF4-FFF2-40B4-BE49-F238E27FC236}">
-                <a16:creationId xmlns:a16="http://schemas.microsoft.com/office/drawing/2014/main" xmlns="" id="{63ADCA2A-DF84-46B6-AD6C-B78D5E9C0A94}"/>
+                <a16:creationId xmlns:a16="http://schemas.microsoft.com/office/drawing/2014/main" id="{63ADCA2A-DF84-46B6-AD6C-B78D5E9C0A94}"/>
               </a:ext>
             </a:extLst>
           </p:cNvPr>
@@ -22742,7 +22729,7 @@
           <p:cNvPr id="2" name="Title 1">
             <a:extLst>
               <a:ext uri="{FF2B5EF4-FFF2-40B4-BE49-F238E27FC236}">
-                <a16:creationId xmlns:a16="http://schemas.microsoft.com/office/drawing/2014/main" xmlns="" id="{EC84C91D-5C9A-4516-BC67-968A5870A641}"/>
+                <a16:creationId xmlns:a16="http://schemas.microsoft.com/office/drawing/2014/main" id="{EC84C91D-5C9A-4516-BC67-968A5870A641}"/>
               </a:ext>
             </a:extLst>
           </p:cNvPr>
@@ -22770,7 +22757,7 @@
           <p:cNvPr id="6" name="Text Placeholder 2">
             <a:extLst>
               <a:ext uri="{FF2B5EF4-FFF2-40B4-BE49-F238E27FC236}">
-                <a16:creationId xmlns:a16="http://schemas.microsoft.com/office/drawing/2014/main" xmlns="" id="{B2492802-8B0C-4827-9851-9AFF7EA821E8}"/>
+                <a16:creationId xmlns:a16="http://schemas.microsoft.com/office/drawing/2014/main" id="{B2492802-8B0C-4827-9851-9AFF7EA821E8}"/>
               </a:ext>
             </a:extLst>
           </p:cNvPr>
@@ -22918,7 +22905,7 @@
           <p:cNvPr id="7" name="TextBox 6">
             <a:extLst>
               <a:ext uri="{FF2B5EF4-FFF2-40B4-BE49-F238E27FC236}">
-                <a16:creationId xmlns:a16="http://schemas.microsoft.com/office/drawing/2014/main" xmlns="" id="{A64584C6-93C5-4320-9BAA-82F80ECEFE7B}"/>
+                <a16:creationId xmlns:a16="http://schemas.microsoft.com/office/drawing/2014/main" id="{A64584C6-93C5-4320-9BAA-82F80ECEFE7B}"/>
               </a:ext>
             </a:extLst>
           </p:cNvPr>
@@ -23115,10 +23102,10 @@
           <p:cNvPr id="29" name="Rectangle 28">
             <a:extLst>
               <a:ext uri="{FF2B5EF4-FFF2-40B4-BE49-F238E27FC236}">
-                <a16:creationId xmlns:a16="http://schemas.microsoft.com/office/drawing/2014/main" xmlns="" id="{91F32EBA-ED97-466E-8CFA-8382584155D0}"/>
+                <a16:creationId xmlns:a16="http://schemas.microsoft.com/office/drawing/2014/main" id="{91F32EBA-ED97-466E-8CFA-8382584155D0}"/>
               </a:ext>
               <a:ext uri="{C183D7F6-B498-43B3-948B-1728B52AA6E4}">
-                <adec:decorative xmlns:adec="http://schemas.microsoft.com/office/drawing/2017/decorative" xmlns="" val="1"/>
+                <adec:decorative xmlns:adec="http://schemas.microsoft.com/office/drawing/2017/decorative" val="1"/>
               </a:ext>
             </a:extLst>
           </p:cNvPr>
@@ -23128,7 +23115,7 @@
           <p:nvPr>
             <p:extLst>
               <p:ext uri="{386F3935-93C4-4BCD-93E2-E3B085C9AB24}">
-                <p16:designElem xmlns:p16="http://schemas.microsoft.com/office/powerpoint/2015/main" xmlns="" val="1"/>
+                <p16:designElem xmlns:p16="http://schemas.microsoft.com/office/powerpoint/2015/main" val="1"/>
               </p:ext>
             </p:extLst>
           </p:nvPr>
@@ -23204,7 +23191,7 @@
           <p:cNvPr id="2" name="TextBox 1">
             <a:extLst>
               <a:ext uri="{FF2B5EF4-FFF2-40B4-BE49-F238E27FC236}">
-                <a16:creationId xmlns:a16="http://schemas.microsoft.com/office/drawing/2014/main" xmlns="" id="{F555FB54-7145-41A4-B7AC-80E889E6930E}"/>
+                <a16:creationId xmlns:a16="http://schemas.microsoft.com/office/drawing/2014/main" id="{F555FB54-7145-41A4-B7AC-80E889E6930E}"/>
               </a:ext>
             </a:extLst>
           </p:cNvPr>
@@ -23283,10 +23270,10 @@
           <p:cNvPr id="31" name="Freeform: Shape 30">
             <a:extLst>
               <a:ext uri="{FF2B5EF4-FFF2-40B4-BE49-F238E27FC236}">
-                <a16:creationId xmlns:a16="http://schemas.microsoft.com/office/drawing/2014/main" xmlns="" id="{62A38935-BB53-4DF7-A56E-48DD25B685D7}"/>
+                <a16:creationId xmlns:a16="http://schemas.microsoft.com/office/drawing/2014/main" id="{62A38935-BB53-4DF7-A56E-48DD25B685D7}"/>
               </a:ext>
               <a:ext uri="{C183D7F6-B498-43B3-948B-1728B52AA6E4}">
-                <adec:decorative xmlns:adec="http://schemas.microsoft.com/office/drawing/2017/decorative" xmlns="" val="1"/>
+                <adec:decorative xmlns:adec="http://schemas.microsoft.com/office/drawing/2017/decorative" val="1"/>
               </a:ext>
             </a:extLst>
           </p:cNvPr>
@@ -23296,7 +23283,7 @@
           <p:nvPr>
             <p:extLst>
               <p:ext uri="{386F3935-93C4-4BCD-93E2-E3B085C9AB24}">
-                <p16:designElem xmlns:p16="http://schemas.microsoft.com/office/powerpoint/2015/main" xmlns="" val="1"/>
+                <p16:designElem xmlns:p16="http://schemas.microsoft.com/office/powerpoint/2015/main" val="1"/>
               </p:ext>
             </p:extLst>
           </p:nvPr>
@@ -24086,7 +24073,7 @@
           <p:cNvPr id="23" name="Graphic 5" descr="Cmd Terminal outline">
             <a:extLst>
               <a:ext uri="{FF2B5EF4-FFF2-40B4-BE49-F238E27FC236}">
-                <a16:creationId xmlns:a16="http://schemas.microsoft.com/office/drawing/2014/main" xmlns="" id="{B5C9A296-4AD9-4D40-87ED-1242EE6EE8FE}"/>
+                <a16:creationId xmlns:a16="http://schemas.microsoft.com/office/drawing/2014/main" id="{B5C9A296-4AD9-4D40-87ED-1242EE6EE8FE}"/>
               </a:ext>
             </a:extLst>
           </p:cNvPr>
@@ -24099,7 +24086,7 @@
           <a:blip r:embed="rId2">
             <a:extLst>
               <a:ext uri="{96DAC541-7B7A-43D3-8B79-37D633B846F1}">
-                <asvg:svgBlip xmlns:asvg="http://schemas.microsoft.com/office/drawing/2016/SVG/main" xmlns="" r:embed="rId3"/>
+                <asvg:svgBlip xmlns:asvg="http://schemas.microsoft.com/office/drawing/2016/SVG/main" r:embed="rId3"/>
               </a:ext>
             </a:extLst>
           </a:blip>
@@ -24121,7 +24108,7 @@
           <p:cNvPr id="6" name="TextBox 5">
             <a:extLst>
               <a:ext uri="{FF2B5EF4-FFF2-40B4-BE49-F238E27FC236}">
-                <a16:creationId xmlns:a16="http://schemas.microsoft.com/office/drawing/2014/main" xmlns="" id="{29A1180F-7D7E-453B-86CE-C092E2107653}"/>
+                <a16:creationId xmlns:a16="http://schemas.microsoft.com/office/drawing/2014/main" id="{29A1180F-7D7E-453B-86CE-C092E2107653}"/>
               </a:ext>
             </a:extLst>
           </p:cNvPr>
@@ -24206,7 +24193,7 @@
           <p:cNvPr id="2" name="Title 1">
             <a:extLst>
               <a:ext uri="{FF2B5EF4-FFF2-40B4-BE49-F238E27FC236}">
-                <a16:creationId xmlns:a16="http://schemas.microsoft.com/office/drawing/2014/main" xmlns="" id="{EC84C91D-5C9A-4516-BC67-968A5870A641}"/>
+                <a16:creationId xmlns:a16="http://schemas.microsoft.com/office/drawing/2014/main" id="{EC84C91D-5C9A-4516-BC67-968A5870A641}"/>
               </a:ext>
             </a:extLst>
           </p:cNvPr>
@@ -24234,7 +24221,7 @@
           <p:cNvPr id="6" name="Text Placeholder 2">
             <a:extLst>
               <a:ext uri="{FF2B5EF4-FFF2-40B4-BE49-F238E27FC236}">
-                <a16:creationId xmlns:a16="http://schemas.microsoft.com/office/drawing/2014/main" xmlns="" id="{B2492802-8B0C-4827-9851-9AFF7EA821E8}"/>
+                <a16:creationId xmlns:a16="http://schemas.microsoft.com/office/drawing/2014/main" id="{B2492802-8B0C-4827-9851-9AFF7EA821E8}"/>
               </a:ext>
             </a:extLst>
           </p:cNvPr>
@@ -24442,7 +24429,7 @@
           <p:cNvPr id="100" name="TextBox 99">
             <a:extLst>
               <a:ext uri="{FF2B5EF4-FFF2-40B4-BE49-F238E27FC236}">
-                <a16:creationId xmlns:a16="http://schemas.microsoft.com/office/drawing/2014/main" xmlns="" id="{34B35484-F4E2-4112-97FB-FBF571F70843}"/>
+                <a16:creationId xmlns:a16="http://schemas.microsoft.com/office/drawing/2014/main" id="{34B35484-F4E2-4112-97FB-FBF571F70843}"/>
               </a:ext>
             </a:extLst>
           </p:cNvPr>
@@ -24507,7 +24494,7 @@
           <p:cNvPr id="101" name="TextBox 100">
             <a:extLst>
               <a:ext uri="{FF2B5EF4-FFF2-40B4-BE49-F238E27FC236}">
-                <a16:creationId xmlns:a16="http://schemas.microsoft.com/office/drawing/2014/main" xmlns="" id="{5CBC9EEB-E16D-4762-B6F3-51F67C9FCE01}"/>
+                <a16:creationId xmlns:a16="http://schemas.microsoft.com/office/drawing/2014/main" id="{5CBC9EEB-E16D-4762-B6F3-51F67C9FCE01}"/>
               </a:ext>
             </a:extLst>
           </p:cNvPr>
@@ -24572,7 +24559,7 @@
           <p:cNvPr id="105" name="Rectangle 104">
             <a:extLst>
               <a:ext uri="{FF2B5EF4-FFF2-40B4-BE49-F238E27FC236}">
-                <a16:creationId xmlns:a16="http://schemas.microsoft.com/office/drawing/2014/main" xmlns="" id="{2E97DFEC-6564-46D2-BD99-45CA5B83B84A}"/>
+                <a16:creationId xmlns:a16="http://schemas.microsoft.com/office/drawing/2014/main" id="{2E97DFEC-6564-46D2-BD99-45CA5B83B84A}"/>
               </a:ext>
             </a:extLst>
           </p:cNvPr>
@@ -24647,7 +24634,7 @@
           <p:cNvPr id="106" name="Rectangle 105">
             <a:extLst>
               <a:ext uri="{FF2B5EF4-FFF2-40B4-BE49-F238E27FC236}">
-                <a16:creationId xmlns:a16="http://schemas.microsoft.com/office/drawing/2014/main" xmlns="" id="{DF4AD769-5634-43C4-B8A9-1F2152A8A6E0}"/>
+                <a16:creationId xmlns:a16="http://schemas.microsoft.com/office/drawing/2014/main" id="{DF4AD769-5634-43C4-B8A9-1F2152A8A6E0}"/>
               </a:ext>
             </a:extLst>
           </p:cNvPr>
@@ -24725,7 +24712,7 @@
           <p:cNvPr id="107" name="Rectangle 106">
             <a:extLst>
               <a:ext uri="{FF2B5EF4-FFF2-40B4-BE49-F238E27FC236}">
-                <a16:creationId xmlns:a16="http://schemas.microsoft.com/office/drawing/2014/main" xmlns="" id="{151BE2A7-7E63-4EFB-87E8-CED6A3BFEF9D}"/>
+                <a16:creationId xmlns:a16="http://schemas.microsoft.com/office/drawing/2014/main" id="{151BE2A7-7E63-4EFB-87E8-CED6A3BFEF9D}"/>
               </a:ext>
             </a:extLst>
           </p:cNvPr>
@@ -24800,7 +24787,7 @@
           <p:cNvPr id="109" name="Rectangle 108">
             <a:extLst>
               <a:ext uri="{FF2B5EF4-FFF2-40B4-BE49-F238E27FC236}">
-                <a16:creationId xmlns:a16="http://schemas.microsoft.com/office/drawing/2014/main" xmlns="" id="{DB8FBECC-8147-49D3-B4CF-3C03A51E2256}"/>
+                <a16:creationId xmlns:a16="http://schemas.microsoft.com/office/drawing/2014/main" id="{DB8FBECC-8147-49D3-B4CF-3C03A51E2256}"/>
               </a:ext>
             </a:extLst>
           </p:cNvPr>
@@ -24881,7 +24868,7 @@
           <p:cNvPr id="110" name="Rectangle 109">
             <a:extLst>
               <a:ext uri="{FF2B5EF4-FFF2-40B4-BE49-F238E27FC236}">
-                <a16:creationId xmlns:a16="http://schemas.microsoft.com/office/drawing/2014/main" xmlns="" id="{F89AA3C3-593A-463E-A55D-F747ED93DC79}"/>
+                <a16:creationId xmlns:a16="http://schemas.microsoft.com/office/drawing/2014/main" id="{F89AA3C3-593A-463E-A55D-F747ED93DC79}"/>
               </a:ext>
             </a:extLst>
           </p:cNvPr>
@@ -24959,7 +24946,7 @@
           <p:cNvPr id="111" name="Rectangle 110">
             <a:extLst>
               <a:ext uri="{FF2B5EF4-FFF2-40B4-BE49-F238E27FC236}">
-                <a16:creationId xmlns:a16="http://schemas.microsoft.com/office/drawing/2014/main" xmlns="" id="{F1B816D3-4234-43BF-8C04-FFB9E90C356B}"/>
+                <a16:creationId xmlns:a16="http://schemas.microsoft.com/office/drawing/2014/main" id="{F1B816D3-4234-43BF-8C04-FFB9E90C356B}"/>
               </a:ext>
             </a:extLst>
           </p:cNvPr>
@@ -25034,7 +25021,7 @@
           <p:cNvPr id="113" name="Rectangle 112">
             <a:extLst>
               <a:ext uri="{FF2B5EF4-FFF2-40B4-BE49-F238E27FC236}">
-                <a16:creationId xmlns:a16="http://schemas.microsoft.com/office/drawing/2014/main" xmlns="" id="{10170A6E-721E-4A5A-9C5C-135C6D7C943D}"/>
+                <a16:creationId xmlns:a16="http://schemas.microsoft.com/office/drawing/2014/main" id="{10170A6E-721E-4A5A-9C5C-135C6D7C943D}"/>
               </a:ext>
             </a:extLst>
           </p:cNvPr>
@@ -25115,7 +25102,7 @@
           <p:cNvPr id="114" name="Rectangle 113">
             <a:extLst>
               <a:ext uri="{FF2B5EF4-FFF2-40B4-BE49-F238E27FC236}">
-                <a16:creationId xmlns:a16="http://schemas.microsoft.com/office/drawing/2014/main" xmlns="" id="{35759107-3B41-43A2-8CBC-3492CC06A2BB}"/>
+                <a16:creationId xmlns:a16="http://schemas.microsoft.com/office/drawing/2014/main" id="{35759107-3B41-43A2-8CBC-3492CC06A2BB}"/>
               </a:ext>
             </a:extLst>
           </p:cNvPr>
@@ -25193,7 +25180,7 @@
           <p:cNvPr id="115" name="Rectangle 114">
             <a:extLst>
               <a:ext uri="{FF2B5EF4-FFF2-40B4-BE49-F238E27FC236}">
-                <a16:creationId xmlns:a16="http://schemas.microsoft.com/office/drawing/2014/main" xmlns="" id="{CFD947A2-D48A-4D7E-A82D-AC0A090783B2}"/>
+                <a16:creationId xmlns:a16="http://schemas.microsoft.com/office/drawing/2014/main" id="{CFD947A2-D48A-4D7E-A82D-AC0A090783B2}"/>
               </a:ext>
             </a:extLst>
           </p:cNvPr>
@@ -25268,7 +25255,7 @@
           <p:cNvPr id="117" name="TextBox 116">
             <a:extLst>
               <a:ext uri="{FF2B5EF4-FFF2-40B4-BE49-F238E27FC236}">
-                <a16:creationId xmlns:a16="http://schemas.microsoft.com/office/drawing/2014/main" xmlns="" id="{8F49857B-89A4-4B41-9957-96638A83A5F8}"/>
+                <a16:creationId xmlns:a16="http://schemas.microsoft.com/office/drawing/2014/main" id="{8F49857B-89A4-4B41-9957-96638A83A5F8}"/>
               </a:ext>
             </a:extLst>
           </p:cNvPr>
@@ -25333,7 +25320,7 @@
           <p:cNvPr id="118" name="TextBox 117">
             <a:extLst>
               <a:ext uri="{FF2B5EF4-FFF2-40B4-BE49-F238E27FC236}">
-                <a16:creationId xmlns:a16="http://schemas.microsoft.com/office/drawing/2014/main" xmlns="" id="{41F30B55-69C6-4430-9321-22750EEE21C4}"/>
+                <a16:creationId xmlns:a16="http://schemas.microsoft.com/office/drawing/2014/main" id="{41F30B55-69C6-4430-9321-22750EEE21C4}"/>
               </a:ext>
             </a:extLst>
           </p:cNvPr>
@@ -25398,7 +25385,7 @@
           <p:cNvPr id="119" name="TextBox 118">
             <a:extLst>
               <a:ext uri="{FF2B5EF4-FFF2-40B4-BE49-F238E27FC236}">
-                <a16:creationId xmlns:a16="http://schemas.microsoft.com/office/drawing/2014/main" xmlns="" id="{019D0B16-9910-4D05-99DB-1C13A32220D6}"/>
+                <a16:creationId xmlns:a16="http://schemas.microsoft.com/office/drawing/2014/main" id="{019D0B16-9910-4D05-99DB-1C13A32220D6}"/>
               </a:ext>
             </a:extLst>
           </p:cNvPr>
@@ -25463,7 +25450,7 @@
           <p:cNvPr id="103" name="TextBox 102">
             <a:extLst>
               <a:ext uri="{FF2B5EF4-FFF2-40B4-BE49-F238E27FC236}">
-                <a16:creationId xmlns:a16="http://schemas.microsoft.com/office/drawing/2014/main" xmlns="" id="{620EA50D-3069-4E9C-8FFC-BC546E3A15F4}"/>
+                <a16:creationId xmlns:a16="http://schemas.microsoft.com/office/drawing/2014/main" id="{620EA50D-3069-4E9C-8FFC-BC546E3A15F4}"/>
               </a:ext>
             </a:extLst>
           </p:cNvPr>
@@ -25528,7 +25515,7 @@
           <p:cNvPr id="255" name="Title 1">
             <a:extLst>
               <a:ext uri="{FF2B5EF4-FFF2-40B4-BE49-F238E27FC236}">
-                <a16:creationId xmlns:a16="http://schemas.microsoft.com/office/drawing/2014/main" xmlns="" id="{B54C3232-AE34-455E-BD45-D58574BAEE43}"/>
+                <a16:creationId xmlns:a16="http://schemas.microsoft.com/office/drawing/2014/main" id="{B54C3232-AE34-455E-BD45-D58574BAEE43}"/>
               </a:ext>
             </a:extLst>
           </p:cNvPr>
@@ -25638,7 +25625,7 @@
           <p:cNvPr id="28" name="TextBox 27">
             <a:extLst>
               <a:ext uri="{FF2B5EF4-FFF2-40B4-BE49-F238E27FC236}">
-                <a16:creationId xmlns:a16="http://schemas.microsoft.com/office/drawing/2014/main" xmlns="" id="{ABC0D35F-21FF-41B3-8BA8-549841DEA239}"/>
+                <a16:creationId xmlns:a16="http://schemas.microsoft.com/office/drawing/2014/main" id="{ABC0D35F-21FF-41B3-8BA8-549841DEA239}"/>
               </a:ext>
             </a:extLst>
           </p:cNvPr>
@@ -25726,7 +25713,7 @@
           <p:cNvPr id="69" name="TextBox 68">
             <a:extLst>
               <a:ext uri="{FF2B5EF4-FFF2-40B4-BE49-F238E27FC236}">
-                <a16:creationId xmlns:a16="http://schemas.microsoft.com/office/drawing/2014/main" xmlns="" id="{0F8DE013-FC2F-46F4-A9E2-7DAC2B41B1DB}"/>
+                <a16:creationId xmlns:a16="http://schemas.microsoft.com/office/drawing/2014/main" id="{0F8DE013-FC2F-46F4-A9E2-7DAC2B41B1DB}"/>
               </a:ext>
             </a:extLst>
           </p:cNvPr>
@@ -25814,7 +25801,7 @@
           <p:cNvPr id="70" name="TextBox 69">
             <a:extLst>
               <a:ext uri="{FF2B5EF4-FFF2-40B4-BE49-F238E27FC236}">
-                <a16:creationId xmlns:a16="http://schemas.microsoft.com/office/drawing/2014/main" xmlns="" id="{B02A9313-CEA0-4760-8047-9EDA3B3378F0}"/>
+                <a16:creationId xmlns:a16="http://schemas.microsoft.com/office/drawing/2014/main" id="{B02A9313-CEA0-4760-8047-9EDA3B3378F0}"/>
               </a:ext>
             </a:extLst>
           </p:cNvPr>
@@ -25902,7 +25889,7 @@
           <p:cNvPr id="51" name="TextBox 50">
             <a:extLst>
               <a:ext uri="{FF2B5EF4-FFF2-40B4-BE49-F238E27FC236}">
-                <a16:creationId xmlns:a16="http://schemas.microsoft.com/office/drawing/2014/main" xmlns="" id="{785603D4-D114-4265-90D5-5656F4A54BAF}"/>
+                <a16:creationId xmlns:a16="http://schemas.microsoft.com/office/drawing/2014/main" id="{785603D4-D114-4265-90D5-5656F4A54BAF}"/>
               </a:ext>
             </a:extLst>
           </p:cNvPr>
@@ -25967,7 +25954,7 @@
           <p:cNvPr id="52" name="TextBox 51">
             <a:extLst>
               <a:ext uri="{FF2B5EF4-FFF2-40B4-BE49-F238E27FC236}">
-                <a16:creationId xmlns:a16="http://schemas.microsoft.com/office/drawing/2014/main" xmlns="" id="{F5A155B5-9046-4346-8D94-C2B8383AE704}"/>
+                <a16:creationId xmlns:a16="http://schemas.microsoft.com/office/drawing/2014/main" id="{F5A155B5-9046-4346-8D94-C2B8383AE704}"/>
               </a:ext>
             </a:extLst>
           </p:cNvPr>
@@ -26032,7 +26019,7 @@
           <p:cNvPr id="53" name="Rectangle 52">
             <a:extLst>
               <a:ext uri="{FF2B5EF4-FFF2-40B4-BE49-F238E27FC236}">
-                <a16:creationId xmlns:a16="http://schemas.microsoft.com/office/drawing/2014/main" xmlns="" id="{ECC657B7-9991-41D5-A7F3-D0D0ACB04604}"/>
+                <a16:creationId xmlns:a16="http://schemas.microsoft.com/office/drawing/2014/main" id="{ECC657B7-9991-41D5-A7F3-D0D0ACB04604}"/>
               </a:ext>
             </a:extLst>
           </p:cNvPr>
@@ -26113,7 +26100,7 @@
           <p:cNvPr id="54" name="Rectangle 53">
             <a:extLst>
               <a:ext uri="{FF2B5EF4-FFF2-40B4-BE49-F238E27FC236}">
-                <a16:creationId xmlns:a16="http://schemas.microsoft.com/office/drawing/2014/main" xmlns="" id="{48007224-3ACD-46B6-B58B-795D14312382}"/>
+                <a16:creationId xmlns:a16="http://schemas.microsoft.com/office/drawing/2014/main" id="{48007224-3ACD-46B6-B58B-795D14312382}"/>
               </a:ext>
             </a:extLst>
           </p:cNvPr>
@@ -26167,7 +26154,7 @@
           <p:cNvPr id="55" name="Rectangle 54">
             <a:extLst>
               <a:ext uri="{FF2B5EF4-FFF2-40B4-BE49-F238E27FC236}">
-                <a16:creationId xmlns:a16="http://schemas.microsoft.com/office/drawing/2014/main" xmlns="" id="{213EC90E-12C6-4A58-BAC3-C1904AE8D31D}"/>
+                <a16:creationId xmlns:a16="http://schemas.microsoft.com/office/drawing/2014/main" id="{213EC90E-12C6-4A58-BAC3-C1904AE8D31D}"/>
               </a:ext>
             </a:extLst>
           </p:cNvPr>
@@ -26253,7 +26240,7 @@
           <p:cNvPr id="56" name="Rectangle 55">
             <a:extLst>
               <a:ext uri="{FF2B5EF4-FFF2-40B4-BE49-F238E27FC236}">
-                <a16:creationId xmlns:a16="http://schemas.microsoft.com/office/drawing/2014/main" xmlns="" id="{784FC545-C41E-41F4-BF2E-521B5A1D7663}"/>
+                <a16:creationId xmlns:a16="http://schemas.microsoft.com/office/drawing/2014/main" id="{784FC545-C41E-41F4-BF2E-521B5A1D7663}"/>
               </a:ext>
             </a:extLst>
           </p:cNvPr>
@@ -26328,7 +26315,7 @@
           <p:cNvPr id="57" name="Rectangle 56">
             <a:extLst>
               <a:ext uri="{FF2B5EF4-FFF2-40B4-BE49-F238E27FC236}">
-                <a16:creationId xmlns:a16="http://schemas.microsoft.com/office/drawing/2014/main" xmlns="" id="{1A10751C-6EE9-476E-9147-080137AC3182}"/>
+                <a16:creationId xmlns:a16="http://schemas.microsoft.com/office/drawing/2014/main" id="{1A10751C-6EE9-476E-9147-080137AC3182}"/>
               </a:ext>
             </a:extLst>
           </p:cNvPr>
@@ -26406,7 +26393,7 @@
           <p:cNvPr id="58" name="Rectangle 57">
             <a:extLst>
               <a:ext uri="{FF2B5EF4-FFF2-40B4-BE49-F238E27FC236}">
-                <a16:creationId xmlns:a16="http://schemas.microsoft.com/office/drawing/2014/main" xmlns="" id="{6F7B5DBF-35C4-478D-8A9A-866865D9FA90}"/>
+                <a16:creationId xmlns:a16="http://schemas.microsoft.com/office/drawing/2014/main" id="{6F7B5DBF-35C4-478D-8A9A-866865D9FA90}"/>
               </a:ext>
             </a:extLst>
           </p:cNvPr>
@@ -26492,7 +26479,7 @@
           <p:cNvPr id="59" name="Rectangle 58">
             <a:extLst>
               <a:ext uri="{FF2B5EF4-FFF2-40B4-BE49-F238E27FC236}">
-                <a16:creationId xmlns:a16="http://schemas.microsoft.com/office/drawing/2014/main" xmlns="" id="{F549DFF7-F2C7-45BF-AD9F-296AA876500C}"/>
+                <a16:creationId xmlns:a16="http://schemas.microsoft.com/office/drawing/2014/main" id="{F549DFF7-F2C7-45BF-AD9F-296AA876500C}"/>
               </a:ext>
             </a:extLst>
           </p:cNvPr>
@@ -26549,7 +26536,7 @@
           <p:cNvPr id="60" name="Rectangle 59">
             <a:extLst>
               <a:ext uri="{FF2B5EF4-FFF2-40B4-BE49-F238E27FC236}">
-                <a16:creationId xmlns:a16="http://schemas.microsoft.com/office/drawing/2014/main" xmlns="" id="{5E04C732-92DE-417C-B3AC-5B00FADC0B88}"/>
+                <a16:creationId xmlns:a16="http://schemas.microsoft.com/office/drawing/2014/main" id="{5E04C732-92DE-417C-B3AC-5B00FADC0B88}"/>
               </a:ext>
             </a:extLst>
           </p:cNvPr>
@@ -26603,7 +26590,7 @@
           <p:cNvPr id="61" name="Rectangle 60">
             <a:extLst>
               <a:ext uri="{FF2B5EF4-FFF2-40B4-BE49-F238E27FC236}">
-                <a16:creationId xmlns:a16="http://schemas.microsoft.com/office/drawing/2014/main" xmlns="" id="{67CC3697-2CC5-4C36-9D21-CC3CB353ACC5}"/>
+                <a16:creationId xmlns:a16="http://schemas.microsoft.com/office/drawing/2014/main" id="{67CC3697-2CC5-4C36-9D21-CC3CB353ACC5}"/>
               </a:ext>
             </a:extLst>
           </p:cNvPr>
@@ -26689,7 +26676,7 @@
           <p:cNvPr id="62" name="TextBox 61">
             <a:extLst>
               <a:ext uri="{FF2B5EF4-FFF2-40B4-BE49-F238E27FC236}">
-                <a16:creationId xmlns:a16="http://schemas.microsoft.com/office/drawing/2014/main" xmlns="" id="{61A1DF43-82D3-40BB-BC09-D7E751104E69}"/>
+                <a16:creationId xmlns:a16="http://schemas.microsoft.com/office/drawing/2014/main" id="{61A1DF43-82D3-40BB-BC09-D7E751104E69}"/>
               </a:ext>
             </a:extLst>
           </p:cNvPr>
@@ -26754,7 +26741,7 @@
           <p:cNvPr id="63" name="TextBox 62">
             <a:extLst>
               <a:ext uri="{FF2B5EF4-FFF2-40B4-BE49-F238E27FC236}">
-                <a16:creationId xmlns:a16="http://schemas.microsoft.com/office/drawing/2014/main" xmlns="" id="{36E6A1DD-D64B-4228-8483-D44CC24590C0}"/>
+                <a16:creationId xmlns:a16="http://schemas.microsoft.com/office/drawing/2014/main" id="{36E6A1DD-D64B-4228-8483-D44CC24590C0}"/>
               </a:ext>
             </a:extLst>
           </p:cNvPr>
@@ -26819,7 +26806,7 @@
           <p:cNvPr id="64" name="TextBox 63">
             <a:extLst>
               <a:ext uri="{FF2B5EF4-FFF2-40B4-BE49-F238E27FC236}">
-                <a16:creationId xmlns:a16="http://schemas.microsoft.com/office/drawing/2014/main" xmlns="" id="{28291056-0188-4A85-AA84-3367C5A1A6ED}"/>
+                <a16:creationId xmlns:a16="http://schemas.microsoft.com/office/drawing/2014/main" id="{28291056-0188-4A85-AA84-3367C5A1A6ED}"/>
               </a:ext>
             </a:extLst>
           </p:cNvPr>
@@ -26884,7 +26871,7 @@
           <p:cNvPr id="65" name="TextBox 64">
             <a:extLst>
               <a:ext uri="{FF2B5EF4-FFF2-40B4-BE49-F238E27FC236}">
-                <a16:creationId xmlns:a16="http://schemas.microsoft.com/office/drawing/2014/main" xmlns="" id="{9057E5E0-653D-4290-905E-6943040E2FDA}"/>
+                <a16:creationId xmlns:a16="http://schemas.microsoft.com/office/drawing/2014/main" id="{9057E5E0-653D-4290-905E-6943040E2FDA}"/>
               </a:ext>
             </a:extLst>
           </p:cNvPr>
@@ -26949,7 +26936,7 @@
           <p:cNvPr id="66" name="TextBox 65">
             <a:extLst>
               <a:ext uri="{FF2B5EF4-FFF2-40B4-BE49-F238E27FC236}">
-                <a16:creationId xmlns:a16="http://schemas.microsoft.com/office/drawing/2014/main" xmlns="" id="{AD88C6DD-E630-4F06-86C4-87FF66E11DEC}"/>
+                <a16:creationId xmlns:a16="http://schemas.microsoft.com/office/drawing/2014/main" id="{AD88C6DD-E630-4F06-86C4-87FF66E11DEC}"/>
               </a:ext>
             </a:extLst>
           </p:cNvPr>
@@ -27037,7 +27024,7 @@
           <p:cNvPr id="67" name="TextBox 66">
             <a:extLst>
               <a:ext uri="{FF2B5EF4-FFF2-40B4-BE49-F238E27FC236}">
-                <a16:creationId xmlns:a16="http://schemas.microsoft.com/office/drawing/2014/main" xmlns="" id="{F8DCB9AF-71A8-4681-BFF8-A1C29E5BD16B}"/>
+                <a16:creationId xmlns:a16="http://schemas.microsoft.com/office/drawing/2014/main" id="{F8DCB9AF-71A8-4681-BFF8-A1C29E5BD16B}"/>
               </a:ext>
             </a:extLst>
           </p:cNvPr>
@@ -27125,7 +27112,7 @@
           <p:cNvPr id="68" name="TextBox 67">
             <a:extLst>
               <a:ext uri="{FF2B5EF4-FFF2-40B4-BE49-F238E27FC236}">
-                <a16:creationId xmlns:a16="http://schemas.microsoft.com/office/drawing/2014/main" xmlns="" id="{979F8F0E-1D29-4081-951D-BFC8A79D60CE}"/>
+                <a16:creationId xmlns:a16="http://schemas.microsoft.com/office/drawing/2014/main" id="{979F8F0E-1D29-4081-951D-BFC8A79D60CE}"/>
               </a:ext>
             </a:extLst>
           </p:cNvPr>
@@ -27196,7 +27183,7 @@
           <p:cNvPr id="75" name="Rectangle 74">
             <a:extLst>
               <a:ext uri="{FF2B5EF4-FFF2-40B4-BE49-F238E27FC236}">
-                <a16:creationId xmlns:a16="http://schemas.microsoft.com/office/drawing/2014/main" xmlns="" id="{CABD2ED7-4160-4725-B37F-D713247A1290}"/>
+                <a16:creationId xmlns:a16="http://schemas.microsoft.com/office/drawing/2014/main" id="{CABD2ED7-4160-4725-B37F-D713247A1290}"/>
               </a:ext>
             </a:extLst>
           </p:cNvPr>
@@ -27271,7 +27258,7 @@
           <p:cNvPr id="76" name="Rectangle 75">
             <a:extLst>
               <a:ext uri="{FF2B5EF4-FFF2-40B4-BE49-F238E27FC236}">
-                <a16:creationId xmlns:a16="http://schemas.microsoft.com/office/drawing/2014/main" xmlns="" id="{62321179-7032-41C6-87AD-29E6D00C550F}"/>
+                <a16:creationId xmlns:a16="http://schemas.microsoft.com/office/drawing/2014/main" id="{62321179-7032-41C6-87AD-29E6D00C550F}"/>
               </a:ext>
             </a:extLst>
           </p:cNvPr>
@@ -27349,7 +27336,7 @@
           <p:cNvPr id="77" name="Rectangle 76">
             <a:extLst>
               <a:ext uri="{FF2B5EF4-FFF2-40B4-BE49-F238E27FC236}">
-                <a16:creationId xmlns:a16="http://schemas.microsoft.com/office/drawing/2014/main" xmlns="" id="{C873A4B6-80AE-4240-AC75-4CFBB156C5E8}"/>
+                <a16:creationId xmlns:a16="http://schemas.microsoft.com/office/drawing/2014/main" id="{C873A4B6-80AE-4240-AC75-4CFBB156C5E8}"/>
               </a:ext>
             </a:extLst>
           </p:cNvPr>
@@ -27424,7 +27411,7 @@
           <p:cNvPr id="78" name="Rectangle 77">
             <a:extLst>
               <a:ext uri="{FF2B5EF4-FFF2-40B4-BE49-F238E27FC236}">
-                <a16:creationId xmlns:a16="http://schemas.microsoft.com/office/drawing/2014/main" xmlns="" id="{46CB311D-28A1-48DB-B97F-676B1DBD1486}"/>
+                <a16:creationId xmlns:a16="http://schemas.microsoft.com/office/drawing/2014/main" id="{46CB311D-28A1-48DB-B97F-676B1DBD1486}"/>
               </a:ext>
             </a:extLst>
           </p:cNvPr>
@@ -27499,7 +27486,7 @@
           <p:cNvPr id="79" name="Rectangle 78">
             <a:extLst>
               <a:ext uri="{FF2B5EF4-FFF2-40B4-BE49-F238E27FC236}">
-                <a16:creationId xmlns:a16="http://schemas.microsoft.com/office/drawing/2014/main" xmlns="" id="{700458BC-9765-4A16-BF34-C68FAB018DD5}"/>
+                <a16:creationId xmlns:a16="http://schemas.microsoft.com/office/drawing/2014/main" id="{700458BC-9765-4A16-BF34-C68FAB018DD5}"/>
               </a:ext>
             </a:extLst>
           </p:cNvPr>
@@ -27577,7 +27564,7 @@
           <p:cNvPr id="80" name="Rectangle 79">
             <a:extLst>
               <a:ext uri="{FF2B5EF4-FFF2-40B4-BE49-F238E27FC236}">
-                <a16:creationId xmlns:a16="http://schemas.microsoft.com/office/drawing/2014/main" xmlns="" id="{33AE22B5-B44A-45A2-BEF3-8AB63D6A516A}"/>
+                <a16:creationId xmlns:a16="http://schemas.microsoft.com/office/drawing/2014/main" id="{33AE22B5-B44A-45A2-BEF3-8AB63D6A516A}"/>
               </a:ext>
             </a:extLst>
           </p:cNvPr>
@@ -27663,7 +27650,7 @@
           <p:cNvPr id="81" name="Rectangle 80">
             <a:extLst>
               <a:ext uri="{FF2B5EF4-FFF2-40B4-BE49-F238E27FC236}">
-                <a16:creationId xmlns:a16="http://schemas.microsoft.com/office/drawing/2014/main" xmlns="" id="{6030E46E-C4C6-4F30-A08F-D1693581E612}"/>
+                <a16:creationId xmlns:a16="http://schemas.microsoft.com/office/drawing/2014/main" id="{6030E46E-C4C6-4F30-A08F-D1693581E612}"/>
               </a:ext>
             </a:extLst>
           </p:cNvPr>
@@ -27720,7 +27707,7 @@
           <p:cNvPr id="82" name="Rectangle 81">
             <a:extLst>
               <a:ext uri="{FF2B5EF4-FFF2-40B4-BE49-F238E27FC236}">
-                <a16:creationId xmlns:a16="http://schemas.microsoft.com/office/drawing/2014/main" xmlns="" id="{731D07D4-038D-41EE-855A-A0E15F7B95E4}"/>
+                <a16:creationId xmlns:a16="http://schemas.microsoft.com/office/drawing/2014/main" id="{731D07D4-038D-41EE-855A-A0E15F7B95E4}"/>
               </a:ext>
             </a:extLst>
           </p:cNvPr>
@@ -27774,7 +27761,7 @@
           <p:cNvPr id="83" name="Rectangle 82">
             <a:extLst>
               <a:ext uri="{FF2B5EF4-FFF2-40B4-BE49-F238E27FC236}">
-                <a16:creationId xmlns:a16="http://schemas.microsoft.com/office/drawing/2014/main" xmlns="" id="{2C003A59-92D9-4F83-AE81-9EA2519A586E}"/>
+                <a16:creationId xmlns:a16="http://schemas.microsoft.com/office/drawing/2014/main" id="{2C003A59-92D9-4F83-AE81-9EA2519A586E}"/>
               </a:ext>
             </a:extLst>
           </p:cNvPr>
@@ -27860,7 +27847,7 @@
           <p:cNvPr id="84" name="Rectangle 83">
             <a:extLst>
               <a:ext uri="{FF2B5EF4-FFF2-40B4-BE49-F238E27FC236}">
-                <a16:creationId xmlns:a16="http://schemas.microsoft.com/office/drawing/2014/main" xmlns="" id="{49BEC1AB-C617-4EBE-A840-42DFD12B8A7A}"/>
+                <a16:creationId xmlns:a16="http://schemas.microsoft.com/office/drawing/2014/main" id="{49BEC1AB-C617-4EBE-A840-42DFD12B8A7A}"/>
               </a:ext>
             </a:extLst>
           </p:cNvPr>
@@ -27941,7 +27928,7 @@
           <p:cNvPr id="85" name="Rectangle 84">
             <a:extLst>
               <a:ext uri="{FF2B5EF4-FFF2-40B4-BE49-F238E27FC236}">
-                <a16:creationId xmlns:a16="http://schemas.microsoft.com/office/drawing/2014/main" xmlns="" id="{8EE97DD9-CD5A-4BC1-9BE6-E1E6BD56DFF2}"/>
+                <a16:creationId xmlns:a16="http://schemas.microsoft.com/office/drawing/2014/main" id="{8EE97DD9-CD5A-4BC1-9BE6-E1E6BD56DFF2}"/>
               </a:ext>
             </a:extLst>
           </p:cNvPr>
@@ -27995,7 +27982,7 @@
           <p:cNvPr id="86" name="Rectangle 85">
             <a:extLst>
               <a:ext uri="{FF2B5EF4-FFF2-40B4-BE49-F238E27FC236}">
-                <a16:creationId xmlns:a16="http://schemas.microsoft.com/office/drawing/2014/main" xmlns="" id="{7C5ED532-1A25-4B26-978C-7082CA343F14}"/>
+                <a16:creationId xmlns:a16="http://schemas.microsoft.com/office/drawing/2014/main" id="{7C5ED532-1A25-4B26-978C-7082CA343F14}"/>
               </a:ext>
             </a:extLst>
           </p:cNvPr>
@@ -28081,7 +28068,7 @@
           <p:cNvPr id="87" name="Rectangle 86">
             <a:extLst>
               <a:ext uri="{FF2B5EF4-FFF2-40B4-BE49-F238E27FC236}">
-                <a16:creationId xmlns:a16="http://schemas.microsoft.com/office/drawing/2014/main" xmlns="" id="{6AC5FACA-FC4F-483F-B914-FF9CE6B21573}"/>
+                <a16:creationId xmlns:a16="http://schemas.microsoft.com/office/drawing/2014/main" id="{6AC5FACA-FC4F-483F-B914-FF9CE6B21573}"/>
               </a:ext>
             </a:extLst>
           </p:cNvPr>
@@ -28162,7 +28149,7 @@
           <p:cNvPr id="88" name="Rectangle 87">
             <a:extLst>
               <a:ext uri="{FF2B5EF4-FFF2-40B4-BE49-F238E27FC236}">
-                <a16:creationId xmlns:a16="http://schemas.microsoft.com/office/drawing/2014/main" xmlns="" id="{F47A1061-0D9F-4EDE-B6EF-DE3EA2C96A22}"/>
+                <a16:creationId xmlns:a16="http://schemas.microsoft.com/office/drawing/2014/main" id="{F47A1061-0D9F-4EDE-B6EF-DE3EA2C96A22}"/>
               </a:ext>
             </a:extLst>
           </p:cNvPr>
@@ -28240,7 +28227,7 @@
           <p:cNvPr id="89" name="Rectangle 88">
             <a:extLst>
               <a:ext uri="{FF2B5EF4-FFF2-40B4-BE49-F238E27FC236}">
-                <a16:creationId xmlns:a16="http://schemas.microsoft.com/office/drawing/2014/main" xmlns="" id="{8D6AB86D-21B0-42F8-98EC-C062E979E8C8}"/>
+                <a16:creationId xmlns:a16="http://schemas.microsoft.com/office/drawing/2014/main" id="{8D6AB86D-21B0-42F8-98EC-C062E979E8C8}"/>
               </a:ext>
             </a:extLst>
           </p:cNvPr>
@@ -28315,7 +28302,7 @@
           <p:cNvPr id="90" name="Rectangle 89">
             <a:extLst>
               <a:ext uri="{FF2B5EF4-FFF2-40B4-BE49-F238E27FC236}">
-                <a16:creationId xmlns:a16="http://schemas.microsoft.com/office/drawing/2014/main" xmlns="" id="{2FD93EAC-A80B-4185-B9CF-77E7B18AD121}"/>
+                <a16:creationId xmlns:a16="http://schemas.microsoft.com/office/drawing/2014/main" id="{2FD93EAC-A80B-4185-B9CF-77E7B18AD121}"/>
               </a:ext>
             </a:extLst>
           </p:cNvPr>
@@ -28396,7 +28383,7 @@
           <p:cNvPr id="91" name="Rectangle 90">
             <a:extLst>
               <a:ext uri="{FF2B5EF4-FFF2-40B4-BE49-F238E27FC236}">
-                <a16:creationId xmlns:a16="http://schemas.microsoft.com/office/drawing/2014/main" xmlns="" id="{370C3AB2-42D8-4824-8075-629485572256}"/>
+                <a16:creationId xmlns:a16="http://schemas.microsoft.com/office/drawing/2014/main" id="{370C3AB2-42D8-4824-8075-629485572256}"/>
               </a:ext>
             </a:extLst>
           </p:cNvPr>
@@ -28474,7 +28461,7 @@
           <p:cNvPr id="92" name="Rectangle 91">
             <a:extLst>
               <a:ext uri="{FF2B5EF4-FFF2-40B4-BE49-F238E27FC236}">
-                <a16:creationId xmlns:a16="http://schemas.microsoft.com/office/drawing/2014/main" xmlns="" id="{5F3B901A-EC58-41BE-8FED-5369529C33C0}"/>
+                <a16:creationId xmlns:a16="http://schemas.microsoft.com/office/drawing/2014/main" id="{5F3B901A-EC58-41BE-8FED-5369529C33C0}"/>
               </a:ext>
             </a:extLst>
           </p:cNvPr>
@@ -28549,7 +28536,7 @@
           <p:cNvPr id="5" name="Straight Arrow Connector 4">
             <a:extLst>
               <a:ext uri="{FF2B5EF4-FFF2-40B4-BE49-F238E27FC236}">
-                <a16:creationId xmlns:a16="http://schemas.microsoft.com/office/drawing/2014/main" xmlns="" id="{EA8623CE-9957-460A-8725-7BD2071C585A}"/>
+                <a16:creationId xmlns:a16="http://schemas.microsoft.com/office/drawing/2014/main" id="{EA8623CE-9957-460A-8725-7BD2071C585A}"/>
               </a:ext>
             </a:extLst>
           </p:cNvPr>
@@ -28588,7 +28575,7 @@
           <p:cNvPr id="93" name="Straight Arrow Connector 92">
             <a:extLst>
               <a:ext uri="{FF2B5EF4-FFF2-40B4-BE49-F238E27FC236}">
-                <a16:creationId xmlns:a16="http://schemas.microsoft.com/office/drawing/2014/main" xmlns="" id="{51186656-C9C2-4367-B426-A3281BF0AC77}"/>
+                <a16:creationId xmlns:a16="http://schemas.microsoft.com/office/drawing/2014/main" id="{51186656-C9C2-4367-B426-A3281BF0AC77}"/>
               </a:ext>
             </a:extLst>
           </p:cNvPr>
@@ -28629,7 +28616,7 @@
           <p:cNvPr id="94" name="Straight Arrow Connector 93">
             <a:extLst>
               <a:ext uri="{FF2B5EF4-FFF2-40B4-BE49-F238E27FC236}">
-                <a16:creationId xmlns:a16="http://schemas.microsoft.com/office/drawing/2014/main" xmlns="" id="{04688AD6-462C-4DA1-B75F-AE787F97350B}"/>
+                <a16:creationId xmlns:a16="http://schemas.microsoft.com/office/drawing/2014/main" id="{04688AD6-462C-4DA1-B75F-AE787F97350B}"/>
               </a:ext>
             </a:extLst>
           </p:cNvPr>
@@ -28670,7 +28657,7 @@
           <p:cNvPr id="10" name="TextBox 9">
             <a:extLst>
               <a:ext uri="{FF2B5EF4-FFF2-40B4-BE49-F238E27FC236}">
-                <a16:creationId xmlns:a16="http://schemas.microsoft.com/office/drawing/2014/main" xmlns="" id="{7EE1FA8B-DD4F-4F27-AA65-B353605899D6}"/>
+                <a16:creationId xmlns:a16="http://schemas.microsoft.com/office/drawing/2014/main" id="{7EE1FA8B-DD4F-4F27-AA65-B353605899D6}"/>
               </a:ext>
             </a:extLst>
           </p:cNvPr>
@@ -28776,7 +28763,7 @@
           <p:cNvPr id="128" name="Rectangle 127">
             <a:extLst>
               <a:ext uri="{FF2B5EF4-FFF2-40B4-BE49-F238E27FC236}">
-                <a16:creationId xmlns:a16="http://schemas.microsoft.com/office/drawing/2014/main" xmlns="" id="{4D12D379-0C80-4725-8A9D-566A576F12E1}"/>
+                <a16:creationId xmlns:a16="http://schemas.microsoft.com/office/drawing/2014/main" id="{4D12D379-0C80-4725-8A9D-566A576F12E1}"/>
               </a:ext>
             </a:extLst>
           </p:cNvPr>
@@ -28851,7 +28838,7 @@
           <p:cNvPr id="129" name="Rectangle 128">
             <a:extLst>
               <a:ext uri="{FF2B5EF4-FFF2-40B4-BE49-F238E27FC236}">
-                <a16:creationId xmlns:a16="http://schemas.microsoft.com/office/drawing/2014/main" xmlns="" id="{8966476F-B093-4614-AD71-2C5F7A44B967}"/>
+                <a16:creationId xmlns:a16="http://schemas.microsoft.com/office/drawing/2014/main" id="{8966476F-B093-4614-AD71-2C5F7A44B967}"/>
               </a:ext>
             </a:extLst>
           </p:cNvPr>
@@ -28929,7 +28916,7 @@
           <p:cNvPr id="130" name="Rectangle 129">
             <a:extLst>
               <a:ext uri="{FF2B5EF4-FFF2-40B4-BE49-F238E27FC236}">
-                <a16:creationId xmlns:a16="http://schemas.microsoft.com/office/drawing/2014/main" xmlns="" id="{231EDF64-9089-4A2F-A24A-8CA33AC3294B}"/>
+                <a16:creationId xmlns:a16="http://schemas.microsoft.com/office/drawing/2014/main" id="{231EDF64-9089-4A2F-A24A-8CA33AC3294B}"/>
               </a:ext>
             </a:extLst>
           </p:cNvPr>
@@ -29004,7 +28991,7 @@
           <p:cNvPr id="131" name="Rectangle 130">
             <a:extLst>
               <a:ext uri="{FF2B5EF4-FFF2-40B4-BE49-F238E27FC236}">
-                <a16:creationId xmlns:a16="http://schemas.microsoft.com/office/drawing/2014/main" xmlns="" id="{28115567-EDBE-411D-B50D-3CD2B76516B0}"/>
+                <a16:creationId xmlns:a16="http://schemas.microsoft.com/office/drawing/2014/main" id="{28115567-EDBE-411D-B50D-3CD2B76516B0}"/>
               </a:ext>
             </a:extLst>
           </p:cNvPr>
@@ -29085,7 +29072,7 @@
           <p:cNvPr id="132" name="Rectangle 131">
             <a:extLst>
               <a:ext uri="{FF2B5EF4-FFF2-40B4-BE49-F238E27FC236}">
-                <a16:creationId xmlns:a16="http://schemas.microsoft.com/office/drawing/2014/main" xmlns="" id="{D8DB4043-76A7-4F12-A22B-4399ADEC0E74}"/>
+                <a16:creationId xmlns:a16="http://schemas.microsoft.com/office/drawing/2014/main" id="{D8DB4043-76A7-4F12-A22B-4399ADEC0E74}"/>
               </a:ext>
             </a:extLst>
           </p:cNvPr>
@@ -29163,7 +29150,7 @@
           <p:cNvPr id="133" name="Rectangle 132">
             <a:extLst>
               <a:ext uri="{FF2B5EF4-FFF2-40B4-BE49-F238E27FC236}">
-                <a16:creationId xmlns:a16="http://schemas.microsoft.com/office/drawing/2014/main" xmlns="" id="{26ACEDC7-7B37-4D8D-80C6-30F59485C7A1}"/>
+                <a16:creationId xmlns:a16="http://schemas.microsoft.com/office/drawing/2014/main" id="{26ACEDC7-7B37-4D8D-80C6-30F59485C7A1}"/>
               </a:ext>
             </a:extLst>
           </p:cNvPr>
@@ -29238,7 +29225,7 @@
           <p:cNvPr id="134" name="Rectangle 133">
             <a:extLst>
               <a:ext uri="{FF2B5EF4-FFF2-40B4-BE49-F238E27FC236}">
-                <a16:creationId xmlns:a16="http://schemas.microsoft.com/office/drawing/2014/main" xmlns="" id="{1C90FE7A-ABFB-44FB-B6B8-A7FD50C93A83}"/>
+                <a16:creationId xmlns:a16="http://schemas.microsoft.com/office/drawing/2014/main" id="{1C90FE7A-ABFB-44FB-B6B8-A7FD50C93A83}"/>
               </a:ext>
             </a:extLst>
           </p:cNvPr>
@@ -29319,7 +29306,7 @@
           <p:cNvPr id="135" name="Rectangle 134">
             <a:extLst>
               <a:ext uri="{FF2B5EF4-FFF2-40B4-BE49-F238E27FC236}">
-                <a16:creationId xmlns:a16="http://schemas.microsoft.com/office/drawing/2014/main" xmlns="" id="{E1F9B3A6-EAF2-413F-A20A-ABA77E76B46D}"/>
+                <a16:creationId xmlns:a16="http://schemas.microsoft.com/office/drawing/2014/main" id="{E1F9B3A6-EAF2-413F-A20A-ABA77E76B46D}"/>
               </a:ext>
             </a:extLst>
           </p:cNvPr>
@@ -29397,7 +29384,7 @@
           <p:cNvPr id="136" name="Rectangle 135">
             <a:extLst>
               <a:ext uri="{FF2B5EF4-FFF2-40B4-BE49-F238E27FC236}">
-                <a16:creationId xmlns:a16="http://schemas.microsoft.com/office/drawing/2014/main" xmlns="" id="{9B21AE7B-F7EA-4C33-B1E8-6DC3056B115D}"/>
+                <a16:creationId xmlns:a16="http://schemas.microsoft.com/office/drawing/2014/main" id="{9B21AE7B-F7EA-4C33-B1E8-6DC3056B115D}"/>
               </a:ext>
             </a:extLst>
           </p:cNvPr>
@@ -29472,7 +29459,7 @@
           <p:cNvPr id="137" name="Rectangle 136">
             <a:extLst>
               <a:ext uri="{FF2B5EF4-FFF2-40B4-BE49-F238E27FC236}">
-                <a16:creationId xmlns:a16="http://schemas.microsoft.com/office/drawing/2014/main" xmlns="" id="{61D03952-6BA9-4D9D-AC58-E896020EFFC6}"/>
+                <a16:creationId xmlns:a16="http://schemas.microsoft.com/office/drawing/2014/main" id="{61D03952-6BA9-4D9D-AC58-E896020EFFC6}"/>
               </a:ext>
             </a:extLst>
           </p:cNvPr>
@@ -29558,7 +29545,7 @@
           <p:cNvPr id="138" name="Rectangle 137">
             <a:extLst>
               <a:ext uri="{FF2B5EF4-FFF2-40B4-BE49-F238E27FC236}">
-                <a16:creationId xmlns:a16="http://schemas.microsoft.com/office/drawing/2014/main" xmlns="" id="{FDEF223F-5D75-469A-94A1-C4E6533BD1F5}"/>
+                <a16:creationId xmlns:a16="http://schemas.microsoft.com/office/drawing/2014/main" id="{FDEF223F-5D75-469A-94A1-C4E6533BD1F5}"/>
               </a:ext>
             </a:extLst>
           </p:cNvPr>
@@ -29644,7 +29631,7 @@
           <p:cNvPr id="139" name="Rectangle 138">
             <a:extLst>
               <a:ext uri="{FF2B5EF4-FFF2-40B4-BE49-F238E27FC236}">
-                <a16:creationId xmlns:a16="http://schemas.microsoft.com/office/drawing/2014/main" xmlns="" id="{96B3360D-5AAC-4571-B314-6F17378DE3C0}"/>
+                <a16:creationId xmlns:a16="http://schemas.microsoft.com/office/drawing/2014/main" id="{96B3360D-5AAC-4571-B314-6F17378DE3C0}"/>
               </a:ext>
             </a:extLst>
           </p:cNvPr>
@@ -29730,7 +29717,7 @@
           <p:cNvPr id="140" name="TextBox 139">
             <a:extLst>
               <a:ext uri="{FF2B5EF4-FFF2-40B4-BE49-F238E27FC236}">
-                <a16:creationId xmlns:a16="http://schemas.microsoft.com/office/drawing/2014/main" xmlns="" id="{4D402957-B0DF-4DD4-936F-DE366FC494E6}"/>
+                <a16:creationId xmlns:a16="http://schemas.microsoft.com/office/drawing/2014/main" id="{4D402957-B0DF-4DD4-936F-DE366FC494E6}"/>
               </a:ext>
             </a:extLst>
           </p:cNvPr>
@@ -29818,7 +29805,7 @@
           <p:cNvPr id="141" name="TextBox 140">
             <a:extLst>
               <a:ext uri="{FF2B5EF4-FFF2-40B4-BE49-F238E27FC236}">
-                <a16:creationId xmlns:a16="http://schemas.microsoft.com/office/drawing/2014/main" xmlns="" id="{C7524BB1-4EC3-45F1-AFC7-2B010F62CCFC}"/>
+                <a16:creationId xmlns:a16="http://schemas.microsoft.com/office/drawing/2014/main" id="{C7524BB1-4EC3-45F1-AFC7-2B010F62CCFC}"/>
               </a:ext>
             </a:extLst>
           </p:cNvPr>
@@ -29906,7 +29893,7 @@
           <p:cNvPr id="142" name="TextBox 141">
             <a:extLst>
               <a:ext uri="{FF2B5EF4-FFF2-40B4-BE49-F238E27FC236}">
-                <a16:creationId xmlns:a16="http://schemas.microsoft.com/office/drawing/2014/main" xmlns="" id="{961B7682-C456-4D0C-A7DB-DC41D01C60D6}"/>
+                <a16:creationId xmlns:a16="http://schemas.microsoft.com/office/drawing/2014/main" id="{961B7682-C456-4D0C-A7DB-DC41D01C60D6}"/>
               </a:ext>
             </a:extLst>
           </p:cNvPr>
@@ -29977,7 +29964,7 @@
           <p:cNvPr id="143" name="TextBox 142">
             <a:extLst>
               <a:ext uri="{FF2B5EF4-FFF2-40B4-BE49-F238E27FC236}">
-                <a16:creationId xmlns:a16="http://schemas.microsoft.com/office/drawing/2014/main" xmlns="" id="{4453B14D-6EB1-4866-BE89-F75A7633DD19}"/>
+                <a16:creationId xmlns:a16="http://schemas.microsoft.com/office/drawing/2014/main" id="{4453B14D-6EB1-4866-BE89-F75A7633DD19}"/>
               </a:ext>
             </a:extLst>
           </p:cNvPr>
@@ -30065,7 +30052,7 @@
           <p:cNvPr id="11" name="TextBox 10">
             <a:extLst>
               <a:ext uri="{FF2B5EF4-FFF2-40B4-BE49-F238E27FC236}">
-                <a16:creationId xmlns:a16="http://schemas.microsoft.com/office/drawing/2014/main" xmlns="" id="{1AC35287-F8AC-44FD-969C-1E19E338840C}"/>
+                <a16:creationId xmlns:a16="http://schemas.microsoft.com/office/drawing/2014/main" id="{1AC35287-F8AC-44FD-969C-1E19E338840C}"/>
               </a:ext>
             </a:extLst>
           </p:cNvPr>
@@ -30100,7 +30087,7 @@
           <p:cNvPr id="144" name="TextBox 143">
             <a:extLst>
               <a:ext uri="{FF2B5EF4-FFF2-40B4-BE49-F238E27FC236}">
-                <a16:creationId xmlns:a16="http://schemas.microsoft.com/office/drawing/2014/main" xmlns="" id="{62F98CD0-53C6-42A9-AAB7-F52F23FCCB35}"/>
+                <a16:creationId xmlns:a16="http://schemas.microsoft.com/office/drawing/2014/main" id="{62F98CD0-53C6-42A9-AAB7-F52F23FCCB35}"/>
               </a:ext>
             </a:extLst>
           </p:cNvPr>
@@ -30143,7 +30130,7 @@
   <p:timing>
     <p:tnLst>
       <p:par>
-        <p:cTn xmlns:p14="http://schemas.microsoft.com/office/powerpoint/2010/main" id="1" dur="indefinite" restart="never" nodeType="tmRoot">
+        <p:cTn id="1" dur="indefinite" restart="never" nodeType="tmRoot">
           <p:childTnLst>
             <p:seq concurrent="1" nextAc="seek">
               <p:cTn id="2" dur="indefinite" nodeType="mainSeq">
@@ -31348,7 +31335,7 @@
           <p:cNvPr id="100" name="TextBox 99">
             <a:extLst>
               <a:ext uri="{FF2B5EF4-FFF2-40B4-BE49-F238E27FC236}">
-                <a16:creationId xmlns:a16="http://schemas.microsoft.com/office/drawing/2014/main" xmlns="" id="{34B35484-F4E2-4112-97FB-FBF571F70843}"/>
+                <a16:creationId xmlns:a16="http://schemas.microsoft.com/office/drawing/2014/main" id="{34B35484-F4E2-4112-97FB-FBF571F70843}"/>
               </a:ext>
             </a:extLst>
           </p:cNvPr>
@@ -31413,7 +31400,7 @@
           <p:cNvPr id="101" name="TextBox 100">
             <a:extLst>
               <a:ext uri="{FF2B5EF4-FFF2-40B4-BE49-F238E27FC236}">
-                <a16:creationId xmlns:a16="http://schemas.microsoft.com/office/drawing/2014/main" xmlns="" id="{5CBC9EEB-E16D-4762-B6F3-51F67C9FCE01}"/>
+                <a16:creationId xmlns:a16="http://schemas.microsoft.com/office/drawing/2014/main" id="{5CBC9EEB-E16D-4762-B6F3-51F67C9FCE01}"/>
               </a:ext>
             </a:extLst>
           </p:cNvPr>
@@ -31478,7 +31465,7 @@
           <p:cNvPr id="105" name="Rectangle 104">
             <a:extLst>
               <a:ext uri="{FF2B5EF4-FFF2-40B4-BE49-F238E27FC236}">
-                <a16:creationId xmlns:a16="http://schemas.microsoft.com/office/drawing/2014/main" xmlns="" id="{2E97DFEC-6564-46D2-BD99-45CA5B83B84A}"/>
+                <a16:creationId xmlns:a16="http://schemas.microsoft.com/office/drawing/2014/main" id="{2E97DFEC-6564-46D2-BD99-45CA5B83B84A}"/>
               </a:ext>
             </a:extLst>
           </p:cNvPr>
@@ -31553,7 +31540,7 @@
           <p:cNvPr id="106" name="Rectangle 105">
             <a:extLst>
               <a:ext uri="{FF2B5EF4-FFF2-40B4-BE49-F238E27FC236}">
-                <a16:creationId xmlns:a16="http://schemas.microsoft.com/office/drawing/2014/main" xmlns="" id="{DF4AD769-5634-43C4-B8A9-1F2152A8A6E0}"/>
+                <a16:creationId xmlns:a16="http://schemas.microsoft.com/office/drawing/2014/main" id="{DF4AD769-5634-43C4-B8A9-1F2152A8A6E0}"/>
               </a:ext>
             </a:extLst>
           </p:cNvPr>
@@ -31631,7 +31618,7 @@
           <p:cNvPr id="107" name="Rectangle 106">
             <a:extLst>
               <a:ext uri="{FF2B5EF4-FFF2-40B4-BE49-F238E27FC236}">
-                <a16:creationId xmlns:a16="http://schemas.microsoft.com/office/drawing/2014/main" xmlns="" id="{151BE2A7-7E63-4EFB-87E8-CED6A3BFEF9D}"/>
+                <a16:creationId xmlns:a16="http://schemas.microsoft.com/office/drawing/2014/main" id="{151BE2A7-7E63-4EFB-87E8-CED6A3BFEF9D}"/>
               </a:ext>
             </a:extLst>
           </p:cNvPr>
@@ -31706,7 +31693,7 @@
           <p:cNvPr id="109" name="Rectangle 108">
             <a:extLst>
               <a:ext uri="{FF2B5EF4-FFF2-40B4-BE49-F238E27FC236}">
-                <a16:creationId xmlns:a16="http://schemas.microsoft.com/office/drawing/2014/main" xmlns="" id="{DB8FBECC-8147-49D3-B4CF-3C03A51E2256}"/>
+                <a16:creationId xmlns:a16="http://schemas.microsoft.com/office/drawing/2014/main" id="{DB8FBECC-8147-49D3-B4CF-3C03A51E2256}"/>
               </a:ext>
             </a:extLst>
           </p:cNvPr>
@@ -31787,7 +31774,7 @@
           <p:cNvPr id="110" name="Rectangle 109">
             <a:extLst>
               <a:ext uri="{FF2B5EF4-FFF2-40B4-BE49-F238E27FC236}">
-                <a16:creationId xmlns:a16="http://schemas.microsoft.com/office/drawing/2014/main" xmlns="" id="{F89AA3C3-593A-463E-A55D-F747ED93DC79}"/>
+                <a16:creationId xmlns:a16="http://schemas.microsoft.com/office/drawing/2014/main" id="{F89AA3C3-593A-463E-A55D-F747ED93DC79}"/>
               </a:ext>
             </a:extLst>
           </p:cNvPr>
@@ -31865,7 +31852,7 @@
           <p:cNvPr id="111" name="Rectangle 110">
             <a:extLst>
               <a:ext uri="{FF2B5EF4-FFF2-40B4-BE49-F238E27FC236}">
-                <a16:creationId xmlns:a16="http://schemas.microsoft.com/office/drawing/2014/main" xmlns="" id="{F1B816D3-4234-43BF-8C04-FFB9E90C356B}"/>
+                <a16:creationId xmlns:a16="http://schemas.microsoft.com/office/drawing/2014/main" id="{F1B816D3-4234-43BF-8C04-FFB9E90C356B}"/>
               </a:ext>
             </a:extLst>
           </p:cNvPr>
@@ -31940,7 +31927,7 @@
           <p:cNvPr id="113" name="Rectangle 112">
             <a:extLst>
               <a:ext uri="{FF2B5EF4-FFF2-40B4-BE49-F238E27FC236}">
-                <a16:creationId xmlns:a16="http://schemas.microsoft.com/office/drawing/2014/main" xmlns="" id="{10170A6E-721E-4A5A-9C5C-135C6D7C943D}"/>
+                <a16:creationId xmlns:a16="http://schemas.microsoft.com/office/drawing/2014/main" id="{10170A6E-721E-4A5A-9C5C-135C6D7C943D}"/>
               </a:ext>
             </a:extLst>
           </p:cNvPr>
@@ -32021,7 +32008,7 @@
           <p:cNvPr id="114" name="Rectangle 113">
             <a:extLst>
               <a:ext uri="{FF2B5EF4-FFF2-40B4-BE49-F238E27FC236}">
-                <a16:creationId xmlns:a16="http://schemas.microsoft.com/office/drawing/2014/main" xmlns="" id="{35759107-3B41-43A2-8CBC-3492CC06A2BB}"/>
+                <a16:creationId xmlns:a16="http://schemas.microsoft.com/office/drawing/2014/main" id="{35759107-3B41-43A2-8CBC-3492CC06A2BB}"/>
               </a:ext>
             </a:extLst>
           </p:cNvPr>
@@ -32099,7 +32086,7 @@
           <p:cNvPr id="115" name="Rectangle 114">
             <a:extLst>
               <a:ext uri="{FF2B5EF4-FFF2-40B4-BE49-F238E27FC236}">
-                <a16:creationId xmlns:a16="http://schemas.microsoft.com/office/drawing/2014/main" xmlns="" id="{CFD947A2-D48A-4D7E-A82D-AC0A090783B2}"/>
+                <a16:creationId xmlns:a16="http://schemas.microsoft.com/office/drawing/2014/main" id="{CFD947A2-D48A-4D7E-A82D-AC0A090783B2}"/>
               </a:ext>
             </a:extLst>
           </p:cNvPr>
@@ -32174,7 +32161,7 @@
           <p:cNvPr id="117" name="TextBox 116">
             <a:extLst>
               <a:ext uri="{FF2B5EF4-FFF2-40B4-BE49-F238E27FC236}">
-                <a16:creationId xmlns:a16="http://schemas.microsoft.com/office/drawing/2014/main" xmlns="" id="{8F49857B-89A4-4B41-9957-96638A83A5F8}"/>
+                <a16:creationId xmlns:a16="http://schemas.microsoft.com/office/drawing/2014/main" id="{8F49857B-89A4-4B41-9957-96638A83A5F8}"/>
               </a:ext>
             </a:extLst>
           </p:cNvPr>
@@ -32239,7 +32226,7 @@
           <p:cNvPr id="118" name="TextBox 117">
             <a:extLst>
               <a:ext uri="{FF2B5EF4-FFF2-40B4-BE49-F238E27FC236}">
-                <a16:creationId xmlns:a16="http://schemas.microsoft.com/office/drawing/2014/main" xmlns="" id="{41F30B55-69C6-4430-9321-22750EEE21C4}"/>
+                <a16:creationId xmlns:a16="http://schemas.microsoft.com/office/drawing/2014/main" id="{41F30B55-69C6-4430-9321-22750EEE21C4}"/>
               </a:ext>
             </a:extLst>
           </p:cNvPr>
@@ -32304,7 +32291,7 @@
           <p:cNvPr id="119" name="TextBox 118">
             <a:extLst>
               <a:ext uri="{FF2B5EF4-FFF2-40B4-BE49-F238E27FC236}">
-                <a16:creationId xmlns:a16="http://schemas.microsoft.com/office/drawing/2014/main" xmlns="" id="{019D0B16-9910-4D05-99DB-1C13A32220D6}"/>
+                <a16:creationId xmlns:a16="http://schemas.microsoft.com/office/drawing/2014/main" id="{019D0B16-9910-4D05-99DB-1C13A32220D6}"/>
               </a:ext>
             </a:extLst>
           </p:cNvPr>
@@ -32369,7 +32356,7 @@
           <p:cNvPr id="103" name="TextBox 102">
             <a:extLst>
               <a:ext uri="{FF2B5EF4-FFF2-40B4-BE49-F238E27FC236}">
-                <a16:creationId xmlns:a16="http://schemas.microsoft.com/office/drawing/2014/main" xmlns="" id="{620EA50D-3069-4E9C-8FFC-BC546E3A15F4}"/>
+                <a16:creationId xmlns:a16="http://schemas.microsoft.com/office/drawing/2014/main" id="{620EA50D-3069-4E9C-8FFC-BC546E3A15F4}"/>
               </a:ext>
             </a:extLst>
           </p:cNvPr>
@@ -32434,7 +32421,7 @@
           <p:cNvPr id="255" name="Title 1">
             <a:extLst>
               <a:ext uri="{FF2B5EF4-FFF2-40B4-BE49-F238E27FC236}">
-                <a16:creationId xmlns:a16="http://schemas.microsoft.com/office/drawing/2014/main" xmlns="" id="{B54C3232-AE34-455E-BD45-D58574BAEE43}"/>
+                <a16:creationId xmlns:a16="http://schemas.microsoft.com/office/drawing/2014/main" id="{B54C3232-AE34-455E-BD45-D58574BAEE43}"/>
               </a:ext>
             </a:extLst>
           </p:cNvPr>
@@ -32544,7 +32531,7 @@
           <p:cNvPr id="28" name="TextBox 27">
             <a:extLst>
               <a:ext uri="{FF2B5EF4-FFF2-40B4-BE49-F238E27FC236}">
-                <a16:creationId xmlns:a16="http://schemas.microsoft.com/office/drawing/2014/main" xmlns="" id="{ABC0D35F-21FF-41B3-8BA8-549841DEA239}"/>
+                <a16:creationId xmlns:a16="http://schemas.microsoft.com/office/drawing/2014/main" id="{ABC0D35F-21FF-41B3-8BA8-549841DEA239}"/>
               </a:ext>
             </a:extLst>
           </p:cNvPr>
@@ -32632,7 +32619,7 @@
           <p:cNvPr id="69" name="TextBox 68">
             <a:extLst>
               <a:ext uri="{FF2B5EF4-FFF2-40B4-BE49-F238E27FC236}">
-                <a16:creationId xmlns:a16="http://schemas.microsoft.com/office/drawing/2014/main" xmlns="" id="{0F8DE013-FC2F-46F4-A9E2-7DAC2B41B1DB}"/>
+                <a16:creationId xmlns:a16="http://schemas.microsoft.com/office/drawing/2014/main" id="{0F8DE013-FC2F-46F4-A9E2-7DAC2B41B1DB}"/>
               </a:ext>
             </a:extLst>
           </p:cNvPr>
@@ -32720,7 +32707,7 @@
           <p:cNvPr id="70" name="TextBox 69">
             <a:extLst>
               <a:ext uri="{FF2B5EF4-FFF2-40B4-BE49-F238E27FC236}">
-                <a16:creationId xmlns:a16="http://schemas.microsoft.com/office/drawing/2014/main" xmlns="" id="{B02A9313-CEA0-4760-8047-9EDA3B3378F0}"/>
+                <a16:creationId xmlns:a16="http://schemas.microsoft.com/office/drawing/2014/main" id="{B02A9313-CEA0-4760-8047-9EDA3B3378F0}"/>
               </a:ext>
             </a:extLst>
           </p:cNvPr>
@@ -32808,7 +32795,7 @@
           <p:cNvPr id="51" name="TextBox 50">
             <a:extLst>
               <a:ext uri="{FF2B5EF4-FFF2-40B4-BE49-F238E27FC236}">
-                <a16:creationId xmlns:a16="http://schemas.microsoft.com/office/drawing/2014/main" xmlns="" id="{785603D4-D114-4265-90D5-5656F4A54BAF}"/>
+                <a16:creationId xmlns:a16="http://schemas.microsoft.com/office/drawing/2014/main" id="{785603D4-D114-4265-90D5-5656F4A54BAF}"/>
               </a:ext>
             </a:extLst>
           </p:cNvPr>
@@ -32873,7 +32860,7 @@
           <p:cNvPr id="52" name="TextBox 51">
             <a:extLst>
               <a:ext uri="{FF2B5EF4-FFF2-40B4-BE49-F238E27FC236}">
-                <a16:creationId xmlns:a16="http://schemas.microsoft.com/office/drawing/2014/main" xmlns="" id="{F5A155B5-9046-4346-8D94-C2B8383AE704}"/>
+                <a16:creationId xmlns:a16="http://schemas.microsoft.com/office/drawing/2014/main" id="{F5A155B5-9046-4346-8D94-C2B8383AE704}"/>
               </a:ext>
             </a:extLst>
           </p:cNvPr>
@@ -32938,7 +32925,7 @@
           <p:cNvPr id="53" name="Rectangle 52">
             <a:extLst>
               <a:ext uri="{FF2B5EF4-FFF2-40B4-BE49-F238E27FC236}">
-                <a16:creationId xmlns:a16="http://schemas.microsoft.com/office/drawing/2014/main" xmlns="" id="{ECC657B7-9991-41D5-A7F3-D0D0ACB04604}"/>
+                <a16:creationId xmlns:a16="http://schemas.microsoft.com/office/drawing/2014/main" id="{ECC657B7-9991-41D5-A7F3-D0D0ACB04604}"/>
               </a:ext>
             </a:extLst>
           </p:cNvPr>
@@ -33019,7 +33006,7 @@
           <p:cNvPr id="54" name="Rectangle 53">
             <a:extLst>
               <a:ext uri="{FF2B5EF4-FFF2-40B4-BE49-F238E27FC236}">
-                <a16:creationId xmlns:a16="http://schemas.microsoft.com/office/drawing/2014/main" xmlns="" id="{48007224-3ACD-46B6-B58B-795D14312382}"/>
+                <a16:creationId xmlns:a16="http://schemas.microsoft.com/office/drawing/2014/main" id="{48007224-3ACD-46B6-B58B-795D14312382}"/>
               </a:ext>
             </a:extLst>
           </p:cNvPr>
@@ -33073,7 +33060,7 @@
           <p:cNvPr id="55" name="Rectangle 54">
             <a:extLst>
               <a:ext uri="{FF2B5EF4-FFF2-40B4-BE49-F238E27FC236}">
-                <a16:creationId xmlns:a16="http://schemas.microsoft.com/office/drawing/2014/main" xmlns="" id="{213EC90E-12C6-4A58-BAC3-C1904AE8D31D}"/>
+                <a16:creationId xmlns:a16="http://schemas.microsoft.com/office/drawing/2014/main" id="{213EC90E-12C6-4A58-BAC3-C1904AE8D31D}"/>
               </a:ext>
             </a:extLst>
           </p:cNvPr>
@@ -33159,7 +33146,7 @@
           <p:cNvPr id="59" name="Rectangle 58">
             <a:extLst>
               <a:ext uri="{FF2B5EF4-FFF2-40B4-BE49-F238E27FC236}">
-                <a16:creationId xmlns:a16="http://schemas.microsoft.com/office/drawing/2014/main" xmlns="" id="{F549DFF7-F2C7-45BF-AD9F-296AA876500C}"/>
+                <a16:creationId xmlns:a16="http://schemas.microsoft.com/office/drawing/2014/main" id="{F549DFF7-F2C7-45BF-AD9F-296AA876500C}"/>
               </a:ext>
             </a:extLst>
           </p:cNvPr>
@@ -33216,7 +33203,7 @@
           <p:cNvPr id="60" name="Rectangle 59">
             <a:extLst>
               <a:ext uri="{FF2B5EF4-FFF2-40B4-BE49-F238E27FC236}">
-                <a16:creationId xmlns:a16="http://schemas.microsoft.com/office/drawing/2014/main" xmlns="" id="{5E04C732-92DE-417C-B3AC-5B00FADC0B88}"/>
+                <a16:creationId xmlns:a16="http://schemas.microsoft.com/office/drawing/2014/main" id="{5E04C732-92DE-417C-B3AC-5B00FADC0B88}"/>
               </a:ext>
             </a:extLst>
           </p:cNvPr>
@@ -33270,7 +33257,7 @@
           <p:cNvPr id="61" name="Rectangle 60">
             <a:extLst>
               <a:ext uri="{FF2B5EF4-FFF2-40B4-BE49-F238E27FC236}">
-                <a16:creationId xmlns:a16="http://schemas.microsoft.com/office/drawing/2014/main" xmlns="" id="{67CC3697-2CC5-4C36-9D21-CC3CB353ACC5}"/>
+                <a16:creationId xmlns:a16="http://schemas.microsoft.com/office/drawing/2014/main" id="{67CC3697-2CC5-4C36-9D21-CC3CB353ACC5}"/>
               </a:ext>
             </a:extLst>
           </p:cNvPr>
@@ -33356,7 +33343,7 @@
           <p:cNvPr id="62" name="TextBox 61">
             <a:extLst>
               <a:ext uri="{FF2B5EF4-FFF2-40B4-BE49-F238E27FC236}">
-                <a16:creationId xmlns:a16="http://schemas.microsoft.com/office/drawing/2014/main" xmlns="" id="{61A1DF43-82D3-40BB-BC09-D7E751104E69}"/>
+                <a16:creationId xmlns:a16="http://schemas.microsoft.com/office/drawing/2014/main" id="{61A1DF43-82D3-40BB-BC09-D7E751104E69}"/>
               </a:ext>
             </a:extLst>
           </p:cNvPr>
@@ -33421,7 +33408,7 @@
           <p:cNvPr id="63" name="TextBox 62">
             <a:extLst>
               <a:ext uri="{FF2B5EF4-FFF2-40B4-BE49-F238E27FC236}">
-                <a16:creationId xmlns:a16="http://schemas.microsoft.com/office/drawing/2014/main" xmlns="" id="{36E6A1DD-D64B-4228-8483-D44CC24590C0}"/>
+                <a16:creationId xmlns:a16="http://schemas.microsoft.com/office/drawing/2014/main" id="{36E6A1DD-D64B-4228-8483-D44CC24590C0}"/>
               </a:ext>
             </a:extLst>
           </p:cNvPr>
@@ -33486,7 +33473,7 @@
           <p:cNvPr id="65" name="TextBox 64">
             <a:extLst>
               <a:ext uri="{FF2B5EF4-FFF2-40B4-BE49-F238E27FC236}">
-                <a16:creationId xmlns:a16="http://schemas.microsoft.com/office/drawing/2014/main" xmlns="" id="{9057E5E0-653D-4290-905E-6943040E2FDA}"/>
+                <a16:creationId xmlns:a16="http://schemas.microsoft.com/office/drawing/2014/main" id="{9057E5E0-653D-4290-905E-6943040E2FDA}"/>
               </a:ext>
             </a:extLst>
           </p:cNvPr>
@@ -33551,7 +33538,7 @@
           <p:cNvPr id="66" name="TextBox 65">
             <a:extLst>
               <a:ext uri="{FF2B5EF4-FFF2-40B4-BE49-F238E27FC236}">
-                <a16:creationId xmlns:a16="http://schemas.microsoft.com/office/drawing/2014/main" xmlns="" id="{AD88C6DD-E630-4F06-86C4-87FF66E11DEC}"/>
+                <a16:creationId xmlns:a16="http://schemas.microsoft.com/office/drawing/2014/main" id="{AD88C6DD-E630-4F06-86C4-87FF66E11DEC}"/>
               </a:ext>
             </a:extLst>
           </p:cNvPr>
@@ -33639,7 +33626,7 @@
           <p:cNvPr id="67" name="TextBox 66">
             <a:extLst>
               <a:ext uri="{FF2B5EF4-FFF2-40B4-BE49-F238E27FC236}">
-                <a16:creationId xmlns:a16="http://schemas.microsoft.com/office/drawing/2014/main" xmlns="" id="{F8DCB9AF-71A8-4681-BFF8-A1C29E5BD16B}"/>
+                <a16:creationId xmlns:a16="http://schemas.microsoft.com/office/drawing/2014/main" id="{F8DCB9AF-71A8-4681-BFF8-A1C29E5BD16B}"/>
               </a:ext>
             </a:extLst>
           </p:cNvPr>
@@ -33727,7 +33714,7 @@
           <p:cNvPr id="68" name="TextBox 67">
             <a:extLst>
               <a:ext uri="{FF2B5EF4-FFF2-40B4-BE49-F238E27FC236}">
-                <a16:creationId xmlns:a16="http://schemas.microsoft.com/office/drawing/2014/main" xmlns="" id="{979F8F0E-1D29-4081-951D-BFC8A79D60CE}"/>
+                <a16:creationId xmlns:a16="http://schemas.microsoft.com/office/drawing/2014/main" id="{979F8F0E-1D29-4081-951D-BFC8A79D60CE}"/>
               </a:ext>
             </a:extLst>
           </p:cNvPr>
@@ -33798,7 +33785,7 @@
           <p:cNvPr id="75" name="Rectangle 74">
             <a:extLst>
               <a:ext uri="{FF2B5EF4-FFF2-40B4-BE49-F238E27FC236}">
-                <a16:creationId xmlns:a16="http://schemas.microsoft.com/office/drawing/2014/main" xmlns="" id="{CABD2ED7-4160-4725-B37F-D713247A1290}"/>
+                <a16:creationId xmlns:a16="http://schemas.microsoft.com/office/drawing/2014/main" id="{CABD2ED7-4160-4725-B37F-D713247A1290}"/>
               </a:ext>
             </a:extLst>
           </p:cNvPr>
@@ -33873,7 +33860,7 @@
           <p:cNvPr id="76" name="Rectangle 75">
             <a:extLst>
               <a:ext uri="{FF2B5EF4-FFF2-40B4-BE49-F238E27FC236}">
-                <a16:creationId xmlns:a16="http://schemas.microsoft.com/office/drawing/2014/main" xmlns="" id="{62321179-7032-41C6-87AD-29E6D00C550F}"/>
+                <a16:creationId xmlns:a16="http://schemas.microsoft.com/office/drawing/2014/main" id="{62321179-7032-41C6-87AD-29E6D00C550F}"/>
               </a:ext>
             </a:extLst>
           </p:cNvPr>
@@ -33951,7 +33938,7 @@
           <p:cNvPr id="77" name="Rectangle 76">
             <a:extLst>
               <a:ext uri="{FF2B5EF4-FFF2-40B4-BE49-F238E27FC236}">
-                <a16:creationId xmlns:a16="http://schemas.microsoft.com/office/drawing/2014/main" xmlns="" id="{C873A4B6-80AE-4240-AC75-4CFBB156C5E8}"/>
+                <a16:creationId xmlns:a16="http://schemas.microsoft.com/office/drawing/2014/main" id="{C873A4B6-80AE-4240-AC75-4CFBB156C5E8}"/>
               </a:ext>
             </a:extLst>
           </p:cNvPr>
@@ -34026,7 +34013,7 @@
           <p:cNvPr id="81" name="Rectangle 80">
             <a:extLst>
               <a:ext uri="{FF2B5EF4-FFF2-40B4-BE49-F238E27FC236}">
-                <a16:creationId xmlns:a16="http://schemas.microsoft.com/office/drawing/2014/main" xmlns="" id="{6030E46E-C4C6-4F30-A08F-D1693581E612}"/>
+                <a16:creationId xmlns:a16="http://schemas.microsoft.com/office/drawing/2014/main" id="{6030E46E-C4C6-4F30-A08F-D1693581E612}"/>
               </a:ext>
             </a:extLst>
           </p:cNvPr>
@@ -34083,7 +34070,7 @@
           <p:cNvPr id="82" name="Rectangle 81">
             <a:extLst>
               <a:ext uri="{FF2B5EF4-FFF2-40B4-BE49-F238E27FC236}">
-                <a16:creationId xmlns:a16="http://schemas.microsoft.com/office/drawing/2014/main" xmlns="" id="{731D07D4-038D-41EE-855A-A0E15F7B95E4}"/>
+                <a16:creationId xmlns:a16="http://schemas.microsoft.com/office/drawing/2014/main" id="{731D07D4-038D-41EE-855A-A0E15F7B95E4}"/>
               </a:ext>
             </a:extLst>
           </p:cNvPr>
@@ -34137,7 +34124,7 @@
           <p:cNvPr id="83" name="Rectangle 82">
             <a:extLst>
               <a:ext uri="{FF2B5EF4-FFF2-40B4-BE49-F238E27FC236}">
-                <a16:creationId xmlns:a16="http://schemas.microsoft.com/office/drawing/2014/main" xmlns="" id="{2C003A59-92D9-4F83-AE81-9EA2519A586E}"/>
+                <a16:creationId xmlns:a16="http://schemas.microsoft.com/office/drawing/2014/main" id="{2C003A59-92D9-4F83-AE81-9EA2519A586E}"/>
               </a:ext>
             </a:extLst>
           </p:cNvPr>
@@ -34223,7 +34210,7 @@
           <p:cNvPr id="84" name="Rectangle 83">
             <a:extLst>
               <a:ext uri="{FF2B5EF4-FFF2-40B4-BE49-F238E27FC236}">
-                <a16:creationId xmlns:a16="http://schemas.microsoft.com/office/drawing/2014/main" xmlns="" id="{49BEC1AB-C617-4EBE-A840-42DFD12B8A7A}"/>
+                <a16:creationId xmlns:a16="http://schemas.microsoft.com/office/drawing/2014/main" id="{49BEC1AB-C617-4EBE-A840-42DFD12B8A7A}"/>
               </a:ext>
             </a:extLst>
           </p:cNvPr>
@@ -34304,7 +34291,7 @@
           <p:cNvPr id="85" name="Rectangle 84">
             <a:extLst>
               <a:ext uri="{FF2B5EF4-FFF2-40B4-BE49-F238E27FC236}">
-                <a16:creationId xmlns:a16="http://schemas.microsoft.com/office/drawing/2014/main" xmlns="" id="{8EE97DD9-CD5A-4BC1-9BE6-E1E6BD56DFF2}"/>
+                <a16:creationId xmlns:a16="http://schemas.microsoft.com/office/drawing/2014/main" id="{8EE97DD9-CD5A-4BC1-9BE6-E1E6BD56DFF2}"/>
               </a:ext>
             </a:extLst>
           </p:cNvPr>
@@ -34358,7 +34345,7 @@
           <p:cNvPr id="86" name="Rectangle 85">
             <a:extLst>
               <a:ext uri="{FF2B5EF4-FFF2-40B4-BE49-F238E27FC236}">
-                <a16:creationId xmlns:a16="http://schemas.microsoft.com/office/drawing/2014/main" xmlns="" id="{7C5ED532-1A25-4B26-978C-7082CA343F14}"/>
+                <a16:creationId xmlns:a16="http://schemas.microsoft.com/office/drawing/2014/main" id="{7C5ED532-1A25-4B26-978C-7082CA343F14}"/>
               </a:ext>
             </a:extLst>
           </p:cNvPr>
@@ -34444,7 +34431,7 @@
           <p:cNvPr id="87" name="Rectangle 86">
             <a:extLst>
               <a:ext uri="{FF2B5EF4-FFF2-40B4-BE49-F238E27FC236}">
-                <a16:creationId xmlns:a16="http://schemas.microsoft.com/office/drawing/2014/main" xmlns="" id="{6AC5FACA-FC4F-483F-B914-FF9CE6B21573}"/>
+                <a16:creationId xmlns:a16="http://schemas.microsoft.com/office/drawing/2014/main" id="{6AC5FACA-FC4F-483F-B914-FF9CE6B21573}"/>
               </a:ext>
             </a:extLst>
           </p:cNvPr>
@@ -34525,7 +34512,7 @@
           <p:cNvPr id="88" name="Rectangle 87">
             <a:extLst>
               <a:ext uri="{FF2B5EF4-FFF2-40B4-BE49-F238E27FC236}">
-                <a16:creationId xmlns:a16="http://schemas.microsoft.com/office/drawing/2014/main" xmlns="" id="{F47A1061-0D9F-4EDE-B6EF-DE3EA2C96A22}"/>
+                <a16:creationId xmlns:a16="http://schemas.microsoft.com/office/drawing/2014/main" id="{F47A1061-0D9F-4EDE-B6EF-DE3EA2C96A22}"/>
               </a:ext>
             </a:extLst>
           </p:cNvPr>
@@ -34603,7 +34590,7 @@
           <p:cNvPr id="89" name="Rectangle 88">
             <a:extLst>
               <a:ext uri="{FF2B5EF4-FFF2-40B4-BE49-F238E27FC236}">
-                <a16:creationId xmlns:a16="http://schemas.microsoft.com/office/drawing/2014/main" xmlns="" id="{8D6AB86D-21B0-42F8-98EC-C062E979E8C8}"/>
+                <a16:creationId xmlns:a16="http://schemas.microsoft.com/office/drawing/2014/main" id="{8D6AB86D-21B0-42F8-98EC-C062E979E8C8}"/>
               </a:ext>
             </a:extLst>
           </p:cNvPr>
@@ -34678,7 +34665,7 @@
           <p:cNvPr id="90" name="Rectangle 89">
             <a:extLst>
               <a:ext uri="{FF2B5EF4-FFF2-40B4-BE49-F238E27FC236}">
-                <a16:creationId xmlns:a16="http://schemas.microsoft.com/office/drawing/2014/main" xmlns="" id="{2FD93EAC-A80B-4185-B9CF-77E7B18AD121}"/>
+                <a16:creationId xmlns:a16="http://schemas.microsoft.com/office/drawing/2014/main" id="{2FD93EAC-A80B-4185-B9CF-77E7B18AD121}"/>
               </a:ext>
             </a:extLst>
           </p:cNvPr>
@@ -34759,7 +34746,7 @@
           <p:cNvPr id="91" name="Rectangle 90">
             <a:extLst>
               <a:ext uri="{FF2B5EF4-FFF2-40B4-BE49-F238E27FC236}">
-                <a16:creationId xmlns:a16="http://schemas.microsoft.com/office/drawing/2014/main" xmlns="" id="{370C3AB2-42D8-4824-8075-629485572256}"/>
+                <a16:creationId xmlns:a16="http://schemas.microsoft.com/office/drawing/2014/main" id="{370C3AB2-42D8-4824-8075-629485572256}"/>
               </a:ext>
             </a:extLst>
           </p:cNvPr>
@@ -34837,7 +34824,7 @@
           <p:cNvPr id="92" name="Rectangle 91">
             <a:extLst>
               <a:ext uri="{FF2B5EF4-FFF2-40B4-BE49-F238E27FC236}">
-                <a16:creationId xmlns:a16="http://schemas.microsoft.com/office/drawing/2014/main" xmlns="" id="{5F3B901A-EC58-41BE-8FED-5369529C33C0}"/>
+                <a16:creationId xmlns:a16="http://schemas.microsoft.com/office/drawing/2014/main" id="{5F3B901A-EC58-41BE-8FED-5369529C33C0}"/>
               </a:ext>
             </a:extLst>
           </p:cNvPr>
@@ -34912,7 +34899,7 @@
           <p:cNvPr id="93" name="Straight Arrow Connector 92">
             <a:extLst>
               <a:ext uri="{FF2B5EF4-FFF2-40B4-BE49-F238E27FC236}">
-                <a16:creationId xmlns:a16="http://schemas.microsoft.com/office/drawing/2014/main" xmlns="" id="{51186656-C9C2-4367-B426-A3281BF0AC77}"/>
+                <a16:creationId xmlns:a16="http://schemas.microsoft.com/office/drawing/2014/main" id="{51186656-C9C2-4367-B426-A3281BF0AC77}"/>
               </a:ext>
             </a:extLst>
           </p:cNvPr>
@@ -34953,7 +34940,7 @@
           <p:cNvPr id="94" name="Straight Arrow Connector 93">
             <a:extLst>
               <a:ext uri="{FF2B5EF4-FFF2-40B4-BE49-F238E27FC236}">
-                <a16:creationId xmlns:a16="http://schemas.microsoft.com/office/drawing/2014/main" xmlns="" id="{04688AD6-462C-4DA1-B75F-AE787F97350B}"/>
+                <a16:creationId xmlns:a16="http://schemas.microsoft.com/office/drawing/2014/main" id="{04688AD6-462C-4DA1-B75F-AE787F97350B}"/>
               </a:ext>
             </a:extLst>
           </p:cNvPr>
@@ -34994,7 +34981,7 @@
           <p:cNvPr id="10" name="TextBox 9">
             <a:extLst>
               <a:ext uri="{FF2B5EF4-FFF2-40B4-BE49-F238E27FC236}">
-                <a16:creationId xmlns:a16="http://schemas.microsoft.com/office/drawing/2014/main" xmlns="" id="{7EE1FA8B-DD4F-4F27-AA65-B353605899D6}"/>
+                <a16:creationId xmlns:a16="http://schemas.microsoft.com/office/drawing/2014/main" id="{7EE1FA8B-DD4F-4F27-AA65-B353605899D6}"/>
               </a:ext>
             </a:extLst>
           </p:cNvPr>
@@ -35110,7 +35097,7 @@
           <p:cNvPr id="131" name="Rectangle 130">
             <a:extLst>
               <a:ext uri="{FF2B5EF4-FFF2-40B4-BE49-F238E27FC236}">
-                <a16:creationId xmlns:a16="http://schemas.microsoft.com/office/drawing/2014/main" xmlns="" id="{28115567-EDBE-411D-B50D-3CD2B76516B0}"/>
+                <a16:creationId xmlns:a16="http://schemas.microsoft.com/office/drawing/2014/main" id="{28115567-EDBE-411D-B50D-3CD2B76516B0}"/>
               </a:ext>
             </a:extLst>
           </p:cNvPr>
@@ -35191,7 +35178,7 @@
           <p:cNvPr id="132" name="Rectangle 131">
             <a:extLst>
               <a:ext uri="{FF2B5EF4-FFF2-40B4-BE49-F238E27FC236}">
-                <a16:creationId xmlns:a16="http://schemas.microsoft.com/office/drawing/2014/main" xmlns="" id="{D8DB4043-76A7-4F12-A22B-4399ADEC0E74}"/>
+                <a16:creationId xmlns:a16="http://schemas.microsoft.com/office/drawing/2014/main" id="{D8DB4043-76A7-4F12-A22B-4399ADEC0E74}"/>
               </a:ext>
             </a:extLst>
           </p:cNvPr>
@@ -35269,7 +35256,7 @@
           <p:cNvPr id="133" name="Rectangle 132">
             <a:extLst>
               <a:ext uri="{FF2B5EF4-FFF2-40B4-BE49-F238E27FC236}">
-                <a16:creationId xmlns:a16="http://schemas.microsoft.com/office/drawing/2014/main" xmlns="" id="{26ACEDC7-7B37-4D8D-80C6-30F59485C7A1}"/>
+                <a16:creationId xmlns:a16="http://schemas.microsoft.com/office/drawing/2014/main" id="{26ACEDC7-7B37-4D8D-80C6-30F59485C7A1}"/>
               </a:ext>
             </a:extLst>
           </p:cNvPr>
@@ -35344,7 +35331,7 @@
           <p:cNvPr id="134" name="Rectangle 133">
             <a:extLst>
               <a:ext uri="{FF2B5EF4-FFF2-40B4-BE49-F238E27FC236}">
-                <a16:creationId xmlns:a16="http://schemas.microsoft.com/office/drawing/2014/main" xmlns="" id="{1C90FE7A-ABFB-44FB-B6B8-A7FD50C93A83}"/>
+                <a16:creationId xmlns:a16="http://schemas.microsoft.com/office/drawing/2014/main" id="{1C90FE7A-ABFB-44FB-B6B8-A7FD50C93A83}"/>
               </a:ext>
             </a:extLst>
           </p:cNvPr>
@@ -35425,7 +35412,7 @@
           <p:cNvPr id="135" name="Rectangle 134">
             <a:extLst>
               <a:ext uri="{FF2B5EF4-FFF2-40B4-BE49-F238E27FC236}">
-                <a16:creationId xmlns:a16="http://schemas.microsoft.com/office/drawing/2014/main" xmlns="" id="{E1F9B3A6-EAF2-413F-A20A-ABA77E76B46D}"/>
+                <a16:creationId xmlns:a16="http://schemas.microsoft.com/office/drawing/2014/main" id="{E1F9B3A6-EAF2-413F-A20A-ABA77E76B46D}"/>
               </a:ext>
             </a:extLst>
           </p:cNvPr>
@@ -35503,7 +35490,7 @@
           <p:cNvPr id="136" name="Rectangle 135">
             <a:extLst>
               <a:ext uri="{FF2B5EF4-FFF2-40B4-BE49-F238E27FC236}">
-                <a16:creationId xmlns:a16="http://schemas.microsoft.com/office/drawing/2014/main" xmlns="" id="{9B21AE7B-F7EA-4C33-B1E8-6DC3056B115D}"/>
+                <a16:creationId xmlns:a16="http://schemas.microsoft.com/office/drawing/2014/main" id="{9B21AE7B-F7EA-4C33-B1E8-6DC3056B115D}"/>
               </a:ext>
             </a:extLst>
           </p:cNvPr>
@@ -35578,7 +35565,7 @@
           <p:cNvPr id="138" name="Rectangle 137">
             <a:extLst>
               <a:ext uri="{FF2B5EF4-FFF2-40B4-BE49-F238E27FC236}">
-                <a16:creationId xmlns:a16="http://schemas.microsoft.com/office/drawing/2014/main" xmlns="" id="{FDEF223F-5D75-469A-94A1-C4E6533BD1F5}"/>
+                <a16:creationId xmlns:a16="http://schemas.microsoft.com/office/drawing/2014/main" id="{FDEF223F-5D75-469A-94A1-C4E6533BD1F5}"/>
               </a:ext>
             </a:extLst>
           </p:cNvPr>
@@ -35664,7 +35651,7 @@
           <p:cNvPr id="139" name="Rectangle 138">
             <a:extLst>
               <a:ext uri="{FF2B5EF4-FFF2-40B4-BE49-F238E27FC236}">
-                <a16:creationId xmlns:a16="http://schemas.microsoft.com/office/drawing/2014/main" xmlns="" id="{96B3360D-5AAC-4571-B314-6F17378DE3C0}"/>
+                <a16:creationId xmlns:a16="http://schemas.microsoft.com/office/drawing/2014/main" id="{96B3360D-5AAC-4571-B314-6F17378DE3C0}"/>
               </a:ext>
             </a:extLst>
           </p:cNvPr>
@@ -35750,7 +35737,7 @@
           <p:cNvPr id="140" name="TextBox 139">
             <a:extLst>
               <a:ext uri="{FF2B5EF4-FFF2-40B4-BE49-F238E27FC236}">
-                <a16:creationId xmlns:a16="http://schemas.microsoft.com/office/drawing/2014/main" xmlns="" id="{4D402957-B0DF-4DD4-936F-DE366FC494E6}"/>
+                <a16:creationId xmlns:a16="http://schemas.microsoft.com/office/drawing/2014/main" id="{4D402957-B0DF-4DD4-936F-DE366FC494E6}"/>
               </a:ext>
             </a:extLst>
           </p:cNvPr>
@@ -35838,7 +35825,7 @@
           <p:cNvPr id="141" name="TextBox 140">
             <a:extLst>
               <a:ext uri="{FF2B5EF4-FFF2-40B4-BE49-F238E27FC236}">
-                <a16:creationId xmlns:a16="http://schemas.microsoft.com/office/drawing/2014/main" xmlns="" id="{C7524BB1-4EC3-45F1-AFC7-2B010F62CCFC}"/>
+                <a16:creationId xmlns:a16="http://schemas.microsoft.com/office/drawing/2014/main" id="{C7524BB1-4EC3-45F1-AFC7-2B010F62CCFC}"/>
               </a:ext>
             </a:extLst>
           </p:cNvPr>
@@ -35926,7 +35913,7 @@
           <p:cNvPr id="142" name="TextBox 141">
             <a:extLst>
               <a:ext uri="{FF2B5EF4-FFF2-40B4-BE49-F238E27FC236}">
-                <a16:creationId xmlns:a16="http://schemas.microsoft.com/office/drawing/2014/main" xmlns="" id="{961B7682-C456-4D0C-A7DB-DC41D01C60D6}"/>
+                <a16:creationId xmlns:a16="http://schemas.microsoft.com/office/drawing/2014/main" id="{961B7682-C456-4D0C-A7DB-DC41D01C60D6}"/>
               </a:ext>
             </a:extLst>
           </p:cNvPr>
@@ -35997,7 +35984,7 @@
           <p:cNvPr id="143" name="TextBox 142">
             <a:extLst>
               <a:ext uri="{FF2B5EF4-FFF2-40B4-BE49-F238E27FC236}">
-                <a16:creationId xmlns:a16="http://schemas.microsoft.com/office/drawing/2014/main" xmlns="" id="{4453B14D-6EB1-4866-BE89-F75A7633DD19}"/>
+                <a16:creationId xmlns:a16="http://schemas.microsoft.com/office/drawing/2014/main" id="{4453B14D-6EB1-4866-BE89-F75A7633DD19}"/>
               </a:ext>
             </a:extLst>
           </p:cNvPr>
@@ -36085,7 +36072,7 @@
           <p:cNvPr id="11" name="TextBox 10">
             <a:extLst>
               <a:ext uri="{FF2B5EF4-FFF2-40B4-BE49-F238E27FC236}">
-                <a16:creationId xmlns:a16="http://schemas.microsoft.com/office/drawing/2014/main" xmlns="" id="{1AC35287-F8AC-44FD-969C-1E19E338840C}"/>
+                <a16:creationId xmlns:a16="http://schemas.microsoft.com/office/drawing/2014/main" id="{1AC35287-F8AC-44FD-969C-1E19E338840C}"/>
               </a:ext>
             </a:extLst>
           </p:cNvPr>
@@ -36120,7 +36107,7 @@
           <p:cNvPr id="144" name="TextBox 143">
             <a:extLst>
               <a:ext uri="{FF2B5EF4-FFF2-40B4-BE49-F238E27FC236}">
-                <a16:creationId xmlns:a16="http://schemas.microsoft.com/office/drawing/2014/main" xmlns="" id="{62F98CD0-53C6-42A9-AAB7-F52F23FCCB35}"/>
+                <a16:creationId xmlns:a16="http://schemas.microsoft.com/office/drawing/2014/main" id="{62F98CD0-53C6-42A9-AAB7-F52F23FCCB35}"/>
               </a:ext>
             </a:extLst>
           </p:cNvPr>
@@ -36163,7 +36150,7 @@
   <p:timing>
     <p:tnLst>
       <p:par>
-        <p:cTn xmlns:p14="http://schemas.microsoft.com/office/powerpoint/2010/main" id="1" dur="indefinite" restart="never" nodeType="tmRoot">
+        <p:cTn id="1" dur="indefinite" restart="never" nodeType="tmRoot">
           <p:childTnLst>
             <p:seq concurrent="1" nextAc="seek">
               <p:cTn id="2" dur="indefinite" nodeType="mainSeq">
@@ -37091,7 +37078,7 @@
           <p:cNvPr id="100" name="TextBox 99">
             <a:extLst>
               <a:ext uri="{FF2B5EF4-FFF2-40B4-BE49-F238E27FC236}">
-                <a16:creationId xmlns:a16="http://schemas.microsoft.com/office/drawing/2014/main" xmlns="" id="{34B35484-F4E2-4112-97FB-FBF571F70843}"/>
+                <a16:creationId xmlns:a16="http://schemas.microsoft.com/office/drawing/2014/main" id="{34B35484-F4E2-4112-97FB-FBF571F70843}"/>
               </a:ext>
             </a:extLst>
           </p:cNvPr>
@@ -37156,7 +37143,7 @@
           <p:cNvPr id="101" name="TextBox 100">
             <a:extLst>
               <a:ext uri="{FF2B5EF4-FFF2-40B4-BE49-F238E27FC236}">
-                <a16:creationId xmlns:a16="http://schemas.microsoft.com/office/drawing/2014/main" xmlns="" id="{5CBC9EEB-E16D-4762-B6F3-51F67C9FCE01}"/>
+                <a16:creationId xmlns:a16="http://schemas.microsoft.com/office/drawing/2014/main" id="{5CBC9EEB-E16D-4762-B6F3-51F67C9FCE01}"/>
               </a:ext>
             </a:extLst>
           </p:cNvPr>
@@ -37221,7 +37208,7 @@
           <p:cNvPr id="105" name="Rectangle 104">
             <a:extLst>
               <a:ext uri="{FF2B5EF4-FFF2-40B4-BE49-F238E27FC236}">
-                <a16:creationId xmlns:a16="http://schemas.microsoft.com/office/drawing/2014/main" xmlns="" id="{2E97DFEC-6564-46D2-BD99-45CA5B83B84A}"/>
+                <a16:creationId xmlns:a16="http://schemas.microsoft.com/office/drawing/2014/main" id="{2E97DFEC-6564-46D2-BD99-45CA5B83B84A}"/>
               </a:ext>
             </a:extLst>
           </p:cNvPr>
@@ -37296,7 +37283,7 @@
           <p:cNvPr id="106" name="Rectangle 105">
             <a:extLst>
               <a:ext uri="{FF2B5EF4-FFF2-40B4-BE49-F238E27FC236}">
-                <a16:creationId xmlns:a16="http://schemas.microsoft.com/office/drawing/2014/main" xmlns="" id="{DF4AD769-5634-43C4-B8A9-1F2152A8A6E0}"/>
+                <a16:creationId xmlns:a16="http://schemas.microsoft.com/office/drawing/2014/main" id="{DF4AD769-5634-43C4-B8A9-1F2152A8A6E0}"/>
               </a:ext>
             </a:extLst>
           </p:cNvPr>
@@ -37374,7 +37361,7 @@
           <p:cNvPr id="107" name="Rectangle 106">
             <a:extLst>
               <a:ext uri="{FF2B5EF4-FFF2-40B4-BE49-F238E27FC236}">
-                <a16:creationId xmlns:a16="http://schemas.microsoft.com/office/drawing/2014/main" xmlns="" id="{151BE2A7-7E63-4EFB-87E8-CED6A3BFEF9D}"/>
+                <a16:creationId xmlns:a16="http://schemas.microsoft.com/office/drawing/2014/main" id="{151BE2A7-7E63-4EFB-87E8-CED6A3BFEF9D}"/>
               </a:ext>
             </a:extLst>
           </p:cNvPr>
@@ -37449,7 +37436,7 @@
           <p:cNvPr id="109" name="Rectangle 108">
             <a:extLst>
               <a:ext uri="{FF2B5EF4-FFF2-40B4-BE49-F238E27FC236}">
-                <a16:creationId xmlns:a16="http://schemas.microsoft.com/office/drawing/2014/main" xmlns="" id="{DB8FBECC-8147-49D3-B4CF-3C03A51E2256}"/>
+                <a16:creationId xmlns:a16="http://schemas.microsoft.com/office/drawing/2014/main" id="{DB8FBECC-8147-49D3-B4CF-3C03A51E2256}"/>
               </a:ext>
             </a:extLst>
           </p:cNvPr>
@@ -37530,7 +37517,7 @@
           <p:cNvPr id="110" name="Rectangle 109">
             <a:extLst>
               <a:ext uri="{FF2B5EF4-FFF2-40B4-BE49-F238E27FC236}">
-                <a16:creationId xmlns:a16="http://schemas.microsoft.com/office/drawing/2014/main" xmlns="" id="{F89AA3C3-593A-463E-A55D-F747ED93DC79}"/>
+                <a16:creationId xmlns:a16="http://schemas.microsoft.com/office/drawing/2014/main" id="{F89AA3C3-593A-463E-A55D-F747ED93DC79}"/>
               </a:ext>
             </a:extLst>
           </p:cNvPr>
@@ -37608,7 +37595,7 @@
           <p:cNvPr id="111" name="Rectangle 110">
             <a:extLst>
               <a:ext uri="{FF2B5EF4-FFF2-40B4-BE49-F238E27FC236}">
-                <a16:creationId xmlns:a16="http://schemas.microsoft.com/office/drawing/2014/main" xmlns="" id="{F1B816D3-4234-43BF-8C04-FFB9E90C356B}"/>
+                <a16:creationId xmlns:a16="http://schemas.microsoft.com/office/drawing/2014/main" id="{F1B816D3-4234-43BF-8C04-FFB9E90C356B}"/>
               </a:ext>
             </a:extLst>
           </p:cNvPr>
@@ -37683,7 +37670,7 @@
           <p:cNvPr id="113" name="Rectangle 112">
             <a:extLst>
               <a:ext uri="{FF2B5EF4-FFF2-40B4-BE49-F238E27FC236}">
-                <a16:creationId xmlns:a16="http://schemas.microsoft.com/office/drawing/2014/main" xmlns="" id="{10170A6E-721E-4A5A-9C5C-135C6D7C943D}"/>
+                <a16:creationId xmlns:a16="http://schemas.microsoft.com/office/drawing/2014/main" id="{10170A6E-721E-4A5A-9C5C-135C6D7C943D}"/>
               </a:ext>
             </a:extLst>
           </p:cNvPr>
@@ -37764,7 +37751,7 @@
           <p:cNvPr id="114" name="Rectangle 113">
             <a:extLst>
               <a:ext uri="{FF2B5EF4-FFF2-40B4-BE49-F238E27FC236}">
-                <a16:creationId xmlns:a16="http://schemas.microsoft.com/office/drawing/2014/main" xmlns="" id="{35759107-3B41-43A2-8CBC-3492CC06A2BB}"/>
+                <a16:creationId xmlns:a16="http://schemas.microsoft.com/office/drawing/2014/main" id="{35759107-3B41-43A2-8CBC-3492CC06A2BB}"/>
               </a:ext>
             </a:extLst>
           </p:cNvPr>
@@ -37842,7 +37829,7 @@
           <p:cNvPr id="115" name="Rectangle 114">
             <a:extLst>
               <a:ext uri="{FF2B5EF4-FFF2-40B4-BE49-F238E27FC236}">
-                <a16:creationId xmlns:a16="http://schemas.microsoft.com/office/drawing/2014/main" xmlns="" id="{CFD947A2-D48A-4D7E-A82D-AC0A090783B2}"/>
+                <a16:creationId xmlns:a16="http://schemas.microsoft.com/office/drawing/2014/main" id="{CFD947A2-D48A-4D7E-A82D-AC0A090783B2}"/>
               </a:ext>
             </a:extLst>
           </p:cNvPr>
@@ -37917,7 +37904,7 @@
           <p:cNvPr id="117" name="TextBox 116">
             <a:extLst>
               <a:ext uri="{FF2B5EF4-FFF2-40B4-BE49-F238E27FC236}">
-                <a16:creationId xmlns:a16="http://schemas.microsoft.com/office/drawing/2014/main" xmlns="" id="{8F49857B-89A4-4B41-9957-96638A83A5F8}"/>
+                <a16:creationId xmlns:a16="http://schemas.microsoft.com/office/drawing/2014/main" id="{8F49857B-89A4-4B41-9957-96638A83A5F8}"/>
               </a:ext>
             </a:extLst>
           </p:cNvPr>
@@ -37982,7 +37969,7 @@
           <p:cNvPr id="118" name="TextBox 117">
             <a:extLst>
               <a:ext uri="{FF2B5EF4-FFF2-40B4-BE49-F238E27FC236}">
-                <a16:creationId xmlns:a16="http://schemas.microsoft.com/office/drawing/2014/main" xmlns="" id="{41F30B55-69C6-4430-9321-22750EEE21C4}"/>
+                <a16:creationId xmlns:a16="http://schemas.microsoft.com/office/drawing/2014/main" id="{41F30B55-69C6-4430-9321-22750EEE21C4}"/>
               </a:ext>
             </a:extLst>
           </p:cNvPr>
@@ -38047,7 +38034,7 @@
           <p:cNvPr id="119" name="TextBox 118">
             <a:extLst>
               <a:ext uri="{FF2B5EF4-FFF2-40B4-BE49-F238E27FC236}">
-                <a16:creationId xmlns:a16="http://schemas.microsoft.com/office/drawing/2014/main" xmlns="" id="{019D0B16-9910-4D05-99DB-1C13A32220D6}"/>
+                <a16:creationId xmlns:a16="http://schemas.microsoft.com/office/drawing/2014/main" id="{019D0B16-9910-4D05-99DB-1C13A32220D6}"/>
               </a:ext>
             </a:extLst>
           </p:cNvPr>
@@ -38112,7 +38099,7 @@
           <p:cNvPr id="103" name="TextBox 102">
             <a:extLst>
               <a:ext uri="{FF2B5EF4-FFF2-40B4-BE49-F238E27FC236}">
-                <a16:creationId xmlns:a16="http://schemas.microsoft.com/office/drawing/2014/main" xmlns="" id="{620EA50D-3069-4E9C-8FFC-BC546E3A15F4}"/>
+                <a16:creationId xmlns:a16="http://schemas.microsoft.com/office/drawing/2014/main" id="{620EA50D-3069-4E9C-8FFC-BC546E3A15F4}"/>
               </a:ext>
             </a:extLst>
           </p:cNvPr>
@@ -38177,7 +38164,7 @@
           <p:cNvPr id="255" name="Title 1">
             <a:extLst>
               <a:ext uri="{FF2B5EF4-FFF2-40B4-BE49-F238E27FC236}">
-                <a16:creationId xmlns:a16="http://schemas.microsoft.com/office/drawing/2014/main" xmlns="" id="{B54C3232-AE34-455E-BD45-D58574BAEE43}"/>
+                <a16:creationId xmlns:a16="http://schemas.microsoft.com/office/drawing/2014/main" id="{B54C3232-AE34-455E-BD45-D58574BAEE43}"/>
               </a:ext>
             </a:extLst>
           </p:cNvPr>
@@ -38287,7 +38274,7 @@
           <p:cNvPr id="28" name="TextBox 27">
             <a:extLst>
               <a:ext uri="{FF2B5EF4-FFF2-40B4-BE49-F238E27FC236}">
-                <a16:creationId xmlns:a16="http://schemas.microsoft.com/office/drawing/2014/main" xmlns="" id="{ABC0D35F-21FF-41B3-8BA8-549841DEA239}"/>
+                <a16:creationId xmlns:a16="http://schemas.microsoft.com/office/drawing/2014/main" id="{ABC0D35F-21FF-41B3-8BA8-549841DEA239}"/>
               </a:ext>
             </a:extLst>
           </p:cNvPr>
@@ -38375,7 +38362,7 @@
           <p:cNvPr id="69" name="TextBox 68">
             <a:extLst>
               <a:ext uri="{FF2B5EF4-FFF2-40B4-BE49-F238E27FC236}">
-                <a16:creationId xmlns:a16="http://schemas.microsoft.com/office/drawing/2014/main" xmlns="" id="{0F8DE013-FC2F-46F4-A9E2-7DAC2B41B1DB}"/>
+                <a16:creationId xmlns:a16="http://schemas.microsoft.com/office/drawing/2014/main" id="{0F8DE013-FC2F-46F4-A9E2-7DAC2B41B1DB}"/>
               </a:ext>
             </a:extLst>
           </p:cNvPr>
@@ -38463,7 +38450,7 @@
           <p:cNvPr id="70" name="TextBox 69">
             <a:extLst>
               <a:ext uri="{FF2B5EF4-FFF2-40B4-BE49-F238E27FC236}">
-                <a16:creationId xmlns:a16="http://schemas.microsoft.com/office/drawing/2014/main" xmlns="" id="{B02A9313-CEA0-4760-8047-9EDA3B3378F0}"/>
+                <a16:creationId xmlns:a16="http://schemas.microsoft.com/office/drawing/2014/main" id="{B02A9313-CEA0-4760-8047-9EDA3B3378F0}"/>
               </a:ext>
             </a:extLst>
           </p:cNvPr>
@@ -38551,7 +38538,7 @@
           <p:cNvPr id="51" name="TextBox 50">
             <a:extLst>
               <a:ext uri="{FF2B5EF4-FFF2-40B4-BE49-F238E27FC236}">
-                <a16:creationId xmlns:a16="http://schemas.microsoft.com/office/drawing/2014/main" xmlns="" id="{785603D4-D114-4265-90D5-5656F4A54BAF}"/>
+                <a16:creationId xmlns:a16="http://schemas.microsoft.com/office/drawing/2014/main" id="{785603D4-D114-4265-90D5-5656F4A54BAF}"/>
               </a:ext>
             </a:extLst>
           </p:cNvPr>
@@ -38616,7 +38603,7 @@
           <p:cNvPr id="52" name="TextBox 51">
             <a:extLst>
               <a:ext uri="{FF2B5EF4-FFF2-40B4-BE49-F238E27FC236}">
-                <a16:creationId xmlns:a16="http://schemas.microsoft.com/office/drawing/2014/main" xmlns="" id="{F5A155B5-9046-4346-8D94-C2B8383AE704}"/>
+                <a16:creationId xmlns:a16="http://schemas.microsoft.com/office/drawing/2014/main" id="{F5A155B5-9046-4346-8D94-C2B8383AE704}"/>
               </a:ext>
             </a:extLst>
           </p:cNvPr>
@@ -38681,7 +38668,7 @@
           <p:cNvPr id="53" name="Rectangle 52">
             <a:extLst>
               <a:ext uri="{FF2B5EF4-FFF2-40B4-BE49-F238E27FC236}">
-                <a16:creationId xmlns:a16="http://schemas.microsoft.com/office/drawing/2014/main" xmlns="" id="{ECC657B7-9991-41D5-A7F3-D0D0ACB04604}"/>
+                <a16:creationId xmlns:a16="http://schemas.microsoft.com/office/drawing/2014/main" id="{ECC657B7-9991-41D5-A7F3-D0D0ACB04604}"/>
               </a:ext>
             </a:extLst>
           </p:cNvPr>
@@ -38762,7 +38749,7 @@
           <p:cNvPr id="54" name="Rectangle 53">
             <a:extLst>
               <a:ext uri="{FF2B5EF4-FFF2-40B4-BE49-F238E27FC236}">
-                <a16:creationId xmlns:a16="http://schemas.microsoft.com/office/drawing/2014/main" xmlns="" id="{48007224-3ACD-46B6-B58B-795D14312382}"/>
+                <a16:creationId xmlns:a16="http://schemas.microsoft.com/office/drawing/2014/main" id="{48007224-3ACD-46B6-B58B-795D14312382}"/>
               </a:ext>
             </a:extLst>
           </p:cNvPr>
@@ -38816,7 +38803,7 @@
           <p:cNvPr id="55" name="Rectangle 54">
             <a:extLst>
               <a:ext uri="{FF2B5EF4-FFF2-40B4-BE49-F238E27FC236}">
-                <a16:creationId xmlns:a16="http://schemas.microsoft.com/office/drawing/2014/main" xmlns="" id="{213EC90E-12C6-4A58-BAC3-C1904AE8D31D}"/>
+                <a16:creationId xmlns:a16="http://schemas.microsoft.com/office/drawing/2014/main" id="{213EC90E-12C6-4A58-BAC3-C1904AE8D31D}"/>
               </a:ext>
             </a:extLst>
           </p:cNvPr>
@@ -38902,7 +38889,7 @@
           <p:cNvPr id="59" name="Rectangle 58">
             <a:extLst>
               <a:ext uri="{FF2B5EF4-FFF2-40B4-BE49-F238E27FC236}">
-                <a16:creationId xmlns:a16="http://schemas.microsoft.com/office/drawing/2014/main" xmlns="" id="{F549DFF7-F2C7-45BF-AD9F-296AA876500C}"/>
+                <a16:creationId xmlns:a16="http://schemas.microsoft.com/office/drawing/2014/main" id="{F549DFF7-F2C7-45BF-AD9F-296AA876500C}"/>
               </a:ext>
             </a:extLst>
           </p:cNvPr>
@@ -38959,7 +38946,7 @@
           <p:cNvPr id="60" name="Rectangle 59">
             <a:extLst>
               <a:ext uri="{FF2B5EF4-FFF2-40B4-BE49-F238E27FC236}">
-                <a16:creationId xmlns:a16="http://schemas.microsoft.com/office/drawing/2014/main" xmlns="" id="{5E04C732-92DE-417C-B3AC-5B00FADC0B88}"/>
+                <a16:creationId xmlns:a16="http://schemas.microsoft.com/office/drawing/2014/main" id="{5E04C732-92DE-417C-B3AC-5B00FADC0B88}"/>
               </a:ext>
             </a:extLst>
           </p:cNvPr>
@@ -39013,7 +39000,7 @@
           <p:cNvPr id="61" name="Rectangle 60">
             <a:extLst>
               <a:ext uri="{FF2B5EF4-FFF2-40B4-BE49-F238E27FC236}">
-                <a16:creationId xmlns:a16="http://schemas.microsoft.com/office/drawing/2014/main" xmlns="" id="{67CC3697-2CC5-4C36-9D21-CC3CB353ACC5}"/>
+                <a16:creationId xmlns:a16="http://schemas.microsoft.com/office/drawing/2014/main" id="{67CC3697-2CC5-4C36-9D21-CC3CB353ACC5}"/>
               </a:ext>
             </a:extLst>
           </p:cNvPr>
@@ -39099,7 +39086,7 @@
           <p:cNvPr id="62" name="TextBox 61">
             <a:extLst>
               <a:ext uri="{FF2B5EF4-FFF2-40B4-BE49-F238E27FC236}">
-                <a16:creationId xmlns:a16="http://schemas.microsoft.com/office/drawing/2014/main" xmlns="" id="{61A1DF43-82D3-40BB-BC09-D7E751104E69}"/>
+                <a16:creationId xmlns:a16="http://schemas.microsoft.com/office/drawing/2014/main" id="{61A1DF43-82D3-40BB-BC09-D7E751104E69}"/>
               </a:ext>
             </a:extLst>
           </p:cNvPr>
@@ -39164,7 +39151,7 @@
           <p:cNvPr id="63" name="TextBox 62">
             <a:extLst>
               <a:ext uri="{FF2B5EF4-FFF2-40B4-BE49-F238E27FC236}">
-                <a16:creationId xmlns:a16="http://schemas.microsoft.com/office/drawing/2014/main" xmlns="" id="{36E6A1DD-D64B-4228-8483-D44CC24590C0}"/>
+                <a16:creationId xmlns:a16="http://schemas.microsoft.com/office/drawing/2014/main" id="{36E6A1DD-D64B-4228-8483-D44CC24590C0}"/>
               </a:ext>
             </a:extLst>
           </p:cNvPr>
@@ -39229,7 +39216,7 @@
           <p:cNvPr id="65" name="TextBox 64">
             <a:extLst>
               <a:ext uri="{FF2B5EF4-FFF2-40B4-BE49-F238E27FC236}">
-                <a16:creationId xmlns:a16="http://schemas.microsoft.com/office/drawing/2014/main" xmlns="" id="{9057E5E0-653D-4290-905E-6943040E2FDA}"/>
+                <a16:creationId xmlns:a16="http://schemas.microsoft.com/office/drawing/2014/main" id="{9057E5E0-653D-4290-905E-6943040E2FDA}"/>
               </a:ext>
             </a:extLst>
           </p:cNvPr>
@@ -39294,7 +39281,7 @@
           <p:cNvPr id="66" name="TextBox 65">
             <a:extLst>
               <a:ext uri="{FF2B5EF4-FFF2-40B4-BE49-F238E27FC236}">
-                <a16:creationId xmlns:a16="http://schemas.microsoft.com/office/drawing/2014/main" xmlns="" id="{AD88C6DD-E630-4F06-86C4-87FF66E11DEC}"/>
+                <a16:creationId xmlns:a16="http://schemas.microsoft.com/office/drawing/2014/main" id="{AD88C6DD-E630-4F06-86C4-87FF66E11DEC}"/>
               </a:ext>
             </a:extLst>
           </p:cNvPr>
@@ -39382,7 +39369,7 @@
           <p:cNvPr id="67" name="TextBox 66">
             <a:extLst>
               <a:ext uri="{FF2B5EF4-FFF2-40B4-BE49-F238E27FC236}">
-                <a16:creationId xmlns:a16="http://schemas.microsoft.com/office/drawing/2014/main" xmlns="" id="{F8DCB9AF-71A8-4681-BFF8-A1C29E5BD16B}"/>
+                <a16:creationId xmlns:a16="http://schemas.microsoft.com/office/drawing/2014/main" id="{F8DCB9AF-71A8-4681-BFF8-A1C29E5BD16B}"/>
               </a:ext>
             </a:extLst>
           </p:cNvPr>
@@ -39470,7 +39457,7 @@
           <p:cNvPr id="68" name="TextBox 67">
             <a:extLst>
               <a:ext uri="{FF2B5EF4-FFF2-40B4-BE49-F238E27FC236}">
-                <a16:creationId xmlns:a16="http://schemas.microsoft.com/office/drawing/2014/main" xmlns="" id="{979F8F0E-1D29-4081-951D-BFC8A79D60CE}"/>
+                <a16:creationId xmlns:a16="http://schemas.microsoft.com/office/drawing/2014/main" id="{979F8F0E-1D29-4081-951D-BFC8A79D60CE}"/>
               </a:ext>
             </a:extLst>
           </p:cNvPr>
@@ -39541,7 +39528,7 @@
           <p:cNvPr id="75" name="Rectangle 74">
             <a:extLst>
               <a:ext uri="{FF2B5EF4-FFF2-40B4-BE49-F238E27FC236}">
-                <a16:creationId xmlns:a16="http://schemas.microsoft.com/office/drawing/2014/main" xmlns="" id="{CABD2ED7-4160-4725-B37F-D713247A1290}"/>
+                <a16:creationId xmlns:a16="http://schemas.microsoft.com/office/drawing/2014/main" id="{CABD2ED7-4160-4725-B37F-D713247A1290}"/>
               </a:ext>
             </a:extLst>
           </p:cNvPr>
@@ -39616,7 +39603,7 @@
           <p:cNvPr id="76" name="Rectangle 75">
             <a:extLst>
               <a:ext uri="{FF2B5EF4-FFF2-40B4-BE49-F238E27FC236}">
-                <a16:creationId xmlns:a16="http://schemas.microsoft.com/office/drawing/2014/main" xmlns="" id="{62321179-7032-41C6-87AD-29E6D00C550F}"/>
+                <a16:creationId xmlns:a16="http://schemas.microsoft.com/office/drawing/2014/main" id="{62321179-7032-41C6-87AD-29E6D00C550F}"/>
               </a:ext>
             </a:extLst>
           </p:cNvPr>
@@ -39694,7 +39681,7 @@
           <p:cNvPr id="77" name="Rectangle 76">
             <a:extLst>
               <a:ext uri="{FF2B5EF4-FFF2-40B4-BE49-F238E27FC236}">
-                <a16:creationId xmlns:a16="http://schemas.microsoft.com/office/drawing/2014/main" xmlns="" id="{C873A4B6-80AE-4240-AC75-4CFBB156C5E8}"/>
+                <a16:creationId xmlns:a16="http://schemas.microsoft.com/office/drawing/2014/main" id="{C873A4B6-80AE-4240-AC75-4CFBB156C5E8}"/>
               </a:ext>
             </a:extLst>
           </p:cNvPr>
@@ -39769,7 +39756,7 @@
           <p:cNvPr id="81" name="Rectangle 80">
             <a:extLst>
               <a:ext uri="{FF2B5EF4-FFF2-40B4-BE49-F238E27FC236}">
-                <a16:creationId xmlns:a16="http://schemas.microsoft.com/office/drawing/2014/main" xmlns="" id="{6030E46E-C4C6-4F30-A08F-D1693581E612}"/>
+                <a16:creationId xmlns:a16="http://schemas.microsoft.com/office/drawing/2014/main" id="{6030E46E-C4C6-4F30-A08F-D1693581E612}"/>
               </a:ext>
             </a:extLst>
           </p:cNvPr>
@@ -39826,7 +39813,7 @@
           <p:cNvPr id="82" name="Rectangle 81">
             <a:extLst>
               <a:ext uri="{FF2B5EF4-FFF2-40B4-BE49-F238E27FC236}">
-                <a16:creationId xmlns:a16="http://schemas.microsoft.com/office/drawing/2014/main" xmlns="" id="{731D07D4-038D-41EE-855A-A0E15F7B95E4}"/>
+                <a16:creationId xmlns:a16="http://schemas.microsoft.com/office/drawing/2014/main" id="{731D07D4-038D-41EE-855A-A0E15F7B95E4}"/>
               </a:ext>
             </a:extLst>
           </p:cNvPr>
@@ -39880,7 +39867,7 @@
           <p:cNvPr id="83" name="Rectangle 82">
             <a:extLst>
               <a:ext uri="{FF2B5EF4-FFF2-40B4-BE49-F238E27FC236}">
-                <a16:creationId xmlns:a16="http://schemas.microsoft.com/office/drawing/2014/main" xmlns="" id="{2C003A59-92D9-4F83-AE81-9EA2519A586E}"/>
+                <a16:creationId xmlns:a16="http://schemas.microsoft.com/office/drawing/2014/main" id="{2C003A59-92D9-4F83-AE81-9EA2519A586E}"/>
               </a:ext>
             </a:extLst>
           </p:cNvPr>
@@ -39966,7 +39953,7 @@
           <p:cNvPr id="84" name="Rectangle 83">
             <a:extLst>
               <a:ext uri="{FF2B5EF4-FFF2-40B4-BE49-F238E27FC236}">
-                <a16:creationId xmlns:a16="http://schemas.microsoft.com/office/drawing/2014/main" xmlns="" id="{49BEC1AB-C617-4EBE-A840-42DFD12B8A7A}"/>
+                <a16:creationId xmlns:a16="http://schemas.microsoft.com/office/drawing/2014/main" id="{49BEC1AB-C617-4EBE-A840-42DFD12B8A7A}"/>
               </a:ext>
             </a:extLst>
           </p:cNvPr>
@@ -40047,7 +40034,7 @@
           <p:cNvPr id="85" name="Rectangle 84">
             <a:extLst>
               <a:ext uri="{FF2B5EF4-FFF2-40B4-BE49-F238E27FC236}">
-                <a16:creationId xmlns:a16="http://schemas.microsoft.com/office/drawing/2014/main" xmlns="" id="{8EE97DD9-CD5A-4BC1-9BE6-E1E6BD56DFF2}"/>
+                <a16:creationId xmlns:a16="http://schemas.microsoft.com/office/drawing/2014/main" id="{8EE97DD9-CD5A-4BC1-9BE6-E1E6BD56DFF2}"/>
               </a:ext>
             </a:extLst>
           </p:cNvPr>
@@ -40101,7 +40088,7 @@
           <p:cNvPr id="86" name="Rectangle 85">
             <a:extLst>
               <a:ext uri="{FF2B5EF4-FFF2-40B4-BE49-F238E27FC236}">
-                <a16:creationId xmlns:a16="http://schemas.microsoft.com/office/drawing/2014/main" xmlns="" id="{7C5ED532-1A25-4B26-978C-7082CA343F14}"/>
+                <a16:creationId xmlns:a16="http://schemas.microsoft.com/office/drawing/2014/main" id="{7C5ED532-1A25-4B26-978C-7082CA343F14}"/>
               </a:ext>
             </a:extLst>
           </p:cNvPr>
@@ -40187,7 +40174,7 @@
           <p:cNvPr id="87" name="Rectangle 86">
             <a:extLst>
               <a:ext uri="{FF2B5EF4-FFF2-40B4-BE49-F238E27FC236}">
-                <a16:creationId xmlns:a16="http://schemas.microsoft.com/office/drawing/2014/main" xmlns="" id="{6AC5FACA-FC4F-483F-B914-FF9CE6B21573}"/>
+                <a16:creationId xmlns:a16="http://schemas.microsoft.com/office/drawing/2014/main" id="{6AC5FACA-FC4F-483F-B914-FF9CE6B21573}"/>
               </a:ext>
             </a:extLst>
           </p:cNvPr>
@@ -40268,7 +40255,7 @@
           <p:cNvPr id="88" name="Rectangle 87">
             <a:extLst>
               <a:ext uri="{FF2B5EF4-FFF2-40B4-BE49-F238E27FC236}">
-                <a16:creationId xmlns:a16="http://schemas.microsoft.com/office/drawing/2014/main" xmlns="" id="{F47A1061-0D9F-4EDE-B6EF-DE3EA2C96A22}"/>
+                <a16:creationId xmlns:a16="http://schemas.microsoft.com/office/drawing/2014/main" id="{F47A1061-0D9F-4EDE-B6EF-DE3EA2C96A22}"/>
               </a:ext>
             </a:extLst>
           </p:cNvPr>
@@ -40346,7 +40333,7 @@
           <p:cNvPr id="89" name="Rectangle 88">
             <a:extLst>
               <a:ext uri="{FF2B5EF4-FFF2-40B4-BE49-F238E27FC236}">
-                <a16:creationId xmlns:a16="http://schemas.microsoft.com/office/drawing/2014/main" xmlns="" id="{8D6AB86D-21B0-42F8-98EC-C062E979E8C8}"/>
+                <a16:creationId xmlns:a16="http://schemas.microsoft.com/office/drawing/2014/main" id="{8D6AB86D-21B0-42F8-98EC-C062E979E8C8}"/>
               </a:ext>
             </a:extLst>
           </p:cNvPr>
@@ -40421,7 +40408,7 @@
           <p:cNvPr id="90" name="Rectangle 89">
             <a:extLst>
               <a:ext uri="{FF2B5EF4-FFF2-40B4-BE49-F238E27FC236}">
-                <a16:creationId xmlns:a16="http://schemas.microsoft.com/office/drawing/2014/main" xmlns="" id="{2FD93EAC-A80B-4185-B9CF-77E7B18AD121}"/>
+                <a16:creationId xmlns:a16="http://schemas.microsoft.com/office/drawing/2014/main" id="{2FD93EAC-A80B-4185-B9CF-77E7B18AD121}"/>
               </a:ext>
             </a:extLst>
           </p:cNvPr>
@@ -40502,7 +40489,7 @@
           <p:cNvPr id="91" name="Rectangle 90">
             <a:extLst>
               <a:ext uri="{FF2B5EF4-FFF2-40B4-BE49-F238E27FC236}">
-                <a16:creationId xmlns:a16="http://schemas.microsoft.com/office/drawing/2014/main" xmlns="" id="{370C3AB2-42D8-4824-8075-629485572256}"/>
+                <a16:creationId xmlns:a16="http://schemas.microsoft.com/office/drawing/2014/main" id="{370C3AB2-42D8-4824-8075-629485572256}"/>
               </a:ext>
             </a:extLst>
           </p:cNvPr>
@@ -40580,7 +40567,7 @@
           <p:cNvPr id="92" name="Rectangle 91">
             <a:extLst>
               <a:ext uri="{FF2B5EF4-FFF2-40B4-BE49-F238E27FC236}">
-                <a16:creationId xmlns:a16="http://schemas.microsoft.com/office/drawing/2014/main" xmlns="" id="{5F3B901A-EC58-41BE-8FED-5369529C33C0}"/>
+                <a16:creationId xmlns:a16="http://schemas.microsoft.com/office/drawing/2014/main" id="{5F3B901A-EC58-41BE-8FED-5369529C33C0}"/>
               </a:ext>
             </a:extLst>
           </p:cNvPr>
@@ -40655,7 +40642,7 @@
           <p:cNvPr id="93" name="Straight Arrow Connector 92">
             <a:extLst>
               <a:ext uri="{FF2B5EF4-FFF2-40B4-BE49-F238E27FC236}">
-                <a16:creationId xmlns:a16="http://schemas.microsoft.com/office/drawing/2014/main" xmlns="" id="{51186656-C9C2-4367-B426-A3281BF0AC77}"/>
+                <a16:creationId xmlns:a16="http://schemas.microsoft.com/office/drawing/2014/main" id="{51186656-C9C2-4367-B426-A3281BF0AC77}"/>
               </a:ext>
             </a:extLst>
           </p:cNvPr>
@@ -40696,7 +40683,7 @@
           <p:cNvPr id="94" name="Straight Arrow Connector 93">
             <a:extLst>
               <a:ext uri="{FF2B5EF4-FFF2-40B4-BE49-F238E27FC236}">
-                <a16:creationId xmlns:a16="http://schemas.microsoft.com/office/drawing/2014/main" xmlns="" id="{04688AD6-462C-4DA1-B75F-AE787F97350B}"/>
+                <a16:creationId xmlns:a16="http://schemas.microsoft.com/office/drawing/2014/main" id="{04688AD6-462C-4DA1-B75F-AE787F97350B}"/>
               </a:ext>
             </a:extLst>
           </p:cNvPr>
@@ -40737,7 +40724,7 @@
           <p:cNvPr id="10" name="TextBox 9">
             <a:extLst>
               <a:ext uri="{FF2B5EF4-FFF2-40B4-BE49-F238E27FC236}">
-                <a16:creationId xmlns:a16="http://schemas.microsoft.com/office/drawing/2014/main" xmlns="" id="{7EE1FA8B-DD4F-4F27-AA65-B353605899D6}"/>
+                <a16:creationId xmlns:a16="http://schemas.microsoft.com/office/drawing/2014/main" id="{7EE1FA8B-DD4F-4F27-AA65-B353605899D6}"/>
               </a:ext>
             </a:extLst>
           </p:cNvPr>
@@ -40858,7 +40845,7 @@
           <p:cNvPr id="131" name="Rectangle 130">
             <a:extLst>
               <a:ext uri="{FF2B5EF4-FFF2-40B4-BE49-F238E27FC236}">
-                <a16:creationId xmlns:a16="http://schemas.microsoft.com/office/drawing/2014/main" xmlns="" id="{28115567-EDBE-411D-B50D-3CD2B76516B0}"/>
+                <a16:creationId xmlns:a16="http://schemas.microsoft.com/office/drawing/2014/main" id="{28115567-EDBE-411D-B50D-3CD2B76516B0}"/>
               </a:ext>
             </a:extLst>
           </p:cNvPr>
@@ -40939,7 +40926,7 @@
           <p:cNvPr id="132" name="Rectangle 131">
             <a:extLst>
               <a:ext uri="{FF2B5EF4-FFF2-40B4-BE49-F238E27FC236}">
-                <a16:creationId xmlns:a16="http://schemas.microsoft.com/office/drawing/2014/main" xmlns="" id="{D8DB4043-76A7-4F12-A22B-4399ADEC0E74}"/>
+                <a16:creationId xmlns:a16="http://schemas.microsoft.com/office/drawing/2014/main" id="{D8DB4043-76A7-4F12-A22B-4399ADEC0E74}"/>
               </a:ext>
             </a:extLst>
           </p:cNvPr>
@@ -41017,7 +41004,7 @@
           <p:cNvPr id="133" name="Rectangle 132">
             <a:extLst>
               <a:ext uri="{FF2B5EF4-FFF2-40B4-BE49-F238E27FC236}">
-                <a16:creationId xmlns:a16="http://schemas.microsoft.com/office/drawing/2014/main" xmlns="" id="{26ACEDC7-7B37-4D8D-80C6-30F59485C7A1}"/>
+                <a16:creationId xmlns:a16="http://schemas.microsoft.com/office/drawing/2014/main" id="{26ACEDC7-7B37-4D8D-80C6-30F59485C7A1}"/>
               </a:ext>
             </a:extLst>
           </p:cNvPr>
@@ -41092,7 +41079,7 @@
           <p:cNvPr id="134" name="Rectangle 133">
             <a:extLst>
               <a:ext uri="{FF2B5EF4-FFF2-40B4-BE49-F238E27FC236}">
-                <a16:creationId xmlns:a16="http://schemas.microsoft.com/office/drawing/2014/main" xmlns="" id="{1C90FE7A-ABFB-44FB-B6B8-A7FD50C93A83}"/>
+                <a16:creationId xmlns:a16="http://schemas.microsoft.com/office/drawing/2014/main" id="{1C90FE7A-ABFB-44FB-B6B8-A7FD50C93A83}"/>
               </a:ext>
             </a:extLst>
           </p:cNvPr>
@@ -41173,7 +41160,7 @@
           <p:cNvPr id="135" name="Rectangle 134">
             <a:extLst>
               <a:ext uri="{FF2B5EF4-FFF2-40B4-BE49-F238E27FC236}">
-                <a16:creationId xmlns:a16="http://schemas.microsoft.com/office/drawing/2014/main" xmlns="" id="{E1F9B3A6-EAF2-413F-A20A-ABA77E76B46D}"/>
+                <a16:creationId xmlns:a16="http://schemas.microsoft.com/office/drawing/2014/main" id="{E1F9B3A6-EAF2-413F-A20A-ABA77E76B46D}"/>
               </a:ext>
             </a:extLst>
           </p:cNvPr>
@@ -41251,7 +41238,7 @@
           <p:cNvPr id="136" name="Rectangle 135">
             <a:extLst>
               <a:ext uri="{FF2B5EF4-FFF2-40B4-BE49-F238E27FC236}">
-                <a16:creationId xmlns:a16="http://schemas.microsoft.com/office/drawing/2014/main" xmlns="" id="{9B21AE7B-F7EA-4C33-B1E8-6DC3056B115D}"/>
+                <a16:creationId xmlns:a16="http://schemas.microsoft.com/office/drawing/2014/main" id="{9B21AE7B-F7EA-4C33-B1E8-6DC3056B115D}"/>
               </a:ext>
             </a:extLst>
           </p:cNvPr>
@@ -41326,7 +41313,7 @@
           <p:cNvPr id="138" name="Rectangle 137">
             <a:extLst>
               <a:ext uri="{FF2B5EF4-FFF2-40B4-BE49-F238E27FC236}">
-                <a16:creationId xmlns:a16="http://schemas.microsoft.com/office/drawing/2014/main" xmlns="" id="{FDEF223F-5D75-469A-94A1-C4E6533BD1F5}"/>
+                <a16:creationId xmlns:a16="http://schemas.microsoft.com/office/drawing/2014/main" id="{FDEF223F-5D75-469A-94A1-C4E6533BD1F5}"/>
               </a:ext>
             </a:extLst>
           </p:cNvPr>
@@ -41412,7 +41399,7 @@
           <p:cNvPr id="139" name="Rectangle 138">
             <a:extLst>
               <a:ext uri="{FF2B5EF4-FFF2-40B4-BE49-F238E27FC236}">
-                <a16:creationId xmlns:a16="http://schemas.microsoft.com/office/drawing/2014/main" xmlns="" id="{96B3360D-5AAC-4571-B314-6F17378DE3C0}"/>
+                <a16:creationId xmlns:a16="http://schemas.microsoft.com/office/drawing/2014/main" id="{96B3360D-5AAC-4571-B314-6F17378DE3C0}"/>
               </a:ext>
             </a:extLst>
           </p:cNvPr>
@@ -41498,7 +41485,7 @@
           <p:cNvPr id="140" name="TextBox 139">
             <a:extLst>
               <a:ext uri="{FF2B5EF4-FFF2-40B4-BE49-F238E27FC236}">
-                <a16:creationId xmlns:a16="http://schemas.microsoft.com/office/drawing/2014/main" xmlns="" id="{4D402957-B0DF-4DD4-936F-DE366FC494E6}"/>
+                <a16:creationId xmlns:a16="http://schemas.microsoft.com/office/drawing/2014/main" id="{4D402957-B0DF-4DD4-936F-DE366FC494E6}"/>
               </a:ext>
             </a:extLst>
           </p:cNvPr>
@@ -41586,7 +41573,7 @@
           <p:cNvPr id="141" name="TextBox 140">
             <a:extLst>
               <a:ext uri="{FF2B5EF4-FFF2-40B4-BE49-F238E27FC236}">
-                <a16:creationId xmlns:a16="http://schemas.microsoft.com/office/drawing/2014/main" xmlns="" id="{C7524BB1-4EC3-45F1-AFC7-2B010F62CCFC}"/>
+                <a16:creationId xmlns:a16="http://schemas.microsoft.com/office/drawing/2014/main" id="{C7524BB1-4EC3-45F1-AFC7-2B010F62CCFC}"/>
               </a:ext>
             </a:extLst>
           </p:cNvPr>
@@ -41674,7 +41661,7 @@
           <p:cNvPr id="142" name="TextBox 141">
             <a:extLst>
               <a:ext uri="{FF2B5EF4-FFF2-40B4-BE49-F238E27FC236}">
-                <a16:creationId xmlns:a16="http://schemas.microsoft.com/office/drawing/2014/main" xmlns="" id="{961B7682-C456-4D0C-A7DB-DC41D01C60D6}"/>
+                <a16:creationId xmlns:a16="http://schemas.microsoft.com/office/drawing/2014/main" id="{961B7682-C456-4D0C-A7DB-DC41D01C60D6}"/>
               </a:ext>
             </a:extLst>
           </p:cNvPr>
@@ -41745,7 +41732,7 @@
           <p:cNvPr id="143" name="TextBox 142">
             <a:extLst>
               <a:ext uri="{FF2B5EF4-FFF2-40B4-BE49-F238E27FC236}">
-                <a16:creationId xmlns:a16="http://schemas.microsoft.com/office/drawing/2014/main" xmlns="" id="{4453B14D-6EB1-4866-BE89-F75A7633DD19}"/>
+                <a16:creationId xmlns:a16="http://schemas.microsoft.com/office/drawing/2014/main" id="{4453B14D-6EB1-4866-BE89-F75A7633DD19}"/>
               </a:ext>
             </a:extLst>
           </p:cNvPr>
@@ -41833,7 +41820,7 @@
           <p:cNvPr id="11" name="TextBox 10">
             <a:extLst>
               <a:ext uri="{FF2B5EF4-FFF2-40B4-BE49-F238E27FC236}">
-                <a16:creationId xmlns:a16="http://schemas.microsoft.com/office/drawing/2014/main" xmlns="" id="{1AC35287-F8AC-44FD-969C-1E19E338840C}"/>
+                <a16:creationId xmlns:a16="http://schemas.microsoft.com/office/drawing/2014/main" id="{1AC35287-F8AC-44FD-969C-1E19E338840C}"/>
               </a:ext>
             </a:extLst>
           </p:cNvPr>
@@ -41868,7 +41855,7 @@
           <p:cNvPr id="144" name="TextBox 143">
             <a:extLst>
               <a:ext uri="{FF2B5EF4-FFF2-40B4-BE49-F238E27FC236}">
-                <a16:creationId xmlns:a16="http://schemas.microsoft.com/office/drawing/2014/main" xmlns="" id="{62F98CD0-53C6-42A9-AAB7-F52F23FCCB35}"/>
+                <a16:creationId xmlns:a16="http://schemas.microsoft.com/office/drawing/2014/main" id="{62F98CD0-53C6-42A9-AAB7-F52F23FCCB35}"/>
               </a:ext>
             </a:extLst>
           </p:cNvPr>
@@ -41903,7 +41890,7 @@
           <p:cNvPr id="71" name="Rectangle 70">
             <a:extLst>
               <a:ext uri="{FF2B5EF4-FFF2-40B4-BE49-F238E27FC236}">
-                <a16:creationId xmlns:a16="http://schemas.microsoft.com/office/drawing/2014/main" xmlns="" id="{444595A8-3EF6-464B-AA9F-622E7C20ED83}"/>
+                <a16:creationId xmlns:a16="http://schemas.microsoft.com/office/drawing/2014/main" id="{444595A8-3EF6-464B-AA9F-622E7C20ED83}"/>
               </a:ext>
             </a:extLst>
           </p:cNvPr>
@@ -41978,7 +41965,7 @@
           <p:cNvPr id="72" name="Rectangle 71">
             <a:extLst>
               <a:ext uri="{FF2B5EF4-FFF2-40B4-BE49-F238E27FC236}">
-                <a16:creationId xmlns:a16="http://schemas.microsoft.com/office/drawing/2014/main" xmlns="" id="{8EFF8420-1866-4569-A418-DFC27B3E13BD}"/>
+                <a16:creationId xmlns:a16="http://schemas.microsoft.com/office/drawing/2014/main" id="{8EFF8420-1866-4569-A418-DFC27B3E13BD}"/>
               </a:ext>
             </a:extLst>
           </p:cNvPr>
@@ -42056,7 +42043,7 @@
           <p:cNvPr id="73" name="Rectangle 72">
             <a:extLst>
               <a:ext uri="{FF2B5EF4-FFF2-40B4-BE49-F238E27FC236}">
-                <a16:creationId xmlns:a16="http://schemas.microsoft.com/office/drawing/2014/main" xmlns="" id="{04DA3C07-CAA5-4234-8C5D-1D655FA0847A}"/>
+                <a16:creationId xmlns:a16="http://schemas.microsoft.com/office/drawing/2014/main" id="{04DA3C07-CAA5-4234-8C5D-1D655FA0847A}"/>
               </a:ext>
             </a:extLst>
           </p:cNvPr>
@@ -42131,7 +42118,7 @@
           <p:cNvPr id="74" name="Rectangle 73">
             <a:extLst>
               <a:ext uri="{FF2B5EF4-FFF2-40B4-BE49-F238E27FC236}">
-                <a16:creationId xmlns:a16="http://schemas.microsoft.com/office/drawing/2014/main" xmlns="" id="{967E5322-35DF-4C4B-B3DD-EC9376D927E6}"/>
+                <a16:creationId xmlns:a16="http://schemas.microsoft.com/office/drawing/2014/main" id="{967E5322-35DF-4C4B-B3DD-EC9376D927E6}"/>
               </a:ext>
             </a:extLst>
           </p:cNvPr>
@@ -42216,7 +42203,7 @@
           <p:cNvPr id="78" name="TextBox 77">
             <a:extLst>
               <a:ext uri="{FF2B5EF4-FFF2-40B4-BE49-F238E27FC236}">
-                <a16:creationId xmlns:a16="http://schemas.microsoft.com/office/drawing/2014/main" xmlns="" id="{2519C956-A21D-4CB5-987D-8C2FB55EC948}"/>
+                <a16:creationId xmlns:a16="http://schemas.microsoft.com/office/drawing/2014/main" id="{2519C956-A21D-4CB5-987D-8C2FB55EC948}"/>
               </a:ext>
             </a:extLst>
           </p:cNvPr>
@@ -42259,7 +42246,7 @@
   <p:timing>
     <p:tnLst>
       <p:par>
-        <p:cTn xmlns:p14="http://schemas.microsoft.com/office/powerpoint/2010/main" id="1" dur="indefinite" restart="never" nodeType="tmRoot">
+        <p:cTn id="1" dur="indefinite" restart="never" nodeType="tmRoot">
           <p:childTnLst>
             <p:seq concurrent="1" nextAc="seek">
               <p:cTn id="2" dur="indefinite" nodeType="mainSeq">
@@ -43317,7 +43304,7 @@
           <p:cNvPr id="2" name="Title 1">
             <a:extLst>
               <a:ext uri="{FF2B5EF4-FFF2-40B4-BE49-F238E27FC236}">
-                <a16:creationId xmlns:a16="http://schemas.microsoft.com/office/drawing/2014/main" xmlns="" id="{EC84C91D-5C9A-4516-BC67-968A5870A641}"/>
+                <a16:creationId xmlns:a16="http://schemas.microsoft.com/office/drawing/2014/main" id="{EC84C91D-5C9A-4516-BC67-968A5870A641}"/>
               </a:ext>
             </a:extLst>
           </p:cNvPr>
@@ -43345,7 +43332,7 @@
           <p:cNvPr id="6" name="Text Placeholder 2">
             <a:extLst>
               <a:ext uri="{FF2B5EF4-FFF2-40B4-BE49-F238E27FC236}">
-                <a16:creationId xmlns:a16="http://schemas.microsoft.com/office/drawing/2014/main" xmlns="" id="{B2492802-8B0C-4827-9851-9AFF7EA821E8}"/>
+                <a16:creationId xmlns:a16="http://schemas.microsoft.com/office/drawing/2014/main" id="{B2492802-8B0C-4827-9851-9AFF7EA821E8}"/>
               </a:ext>
             </a:extLst>
           </p:cNvPr>
@@ -43404,7 +43391,7 @@
           <p:cNvPr id="4" name="TextBox 3">
             <a:extLst>
               <a:ext uri="{FF2B5EF4-FFF2-40B4-BE49-F238E27FC236}">
-                <a16:creationId xmlns:a16="http://schemas.microsoft.com/office/drawing/2014/main" xmlns="" id="{9E665622-F0C0-44B9-9F84-863EB613C870}"/>
+                <a16:creationId xmlns:a16="http://schemas.microsoft.com/office/drawing/2014/main" id="{9E665622-F0C0-44B9-9F84-863EB613C870}"/>
               </a:ext>
             </a:extLst>
           </p:cNvPr>
@@ -43617,7 +43604,7 @@
           <p:cNvPr id="5" name="Text Placeholder 2">
             <a:extLst>
               <a:ext uri="{FF2B5EF4-FFF2-40B4-BE49-F238E27FC236}">
-                <a16:creationId xmlns:a16="http://schemas.microsoft.com/office/drawing/2014/main" xmlns="" id="{DB83BC58-8F38-4E0B-B376-21C7E7EA8044}"/>
+                <a16:creationId xmlns:a16="http://schemas.microsoft.com/office/drawing/2014/main" id="{DB83BC58-8F38-4E0B-B376-21C7E7EA8044}"/>
               </a:ext>
             </a:extLst>
           </p:cNvPr>
@@ -43859,7 +43846,7 @@
           <p:cNvPr id="2" name="Title 1">
             <a:extLst>
               <a:ext uri="{FF2B5EF4-FFF2-40B4-BE49-F238E27FC236}">
-                <a16:creationId xmlns:a16="http://schemas.microsoft.com/office/drawing/2014/main" xmlns="" id="{EC84C91D-5C9A-4516-BC67-968A5870A641}"/>
+                <a16:creationId xmlns:a16="http://schemas.microsoft.com/office/drawing/2014/main" id="{EC84C91D-5C9A-4516-BC67-968A5870A641}"/>
               </a:ext>
             </a:extLst>
           </p:cNvPr>
@@ -43887,7 +43874,7 @@
           <p:cNvPr id="6" name="Text Placeholder 2">
             <a:extLst>
               <a:ext uri="{FF2B5EF4-FFF2-40B4-BE49-F238E27FC236}">
-                <a16:creationId xmlns:a16="http://schemas.microsoft.com/office/drawing/2014/main" xmlns="" id="{B2492802-8B0C-4827-9851-9AFF7EA821E8}"/>
+                <a16:creationId xmlns:a16="http://schemas.microsoft.com/office/drawing/2014/main" id="{B2492802-8B0C-4827-9851-9AFF7EA821E8}"/>
               </a:ext>
             </a:extLst>
           </p:cNvPr>
@@ -43963,7 +43950,7 @@
           <p:cNvPr id="7" name="TextBox 6">
             <a:extLst>
               <a:ext uri="{FF2B5EF4-FFF2-40B4-BE49-F238E27FC236}">
-                <a16:creationId xmlns:a16="http://schemas.microsoft.com/office/drawing/2014/main" xmlns="" id="{A64584C6-93C5-4320-9BAA-82F80ECEFE7B}"/>
+                <a16:creationId xmlns:a16="http://schemas.microsoft.com/office/drawing/2014/main" id="{A64584C6-93C5-4320-9BAA-82F80ECEFE7B}"/>
               </a:ext>
             </a:extLst>
           </p:cNvPr>
@@ -44214,7 +44201,7 @@
           <p:cNvPr id="2" name="Title 1">
             <a:extLst>
               <a:ext uri="{FF2B5EF4-FFF2-40B4-BE49-F238E27FC236}">
-                <a16:creationId xmlns:a16="http://schemas.microsoft.com/office/drawing/2014/main" xmlns="" id="{EC84C91D-5C9A-4516-BC67-968A5870A641}"/>
+                <a16:creationId xmlns:a16="http://schemas.microsoft.com/office/drawing/2014/main" id="{EC84C91D-5C9A-4516-BC67-968A5870A641}"/>
               </a:ext>
             </a:extLst>
           </p:cNvPr>
@@ -44242,7 +44229,7 @@
           <p:cNvPr id="6" name="Text Placeholder 2">
             <a:extLst>
               <a:ext uri="{FF2B5EF4-FFF2-40B4-BE49-F238E27FC236}">
-                <a16:creationId xmlns:a16="http://schemas.microsoft.com/office/drawing/2014/main" xmlns="" id="{B2492802-8B0C-4827-9851-9AFF7EA821E8}"/>
+                <a16:creationId xmlns:a16="http://schemas.microsoft.com/office/drawing/2014/main" id="{B2492802-8B0C-4827-9851-9AFF7EA821E8}"/>
               </a:ext>
             </a:extLst>
           </p:cNvPr>
